--- a/3. SQL/1. SQL Basics/1. SQL Basics.pptx
+++ b/3. SQL/1. SQL Basics/1. SQL Basics.pptx
@@ -35,7 +35,6 @@
     <p:sldId id="280" r:id="rId32"/>
     <p:sldId id="281" r:id="rId33"/>
     <p:sldId id="282" r:id="rId34"/>
-    <p:sldId id="283" r:id="rId35"/>
   </p:sldIdLst>
   <p:sldSz cx="24384000" cy="13716000"/>
   <p:notesSz cx="6858000" cy="9144000"/>
@@ -1592,6 +1591,17 @@
 <file path=ppt/slideLayouts/slideLayout16.xml><?xml version="1.0" encoding="utf-8"?>
 <p:sldLayout xmlns:a="http://schemas.openxmlformats.org/drawingml/2006/main" xmlns:r="http://schemas.openxmlformats.org/officeDocument/2006/relationships" xmlns:p="http://schemas.openxmlformats.org/presentationml/2006/main" xmlns:m="http://schemas.openxmlformats.org/officeDocument/2006/math" xmlns:a14="http://schemas.microsoft.com/office/drawing/2010/main" type="tx" showMasterSp="1" showMasterPhAnim="1">
   <p:cSld name="TITLE">
+    <p:bg>
+      <p:bgPr>
+        <a:blipFill rotWithShape="1">
+          <a:blip r:embed="rId2"/>
+          <a:srcRect l="0" t="0" r="0" b="0"/>
+          <a:stretch>
+            <a:fillRect/>
+          </a:stretch>
+        </a:blipFill>
+      </p:bgPr>
+    </p:bg>
     <p:spTree>
       <p:nvGrpSpPr>
         <p:cNvPr id="1" name=""/>
@@ -4365,13 +4375,6 @@
 <file path=ppt/slides/slide1.xml><?xml version="1.0" encoding="utf-8"?>
 <p:sld xmlns:a="http://schemas.openxmlformats.org/drawingml/2006/main" xmlns:r="http://schemas.openxmlformats.org/officeDocument/2006/relationships" xmlns:p="http://schemas.openxmlformats.org/presentationml/2006/main" xmlns:m="http://schemas.openxmlformats.org/officeDocument/2006/math" xmlns:a14="http://schemas.microsoft.com/office/drawing/2010/main" showMasterSp="1" showMasterPhAnim="1">
   <p:cSld>
-    <p:bg>
-      <p:bgPr>
-        <a:solidFill>
-          <a:srgbClr val="EDDACC"/>
-        </a:solidFill>
-      </p:bgPr>
-    </p:bg>
     <p:spTree>
       <p:nvGrpSpPr>
         <p:cNvPr id="1" name=""/>
@@ -4386,38 +4389,9 @@
           <a:chExt cx="0" cy="0"/>
         </a:xfrm>
       </p:grpSpPr>
-      <p:pic>
-        <p:nvPicPr>
-          <p:cNvPr id="169" name="5f461d116006137.6059ac1f3a043.jpg" descr="5f461d116006137.6059ac1f3a043.jpg"/>
-          <p:cNvPicPr>
-            <a:picLocks noChangeAspect="1"/>
-          </p:cNvPicPr>
-          <p:nvPr/>
-        </p:nvPicPr>
-        <p:blipFill>
-          <a:blip r:embed="rId2">
-            <a:extLst/>
-          </a:blip>
-          <a:stretch>
-            <a:fillRect/>
-          </a:stretch>
-        </p:blipFill>
-        <p:spPr>
-          <a:xfrm>
-            <a:off x="-77249" y="-2562010"/>
-            <a:ext cx="24538498" cy="16359000"/>
-          </a:xfrm>
-          <a:prstGeom prst="rect">
-            <a:avLst/>
-          </a:prstGeom>
-          <a:ln w="12700">
-            <a:miter lim="400000"/>
-          </a:ln>
-        </p:spPr>
-      </p:pic>
       <p:sp>
         <p:nvSpPr>
-          <p:cNvPr id="170" name="SQL - Basics"/>
+          <p:cNvPr id="169" name="SQL - Basics"/>
           <p:cNvSpPr txBox="1"/>
           <p:nvPr/>
         </p:nvSpPr>
@@ -4478,13 +4452,6 @@
 <file path=ppt/slides/slide10.xml><?xml version="1.0" encoding="utf-8"?>
 <p:sld xmlns:a="http://schemas.openxmlformats.org/drawingml/2006/main" xmlns:r="http://schemas.openxmlformats.org/officeDocument/2006/relationships" xmlns:p="http://schemas.openxmlformats.org/presentationml/2006/main" xmlns:m="http://schemas.openxmlformats.org/officeDocument/2006/math" xmlns:a14="http://schemas.microsoft.com/office/drawing/2010/main" showMasterSp="1" showMasterPhAnim="1">
   <p:cSld>
-    <p:bg>
-      <p:bgPr>
-        <a:solidFill>
-          <a:srgbClr val="EDDACC"/>
-        </a:solidFill>
-      </p:bgPr>
-    </p:bg>
     <p:spTree>
       <p:nvGrpSpPr>
         <p:cNvPr id="1" name=""/>
@@ -4499,38 +4466,48 @@
           <a:chExt cx="0" cy="0"/>
         </a:xfrm>
       </p:grpSpPr>
-      <p:pic>
-        <p:nvPicPr>
-          <p:cNvPr id="208" name="5f461d116006137.6059ac1f3a043.jpg" descr="5f461d116006137.6059ac1f3a043.jpg"/>
-          <p:cNvPicPr>
-            <a:picLocks noChangeAspect="1"/>
-          </p:cNvPicPr>
+      <p:sp>
+        <p:nvSpPr>
+          <p:cNvPr id="201" name="Rectángulo"/>
+          <p:cNvSpPr/>
           <p:nvPr/>
-        </p:nvPicPr>
-        <p:blipFill>
-          <a:blip r:embed="rId2">
-            <a:extLst/>
-          </a:blip>
-          <a:stretch>
-            <a:fillRect/>
-          </a:stretch>
-        </p:blipFill>
+        </p:nvSpPr>
         <p:spPr>
           <a:xfrm>
-            <a:off x="-77249" y="-2562010"/>
-            <a:ext cx="24538498" cy="16359000"/>
+            <a:off x="2707927" y="8597287"/>
+            <a:ext cx="19113479" cy="4153327"/>
           </a:xfrm>
           <a:prstGeom prst="rect">
             <a:avLst/>
           </a:prstGeom>
+          <a:solidFill>
+            <a:srgbClr val="FFFFFF"/>
+          </a:solidFill>
           <a:ln w="12700">
             <a:miter lim="400000"/>
           </a:ln>
         </p:spPr>
-      </p:pic>
+        <p:txBody>
+          <a:bodyPr lIns="50800" tIns="50800" rIns="50800" bIns="50800" anchor="ctr"/>
+          <a:lstStyle/>
+          <a:p>
+            <a:pPr defTabSz="825500">
+              <a:defRPr sz="3200">
+                <a:solidFill>
+                  <a:srgbClr val="FFFFFF"/>
+                </a:solidFill>
+                <a:latin typeface="Helvetica Neue Medium"/>
+                <a:ea typeface="Helvetica Neue Medium"/>
+                <a:cs typeface="Helvetica Neue Medium"/>
+                <a:sym typeface="Helvetica Neue Medium"/>
+              </a:defRPr>
+            </a:pPr>
+          </a:p>
+        </p:txBody>
+      </p:sp>
       <p:sp>
         <p:nvSpPr>
-          <p:cNvPr id="209" name="Google Shape;55;p13"/>
+          <p:cNvPr id="202" name="Google Shape;55;p13"/>
           <p:cNvSpPr txBox="1"/>
           <p:nvPr>
             <p:ph type="title"/>
@@ -4570,7 +4547,7 @@
       </p:sp>
       <p:sp>
         <p:nvSpPr>
-          <p:cNvPr id="210" name="Google Shape;69;p14"/>
+          <p:cNvPr id="203" name="Google Shape;69;p14"/>
           <p:cNvSpPr txBox="1"/>
           <p:nvPr/>
         </p:nvSpPr>
@@ -4663,13 +4640,13 @@
       </p:sp>
       <p:graphicFrame>
         <p:nvGraphicFramePr>
-          <p:cNvPr id="211" name="Tabla"/>
+          <p:cNvPr id="204" name="Tabla"/>
           <p:cNvGraphicFramePr/>
           <p:nvPr/>
         </p:nvGraphicFramePr>
         <p:xfrm>
-          <a:off x="2686506" y="7670854"/>
-          <a:ext cx="19169022" cy="5088013"/>
+          <a:off x="2686506" y="7662985"/>
+          <a:ext cx="19169022" cy="5088014"/>
         </p:xfrm>
         <a:graphic xmlns:a="http://schemas.openxmlformats.org/drawingml/2006/main">
           <a:graphicData uri="http://schemas.openxmlformats.org/drawingml/2006/table">
@@ -4700,27 +4677,27 @@
                     </a:p>
                   </a:txBody>
                   <a:tcPr marL="50800" marR="50800" marT="50800" marB="50800" anchor="ctr" anchorCtr="0" horzOverflow="overflow">
-                    <a:lnL w="12700">
+                    <a:lnL w="50800">
                       <a:solidFill>
-                        <a:srgbClr val="FFFFFF"/>
+                        <a:srgbClr val="929292"/>
                       </a:solidFill>
                       <a:miter lim="400000"/>
                     </a:lnL>
                     <a:lnR w="12700">
                       <a:solidFill>
-                        <a:srgbClr val="FFFFFF"/>
+                        <a:srgbClr val="929292"/>
                       </a:solidFill>
                       <a:miter lim="400000"/>
                     </a:lnR>
-                    <a:lnT w="12700">
+                    <a:lnT w="50800">
                       <a:solidFill>
-                        <a:srgbClr val="FFFFFF"/>
+                        <a:srgbClr val="929292"/>
                       </a:solidFill>
                       <a:miter lim="400000"/>
                     </a:lnT>
                     <a:lnB w="12700">
                       <a:solidFill>
-                        <a:srgbClr val="FFFFFF"/>
+                        <a:srgbClr val="929292"/>
                       </a:solidFill>
                       <a:miter lim="400000"/>
                     </a:lnB>
@@ -4745,25 +4722,25 @@
                   <a:tcPr marL="50800" marR="50800" marT="50800" marB="50800" anchor="ctr" anchorCtr="0" horzOverflow="overflow">
                     <a:lnL w="12700">
                       <a:solidFill>
-                        <a:srgbClr val="FFFFFF"/>
+                        <a:srgbClr val="929292"/>
                       </a:solidFill>
                       <a:miter lim="400000"/>
                     </a:lnL>
                     <a:lnR w="12700">
                       <a:solidFill>
-                        <a:srgbClr val="FFFFFF"/>
+                        <a:srgbClr val="929292"/>
                       </a:solidFill>
                       <a:miter lim="400000"/>
                     </a:lnR>
-                    <a:lnT w="12700">
+                    <a:lnT w="50800">
                       <a:solidFill>
-                        <a:srgbClr val="FFFFFF"/>
+                        <a:srgbClr val="929292"/>
                       </a:solidFill>
                       <a:miter lim="400000"/>
                     </a:lnT>
                     <a:lnB w="12700">
                       <a:solidFill>
-                        <a:srgbClr val="FFFFFF"/>
+                        <a:srgbClr val="929292"/>
                       </a:solidFill>
                       <a:miter lim="400000"/>
                     </a:lnB>
@@ -4788,25 +4765,25 @@
                   <a:tcPr marL="50800" marR="50800" marT="50800" marB="50800" anchor="ctr" anchorCtr="0" horzOverflow="overflow">
                     <a:lnL w="12700">
                       <a:solidFill>
-                        <a:srgbClr val="FFFFFF"/>
+                        <a:srgbClr val="929292"/>
                       </a:solidFill>
                       <a:miter lim="400000"/>
                     </a:lnL>
-                    <a:lnR w="12700">
+                    <a:lnR w="50800">
                       <a:solidFill>
-                        <a:srgbClr val="FFFFFF"/>
+                        <a:srgbClr val="929292"/>
                       </a:solidFill>
                       <a:miter lim="400000"/>
                     </a:lnR>
-                    <a:lnT w="12700">
+                    <a:lnT w="50800">
                       <a:solidFill>
-                        <a:srgbClr val="FFFFFF"/>
+                        <a:srgbClr val="929292"/>
                       </a:solidFill>
                       <a:miter lim="400000"/>
                     </a:lnT>
                     <a:lnB w="12700">
                       <a:solidFill>
-                        <a:srgbClr val="FFFFFF"/>
+                        <a:srgbClr val="929292"/>
                       </a:solidFill>
                       <a:miter lim="400000"/>
                     </a:lnB>
@@ -4829,27 +4806,75 @@
                     </a:p>
                   </a:txBody>
                   <a:tcPr marL="50800" marR="50800" marT="50800" marB="50800" anchor="ctr" anchorCtr="0" horzOverflow="overflow">
-                    <a:lnL w="12700">
+                    <a:lnL w="50800">
                       <a:solidFill>
-                        <a:srgbClr val="FFFFFF"/>
+                        <a:srgbClr val="929292"/>
                       </a:solidFill>
                       <a:miter lim="400000"/>
                     </a:lnL>
                     <a:lnR w="12700">
                       <a:solidFill>
-                        <a:srgbClr val="FFFFFF"/>
+                        <a:srgbClr val="929292"/>
                       </a:solidFill>
                       <a:miter lim="400000"/>
                     </a:lnR>
                     <a:lnT w="12700">
                       <a:solidFill>
-                        <a:srgbClr val="FFFFFF"/>
+                        <a:srgbClr val="929292"/>
                       </a:solidFill>
                       <a:miter lim="400000"/>
                     </a:lnT>
-                    <a:lnB w="12700">
+                    <a:lnB w="50800">
                       <a:solidFill>
-                        <a:srgbClr val="FFFFFF"/>
+                        <a:srgbClr val="929292"/>
+                      </a:solidFill>
+                      <a:miter lim="400000"/>
+                    </a:lnB>
+                    <a:blipFill rotWithShape="1">
+                      <a:blip r:embed="rId2"/>
+                      <a:srcRect l="0" t="0" r="0" b="0"/>
+                      <a:stretch>
+                        <a:fillRect/>
+                      </a:stretch>
+                    </a:blipFill>
+                  </a:tcPr>
+                </a:tc>
+                <a:tc>
+                  <a:txBody>
+                    <a:bodyPr/>
+                    <a:lstStyle/>
+                    <a:p>
+                      <a:pPr defTabSz="914400">
+                        <a:defRPr sz="3200">
+                          <a:solidFill>
+                            <a:srgbClr val="FFFFFF"/>
+                          </a:solidFill>
+                        </a:defRPr>
+                      </a:pPr>
+                    </a:p>
+                  </a:txBody>
+                  <a:tcPr marL="50800" marR="50800" marT="50800" marB="50800" anchor="ctr" anchorCtr="0" horzOverflow="overflow">
+                    <a:lnL w="12700">
+                      <a:solidFill>
+                        <a:srgbClr val="929292"/>
+                      </a:solidFill>
+                      <a:miter lim="400000"/>
+                    </a:lnL>
+                    <a:lnR w="12700">
+                      <a:solidFill>
+                        <a:srgbClr val="929292"/>
+                      </a:solidFill>
+                      <a:miter lim="400000"/>
+                    </a:lnR>
+                    <a:lnT w="12700">
+                      <a:solidFill>
+                        <a:srgbClr val="929292"/>
+                      </a:solidFill>
+                      <a:miter lim="400000"/>
+                    </a:lnT>
+                    <a:lnB w="50800">
+                      <a:solidFill>
+                        <a:srgbClr val="929292"/>
                       </a:solidFill>
                       <a:miter lim="400000"/>
                     </a:lnB>
@@ -4879,78 +4904,30 @@
                   <a:tcPr marL="50800" marR="50800" marT="50800" marB="50800" anchor="ctr" anchorCtr="0" horzOverflow="overflow">
                     <a:lnL w="12700">
                       <a:solidFill>
-                        <a:srgbClr val="FFFFFF"/>
+                        <a:srgbClr val="929292"/>
                       </a:solidFill>
                       <a:miter lim="400000"/>
                     </a:lnL>
-                    <a:lnR w="12700">
+                    <a:lnR w="50800">
                       <a:solidFill>
-                        <a:srgbClr val="FFFFFF"/>
+                        <a:srgbClr val="929292"/>
                       </a:solidFill>
                       <a:miter lim="400000"/>
                     </a:lnR>
                     <a:lnT w="12700">
                       <a:solidFill>
-                        <a:srgbClr val="FFFFFF"/>
+                        <a:srgbClr val="929292"/>
                       </a:solidFill>
                       <a:miter lim="400000"/>
                     </a:lnT>
-                    <a:lnB w="12700">
+                    <a:lnB w="50800">
                       <a:solidFill>
-                        <a:srgbClr val="FFFFFF"/>
+                        <a:srgbClr val="929292"/>
                       </a:solidFill>
                       <a:miter lim="400000"/>
                     </a:lnB>
                     <a:blipFill rotWithShape="1">
                       <a:blip r:embed="rId4"/>
-                      <a:srcRect l="0" t="0" r="0" b="0"/>
-                      <a:stretch>
-                        <a:fillRect/>
-                      </a:stretch>
-                    </a:blipFill>
-                  </a:tcPr>
-                </a:tc>
-                <a:tc>
-                  <a:txBody>
-                    <a:bodyPr/>
-                    <a:lstStyle/>
-                    <a:p>
-                      <a:pPr defTabSz="914400">
-                        <a:defRPr sz="3200">
-                          <a:solidFill>
-                            <a:srgbClr val="FFFFFF"/>
-                          </a:solidFill>
-                        </a:defRPr>
-                      </a:pPr>
-                    </a:p>
-                  </a:txBody>
-                  <a:tcPr marL="50800" marR="50800" marT="50800" marB="50800" anchor="ctr" anchorCtr="0" horzOverflow="overflow">
-                    <a:lnL w="12700">
-                      <a:solidFill>
-                        <a:srgbClr val="FFFFFF"/>
-                      </a:solidFill>
-                      <a:miter lim="400000"/>
-                    </a:lnL>
-                    <a:lnR w="12700">
-                      <a:solidFill>
-                        <a:srgbClr val="FFFFFF"/>
-                      </a:solidFill>
-                      <a:miter lim="400000"/>
-                    </a:lnR>
-                    <a:lnT w="12700">
-                      <a:solidFill>
-                        <a:srgbClr val="FFFFFF"/>
-                      </a:solidFill>
-                      <a:miter lim="400000"/>
-                    </a:lnT>
-                    <a:lnB w="12700">
-                      <a:solidFill>
-                        <a:srgbClr val="FFFFFF"/>
-                      </a:solidFill>
-                      <a:miter lim="400000"/>
-                    </a:lnB>
-                    <a:blipFill rotWithShape="1">
-                      <a:blip r:embed="rId5"/>
                       <a:srcRect l="0" t="0" r="0" b="0"/>
                       <a:stretch>
                         <a:fillRect/>
@@ -4975,13 +4952,6 @@
 <file path=ppt/slides/slide11.xml><?xml version="1.0" encoding="utf-8"?>
 <p:sld xmlns:a="http://schemas.openxmlformats.org/drawingml/2006/main" xmlns:r="http://schemas.openxmlformats.org/officeDocument/2006/relationships" xmlns:p="http://schemas.openxmlformats.org/presentationml/2006/main" xmlns:m="http://schemas.openxmlformats.org/officeDocument/2006/math" xmlns:a14="http://schemas.microsoft.com/office/drawing/2010/main" showMasterSp="1" showMasterPhAnim="1">
   <p:cSld>
-    <p:bg>
-      <p:bgPr>
-        <a:solidFill>
-          <a:srgbClr val="EDDACC"/>
-        </a:solidFill>
-      </p:bgPr>
-    </p:bg>
     <p:spTree>
       <p:nvGrpSpPr>
         <p:cNvPr id="1" name=""/>
@@ -4996,38 +4966,9 @@
           <a:chExt cx="0" cy="0"/>
         </a:xfrm>
       </p:grpSpPr>
-      <p:pic>
-        <p:nvPicPr>
-          <p:cNvPr id="213" name="5f461d116006137.6059ac1f3a043.jpg" descr="5f461d116006137.6059ac1f3a043.jpg"/>
-          <p:cNvPicPr>
-            <a:picLocks noChangeAspect="1"/>
-          </p:cNvPicPr>
-          <p:nvPr/>
-        </p:nvPicPr>
-        <p:blipFill>
-          <a:blip r:embed="rId2">
-            <a:extLst/>
-          </a:blip>
-          <a:stretch>
-            <a:fillRect/>
-          </a:stretch>
-        </p:blipFill>
-        <p:spPr>
-          <a:xfrm>
-            <a:off x="-77249" y="-2562010"/>
-            <a:ext cx="24538498" cy="16359000"/>
-          </a:xfrm>
-          <a:prstGeom prst="rect">
-            <a:avLst/>
-          </a:prstGeom>
-          <a:ln w="12700">
-            <a:miter lim="400000"/>
-          </a:ln>
-        </p:spPr>
-      </p:pic>
       <p:sp>
         <p:nvSpPr>
-          <p:cNvPr id="214" name="Google Shape;55;p13"/>
+          <p:cNvPr id="206" name="Google Shape;55;p13"/>
           <p:cNvSpPr txBox="1"/>
           <p:nvPr>
             <p:ph type="title"/>
@@ -5067,7 +5008,7 @@
       </p:sp>
       <p:sp>
         <p:nvSpPr>
-          <p:cNvPr id="215" name="Google Shape;69;p14"/>
+          <p:cNvPr id="207" name="Google Shape;69;p14"/>
           <p:cNvSpPr txBox="1"/>
           <p:nvPr/>
         </p:nvSpPr>
@@ -5347,13 +5288,6 @@
 <file path=ppt/slides/slide12.xml><?xml version="1.0" encoding="utf-8"?>
 <p:sld xmlns:a="http://schemas.openxmlformats.org/drawingml/2006/main" xmlns:r="http://schemas.openxmlformats.org/officeDocument/2006/relationships" xmlns:p="http://schemas.openxmlformats.org/presentationml/2006/main" xmlns:m="http://schemas.openxmlformats.org/officeDocument/2006/math" xmlns:a14="http://schemas.microsoft.com/office/drawing/2010/main" showMasterSp="1" showMasterPhAnim="1">
   <p:cSld>
-    <p:bg>
-      <p:bgPr>
-        <a:solidFill>
-          <a:srgbClr val="EDDACC"/>
-        </a:solidFill>
-      </p:bgPr>
-    </p:bg>
     <p:spTree>
       <p:nvGrpSpPr>
         <p:cNvPr id="1" name=""/>
@@ -5368,38 +5302,9 @@
           <a:chExt cx="0" cy="0"/>
         </a:xfrm>
       </p:grpSpPr>
-      <p:pic>
-        <p:nvPicPr>
-          <p:cNvPr id="217" name="5f461d116006137.6059ac1f3a043.jpg" descr="5f461d116006137.6059ac1f3a043.jpg"/>
-          <p:cNvPicPr>
-            <a:picLocks noChangeAspect="1"/>
-          </p:cNvPicPr>
-          <p:nvPr/>
-        </p:nvPicPr>
-        <p:blipFill>
-          <a:blip r:embed="rId2">
-            <a:extLst/>
-          </a:blip>
-          <a:stretch>
-            <a:fillRect/>
-          </a:stretch>
-        </p:blipFill>
-        <p:spPr>
-          <a:xfrm>
-            <a:off x="-77249" y="-2562010"/>
-            <a:ext cx="24538498" cy="16359000"/>
-          </a:xfrm>
-          <a:prstGeom prst="rect">
-            <a:avLst/>
-          </a:prstGeom>
-          <a:ln w="12700">
-            <a:miter lim="400000"/>
-          </a:ln>
-        </p:spPr>
-      </p:pic>
       <p:sp>
         <p:nvSpPr>
-          <p:cNvPr id="218" name="Google Shape;55;p13"/>
+          <p:cNvPr id="209" name="Google Shape;55;p13"/>
           <p:cNvSpPr txBox="1"/>
           <p:nvPr>
             <p:ph type="title"/>
@@ -5439,7 +5344,7 @@
       </p:sp>
       <p:sp>
         <p:nvSpPr>
-          <p:cNvPr id="219" name="Google Shape;69;p14"/>
+          <p:cNvPr id="210" name="Google Shape;69;p14"/>
           <p:cNvSpPr txBox="1"/>
           <p:nvPr/>
         </p:nvSpPr>
@@ -5551,7 +5456,7 @@
                     <a:srgbClr val="0563C1"/>
                   </a:solidFill>
                 </a:uFill>
-                <a:hlinkClick r:id="rId3" invalidUrl="" action="" tgtFrame="" tooltip="" history="1" highlightClick="0" endSnd="0"/>
+                <a:hlinkClick r:id="rId2" invalidUrl="" action="" tgtFrame="" tooltip="" history="1" highlightClick="0" endSnd="0"/>
               </a:rPr>
               <a:t>Sakila</a:t>
             </a:r>
@@ -5603,13 +5508,6 @@
 <file path=ppt/slides/slide13.xml><?xml version="1.0" encoding="utf-8"?>
 <p:sld xmlns:a="http://schemas.openxmlformats.org/drawingml/2006/main" xmlns:r="http://schemas.openxmlformats.org/officeDocument/2006/relationships" xmlns:p="http://schemas.openxmlformats.org/presentationml/2006/main" xmlns:m="http://schemas.openxmlformats.org/officeDocument/2006/math" xmlns:a14="http://schemas.microsoft.com/office/drawing/2010/main" showMasterSp="1" showMasterPhAnim="1">
   <p:cSld>
-    <p:bg>
-      <p:bgPr>
-        <a:solidFill>
-          <a:srgbClr val="EDDACC"/>
-        </a:solidFill>
-      </p:bgPr>
-    </p:bg>
     <p:spTree>
       <p:nvGrpSpPr>
         <p:cNvPr id="1" name=""/>
@@ -5624,38 +5522,48 @@
           <a:chExt cx="0" cy="0"/>
         </a:xfrm>
       </p:grpSpPr>
-      <p:pic>
-        <p:nvPicPr>
-          <p:cNvPr id="221" name="5f461d116006137.6059ac1f3a043.jpg" descr="5f461d116006137.6059ac1f3a043.jpg"/>
-          <p:cNvPicPr>
-            <a:picLocks noChangeAspect="1"/>
-          </p:cNvPicPr>
+      <p:sp>
+        <p:nvSpPr>
+          <p:cNvPr id="212" name="Rectángulo"/>
+          <p:cNvSpPr/>
           <p:nvPr/>
-        </p:nvPicPr>
-        <p:blipFill>
-          <a:blip r:embed="rId2">
-            <a:extLst/>
-          </a:blip>
-          <a:stretch>
-            <a:fillRect/>
-          </a:stretch>
-        </p:blipFill>
+        </p:nvSpPr>
         <p:spPr>
           <a:xfrm>
-            <a:off x="-77249" y="-2562010"/>
-            <a:ext cx="24538498" cy="16359000"/>
+            <a:off x="7819480" y="3704156"/>
+            <a:ext cx="8745040" cy="9825715"/>
           </a:xfrm>
           <a:prstGeom prst="rect">
             <a:avLst/>
           </a:prstGeom>
+          <a:solidFill>
+            <a:srgbClr val="FFFFFF"/>
+          </a:solidFill>
           <a:ln w="12700">
             <a:miter lim="400000"/>
           </a:ln>
         </p:spPr>
-      </p:pic>
+        <p:txBody>
+          <a:bodyPr lIns="50800" tIns="50800" rIns="50800" bIns="50800" anchor="ctr"/>
+          <a:lstStyle/>
+          <a:p>
+            <a:pPr defTabSz="825500">
+              <a:defRPr sz="3200">
+                <a:solidFill>
+                  <a:srgbClr val="FFFFFF"/>
+                </a:solidFill>
+                <a:latin typeface="Helvetica Neue Medium"/>
+                <a:ea typeface="Helvetica Neue Medium"/>
+                <a:cs typeface="Helvetica Neue Medium"/>
+                <a:sym typeface="Helvetica Neue Medium"/>
+              </a:defRPr>
+            </a:pPr>
+          </a:p>
+        </p:txBody>
+      </p:sp>
       <p:sp>
         <p:nvSpPr>
-          <p:cNvPr id="222" name="Google Shape;55;p13"/>
+          <p:cNvPr id="213" name="Google Shape;55;p13"/>
           <p:cNvSpPr txBox="1"/>
           <p:nvPr>
             <p:ph type="title"/>
@@ -5695,14 +5603,14 @@
       </p:sp>
       <p:pic>
         <p:nvPicPr>
-          <p:cNvPr id="223" name="sql6.png" descr="sql6.png"/>
+          <p:cNvPr id="214" name="sql6.png" descr="sql6.png"/>
           <p:cNvPicPr>
             <a:picLocks noChangeAspect="1"/>
           </p:cNvPicPr>
           <p:nvPr/>
         </p:nvPicPr>
         <p:blipFill>
-          <a:blip r:embed="rId3">
+          <a:blip r:embed="rId2">
             <a:extLst/>
           </a:blip>
           <a:srcRect l="15" t="0" r="15" b="0"/>
@@ -5735,13 +5643,6 @@
 <file path=ppt/slides/slide14.xml><?xml version="1.0" encoding="utf-8"?>
 <p:sld xmlns:a="http://schemas.openxmlformats.org/drawingml/2006/main" xmlns:r="http://schemas.openxmlformats.org/officeDocument/2006/relationships" xmlns:p="http://schemas.openxmlformats.org/presentationml/2006/main" xmlns:m="http://schemas.openxmlformats.org/officeDocument/2006/math" xmlns:a14="http://schemas.microsoft.com/office/drawing/2010/main" showMasterSp="1" showMasterPhAnim="1">
   <p:cSld>
-    <p:bg>
-      <p:bgPr>
-        <a:solidFill>
-          <a:srgbClr val="EDDACC"/>
-        </a:solidFill>
-      </p:bgPr>
-    </p:bg>
     <p:spTree>
       <p:nvGrpSpPr>
         <p:cNvPr id="1" name=""/>
@@ -5756,38 +5657,9 @@
           <a:chExt cx="0" cy="0"/>
         </a:xfrm>
       </p:grpSpPr>
-      <p:pic>
-        <p:nvPicPr>
-          <p:cNvPr id="225" name="5f461d116006137.6059ac1f3a043.jpg" descr="5f461d116006137.6059ac1f3a043.jpg"/>
-          <p:cNvPicPr>
-            <a:picLocks noChangeAspect="1"/>
-          </p:cNvPicPr>
-          <p:nvPr/>
-        </p:nvPicPr>
-        <p:blipFill>
-          <a:blip r:embed="rId2">
-            <a:extLst/>
-          </a:blip>
-          <a:stretch>
-            <a:fillRect/>
-          </a:stretch>
-        </p:blipFill>
-        <p:spPr>
-          <a:xfrm>
-            <a:off x="-77249" y="-2562010"/>
-            <a:ext cx="24538498" cy="16359000"/>
-          </a:xfrm>
-          <a:prstGeom prst="rect">
-            <a:avLst/>
-          </a:prstGeom>
-          <a:ln w="12700">
-            <a:miter lim="400000"/>
-          </a:ln>
-        </p:spPr>
-      </p:pic>
       <p:sp>
         <p:nvSpPr>
-          <p:cNvPr id="226" name="Google Shape;55;p13"/>
+          <p:cNvPr id="216" name="Google Shape;55;p13"/>
           <p:cNvSpPr txBox="1"/>
           <p:nvPr>
             <p:ph type="title"/>
@@ -5827,7 +5699,7 @@
       </p:sp>
       <p:sp>
         <p:nvSpPr>
-          <p:cNvPr id="227" name="Google Shape;69;p14"/>
+          <p:cNvPr id="217" name="Google Shape;69;p14"/>
           <p:cNvSpPr txBox="1"/>
           <p:nvPr/>
         </p:nvSpPr>
@@ -6145,13 +6017,6 @@
 <file path=ppt/slides/slide15.xml><?xml version="1.0" encoding="utf-8"?>
 <p:sld xmlns:a="http://schemas.openxmlformats.org/drawingml/2006/main" xmlns:r="http://schemas.openxmlformats.org/officeDocument/2006/relationships" xmlns:p="http://schemas.openxmlformats.org/presentationml/2006/main" xmlns:m="http://schemas.openxmlformats.org/officeDocument/2006/math" xmlns:a14="http://schemas.microsoft.com/office/drawing/2010/main" showMasterSp="1" showMasterPhAnim="1">
   <p:cSld>
-    <p:bg>
-      <p:bgPr>
-        <a:solidFill>
-          <a:srgbClr val="EDDACC"/>
-        </a:solidFill>
-      </p:bgPr>
-    </p:bg>
     <p:spTree>
       <p:nvGrpSpPr>
         <p:cNvPr id="1" name=""/>
@@ -6166,38 +6031,9 @@
           <a:chExt cx="0" cy="0"/>
         </a:xfrm>
       </p:grpSpPr>
-      <p:pic>
-        <p:nvPicPr>
-          <p:cNvPr id="229" name="5f461d116006137.6059ac1f3a043.jpg" descr="5f461d116006137.6059ac1f3a043.jpg"/>
-          <p:cNvPicPr>
-            <a:picLocks noChangeAspect="1"/>
-          </p:cNvPicPr>
-          <p:nvPr/>
-        </p:nvPicPr>
-        <p:blipFill>
-          <a:blip r:embed="rId2">
-            <a:extLst/>
-          </a:blip>
-          <a:stretch>
-            <a:fillRect/>
-          </a:stretch>
-        </p:blipFill>
-        <p:spPr>
-          <a:xfrm>
-            <a:off x="-77249" y="-2562010"/>
-            <a:ext cx="24538498" cy="16359000"/>
-          </a:xfrm>
-          <a:prstGeom prst="rect">
-            <a:avLst/>
-          </a:prstGeom>
-          <a:ln w="12700">
-            <a:miter lim="400000"/>
-          </a:ln>
-        </p:spPr>
-      </p:pic>
       <p:sp>
         <p:nvSpPr>
-          <p:cNvPr id="230" name="Google Shape;55;p13"/>
+          <p:cNvPr id="219" name="Google Shape;55;p13"/>
           <p:cNvSpPr txBox="1"/>
           <p:nvPr>
             <p:ph type="title"/>
@@ -6237,14 +6073,14 @@
       </p:sp>
       <p:sp>
         <p:nvSpPr>
-          <p:cNvPr id="231" name="Google Shape;69;p14"/>
+          <p:cNvPr id="220" name="Google Shape;69;p14"/>
           <p:cNvSpPr txBox="1"/>
           <p:nvPr/>
         </p:nvSpPr>
         <p:spPr>
           <a:xfrm>
-            <a:off x="3087356" y="3397316"/>
-            <a:ext cx="7058801" cy="10154842"/>
+            <a:off x="3087356" y="3397317"/>
+            <a:ext cx="7058801" cy="10154841"/>
           </a:xfrm>
           <a:prstGeom prst="rect">
             <a:avLst/>
@@ -6433,14 +6269,14 @@
       </p:sp>
       <p:sp>
         <p:nvSpPr>
-          <p:cNvPr id="232" name="Google Shape;69;p14"/>
+          <p:cNvPr id="221" name="Google Shape;69;p14"/>
           <p:cNvSpPr txBox="1"/>
           <p:nvPr/>
         </p:nvSpPr>
         <p:spPr>
           <a:xfrm>
-            <a:off x="11023840" y="3397316"/>
-            <a:ext cx="11630247" cy="10154842"/>
+            <a:off x="11023840" y="3397317"/>
+            <a:ext cx="11630247" cy="10154841"/>
           </a:xfrm>
           <a:prstGeom prst="rect">
             <a:avLst/>
@@ -6660,7 +6496,7 @@
       </p:sp>
       <p:sp>
         <p:nvSpPr>
-          <p:cNvPr id="233" name="Línea"/>
+          <p:cNvPr id="222" name="Línea"/>
           <p:cNvSpPr/>
           <p:nvPr/>
         </p:nvSpPr>
@@ -6699,13 +6535,6 @@
 <file path=ppt/slides/slide16.xml><?xml version="1.0" encoding="utf-8"?>
 <p:sld xmlns:a="http://schemas.openxmlformats.org/drawingml/2006/main" xmlns:r="http://schemas.openxmlformats.org/officeDocument/2006/relationships" xmlns:p="http://schemas.openxmlformats.org/presentationml/2006/main" xmlns:m="http://schemas.openxmlformats.org/officeDocument/2006/math" xmlns:a14="http://schemas.microsoft.com/office/drawing/2010/main" showMasterSp="1" showMasterPhAnim="1">
   <p:cSld>
-    <p:bg>
-      <p:bgPr>
-        <a:solidFill>
-          <a:srgbClr val="EDDACC"/>
-        </a:solidFill>
-      </p:bgPr>
-    </p:bg>
     <p:spTree>
       <p:nvGrpSpPr>
         <p:cNvPr id="1" name=""/>
@@ -6720,38 +6549,9 @@
           <a:chExt cx="0" cy="0"/>
         </a:xfrm>
       </p:grpSpPr>
-      <p:pic>
-        <p:nvPicPr>
-          <p:cNvPr id="235" name="5f461d116006137.6059ac1f3a043.jpg" descr="5f461d116006137.6059ac1f3a043.jpg"/>
-          <p:cNvPicPr>
-            <a:picLocks noChangeAspect="1"/>
-          </p:cNvPicPr>
-          <p:nvPr/>
-        </p:nvPicPr>
-        <p:blipFill>
-          <a:blip r:embed="rId2">
-            <a:extLst/>
-          </a:blip>
-          <a:stretch>
-            <a:fillRect/>
-          </a:stretch>
-        </p:blipFill>
-        <p:spPr>
-          <a:xfrm>
-            <a:off x="-77249" y="-2562010"/>
-            <a:ext cx="24538498" cy="16359000"/>
-          </a:xfrm>
-          <a:prstGeom prst="rect">
-            <a:avLst/>
-          </a:prstGeom>
-          <a:ln w="12700">
-            <a:miter lim="400000"/>
-          </a:ln>
-        </p:spPr>
-      </p:pic>
       <p:sp>
         <p:nvSpPr>
-          <p:cNvPr id="236" name="Google Shape;55;p13"/>
+          <p:cNvPr id="224" name="Google Shape;55;p13"/>
           <p:cNvSpPr txBox="1"/>
           <p:nvPr>
             <p:ph type="title"/>
@@ -6791,7 +6591,7 @@
       </p:sp>
       <p:sp>
         <p:nvSpPr>
-          <p:cNvPr id="237" name="Google Shape;69;p14"/>
+          <p:cNvPr id="225" name="Google Shape;69;p14"/>
           <p:cNvSpPr txBox="1"/>
           <p:nvPr/>
         </p:nvSpPr>
@@ -6852,13 +6652,6 @@
 <file path=ppt/slides/slide17.xml><?xml version="1.0" encoding="utf-8"?>
 <p:sld xmlns:a="http://schemas.openxmlformats.org/drawingml/2006/main" xmlns:r="http://schemas.openxmlformats.org/officeDocument/2006/relationships" xmlns:p="http://schemas.openxmlformats.org/presentationml/2006/main" xmlns:m="http://schemas.openxmlformats.org/officeDocument/2006/math" xmlns:a14="http://schemas.microsoft.com/office/drawing/2010/main" showMasterSp="1" showMasterPhAnim="1">
   <p:cSld>
-    <p:bg>
-      <p:bgPr>
-        <a:solidFill>
-          <a:srgbClr val="EDDACC"/>
-        </a:solidFill>
-      </p:bgPr>
-    </p:bg>
     <p:spTree>
       <p:nvGrpSpPr>
         <p:cNvPr id="1" name=""/>
@@ -6873,38 +6666,9 @@
           <a:chExt cx="0" cy="0"/>
         </a:xfrm>
       </p:grpSpPr>
-      <p:pic>
-        <p:nvPicPr>
-          <p:cNvPr id="239" name="5f461d116006137.6059ac1f3a043.jpg" descr="5f461d116006137.6059ac1f3a043.jpg"/>
-          <p:cNvPicPr>
-            <a:picLocks noChangeAspect="1"/>
-          </p:cNvPicPr>
-          <p:nvPr/>
-        </p:nvPicPr>
-        <p:blipFill>
-          <a:blip r:embed="rId2">
-            <a:extLst/>
-          </a:blip>
-          <a:stretch>
-            <a:fillRect/>
-          </a:stretch>
-        </p:blipFill>
-        <p:spPr>
-          <a:xfrm>
-            <a:off x="-77249" y="-2562010"/>
-            <a:ext cx="24538498" cy="16359000"/>
-          </a:xfrm>
-          <a:prstGeom prst="rect">
-            <a:avLst/>
-          </a:prstGeom>
-          <a:ln w="12700">
-            <a:miter lim="400000"/>
-          </a:ln>
-        </p:spPr>
-      </p:pic>
       <p:sp>
         <p:nvSpPr>
-          <p:cNvPr id="240" name="Google Shape;55;p13"/>
+          <p:cNvPr id="227" name="Google Shape;55;p13"/>
           <p:cNvSpPr txBox="1"/>
           <p:nvPr>
             <p:ph type="title"/>
@@ -6937,463 +6701,14 @@
           <a:p>
             <a:pPr/>
             <a:r>
-              <a:t>SQL - SELECT Statement</a:t>
+              <a:t>SQL - Conditional</a:t>
             </a:r>
           </a:p>
         </p:txBody>
       </p:sp>
       <p:sp>
         <p:nvSpPr>
-          <p:cNvPr id="241" name="Google Shape;69;p14"/>
-          <p:cNvSpPr txBox="1"/>
-          <p:nvPr/>
-        </p:nvSpPr>
-        <p:spPr>
-          <a:xfrm>
-            <a:off x="313265" y="2528523"/>
-            <a:ext cx="23757470" cy="11450241"/>
-          </a:xfrm>
-          <a:prstGeom prst="rect">
-            <a:avLst/>
-          </a:prstGeom>
-          <a:ln w="12700">
-            <a:miter lim="400000"/>
-          </a:ln>
-          <a:extLst>
-            <a:ext uri="{C572A759-6A51-4108-AA02-DFA0A04FC94B}">
-              <ma14:wrappingTextBoxFlag xmlns:ma14="http://schemas.microsoft.com/office/mac/drawingml/2011/main" val="1"/>
-            </a:ext>
-          </a:extLst>
-        </p:spPr>
-        <p:txBody>
-          <a:bodyPr lIns="243799" tIns="243799" rIns="243799" bIns="243799">
-            <a:spAutoFit/>
-          </a:bodyPr>
-          <a:lstStyle/>
-          <a:p>
-            <a:pPr algn="l" defTabSz="2438400">
-              <a:lnSpc>
-                <a:spcPct val="120000"/>
-              </a:lnSpc>
-              <a:defRPr sz="3800">
-                <a:solidFill>
-                  <a:srgbClr val="FFFFFF"/>
-                </a:solidFill>
-                <a:latin typeface="Avenir Book"/>
-                <a:ea typeface="Avenir Book"/>
-                <a:cs typeface="Avenir Book"/>
-                <a:sym typeface="Avenir Book"/>
-              </a:defRPr>
-            </a:pPr>
-            <a:r>
-              <a:t>The most common operation in a database is reading data from it. We can do it using the SELECT keyword. Let’s see the basic anatomy of a SELECT keyword:</a:t>
-            </a:r>
-          </a:p>
-          <a:p>
-            <a:pPr lvl="1" marL="1092200" indent="-482600" algn="l" defTabSz="2438400">
-              <a:lnSpc>
-                <a:spcPct val="120000"/>
-              </a:lnSpc>
-              <a:buSzPct val="123000"/>
-              <a:buChar char="•"/>
-              <a:defRPr sz="3800">
-                <a:solidFill>
-                  <a:srgbClr val="FFFFFF"/>
-                </a:solidFill>
-                <a:latin typeface="Avenir Book"/>
-                <a:ea typeface="Avenir Book"/>
-                <a:cs typeface="Avenir Book"/>
-                <a:sym typeface="Avenir Book"/>
-              </a:defRPr>
-            </a:pPr>
-            <a:r>
-              <a:rPr>
-                <a:latin typeface="Avenir Heavy"/>
-                <a:ea typeface="Avenir Heavy"/>
-                <a:cs typeface="Avenir Heavy"/>
-                <a:sym typeface="Avenir Heavy"/>
-              </a:rPr>
-              <a:t>Operation:</a:t>
-            </a:r>
-            <a:r>
-              <a:t> What is going to be done. SELECT followed by the names of columns (* indicates all columns)</a:t>
-            </a:r>
-          </a:p>
-          <a:p>
-            <a:pPr lvl="1" marL="1092200" indent="-482600" algn="l" defTabSz="2438400">
-              <a:lnSpc>
-                <a:spcPct val="120000"/>
-              </a:lnSpc>
-              <a:buSzPct val="123000"/>
-              <a:buChar char="•"/>
-              <a:defRPr sz="3800">
-                <a:solidFill>
-                  <a:srgbClr val="FFFFFF"/>
-                </a:solidFill>
-                <a:latin typeface="Avenir Book"/>
-                <a:ea typeface="Avenir Book"/>
-                <a:cs typeface="Avenir Book"/>
-                <a:sym typeface="Avenir Book"/>
-              </a:defRPr>
-            </a:pPr>
-            <a:r>
-              <a:rPr>
-                <a:latin typeface="Avenir Heavy"/>
-                <a:ea typeface="Avenir Heavy"/>
-                <a:cs typeface="Avenir Heavy"/>
-                <a:sym typeface="Avenir Heavy"/>
-              </a:rPr>
-              <a:t>Data:</a:t>
-            </a:r>
-            <a:r>
-              <a:t> FROM where we are getting the data (SELECT * FROM payments: select all columns from the payments entity). </a:t>
-            </a:r>
-            <a:r>
-              <a:rPr u="sng"/>
-              <a:t>Data can also be obtained from the combination of existing columns using arithmetic operations</a:t>
-            </a:r>
-            <a:endParaRPr u="sng"/>
-          </a:p>
-          <a:p>
-            <a:pPr lvl="1" marL="1092200" indent="-482600" algn="l" defTabSz="2438400">
-              <a:lnSpc>
-                <a:spcPct val="120000"/>
-              </a:lnSpc>
-              <a:buSzPct val="123000"/>
-              <a:buChar char="•"/>
-              <a:defRPr sz="3800">
-                <a:solidFill>
-                  <a:srgbClr val="FFFFFF"/>
-                </a:solidFill>
-                <a:latin typeface="Avenir Book"/>
-                <a:ea typeface="Avenir Book"/>
-                <a:cs typeface="Avenir Book"/>
-                <a:sym typeface="Avenir Book"/>
-              </a:defRPr>
-            </a:pPr>
-            <a:r>
-              <a:rPr>
-                <a:latin typeface="Avenir Heavy"/>
-                <a:ea typeface="Avenir Heavy"/>
-                <a:cs typeface="Avenir Heavy"/>
-                <a:sym typeface="Avenir Heavy"/>
-              </a:rPr>
-              <a:t>Post-Processing:</a:t>
-            </a:r>
-            <a:r>
-              <a:t> It takes the results of a query and sort them or limit them by using ORDER BY and LIMIT</a:t>
-            </a:r>
-          </a:p>
-          <a:p>
-            <a:pPr lvl="1" marL="1092200" indent="-482600" algn="l" defTabSz="2438400">
-              <a:lnSpc>
-                <a:spcPct val="120000"/>
-              </a:lnSpc>
-              <a:buSzPct val="123000"/>
-              <a:buChar char="•"/>
-              <a:defRPr sz="3800">
-                <a:solidFill>
-                  <a:srgbClr val="FFFFFF"/>
-                </a:solidFill>
-                <a:latin typeface="Avenir Book"/>
-                <a:ea typeface="Avenir Book"/>
-                <a:cs typeface="Avenir Book"/>
-                <a:sym typeface="Avenir Book"/>
-              </a:defRPr>
-            </a:pPr>
-            <a:r>
-              <a:rPr u="sng">
-                <a:latin typeface="Avenir Heavy"/>
-                <a:ea typeface="Avenir Heavy"/>
-                <a:cs typeface="Avenir Heavy"/>
-                <a:sym typeface="Avenir Heavy"/>
-              </a:rPr>
-              <a:t>Conditional</a:t>
-            </a:r>
-            <a:r>
-              <a:rPr>
-                <a:latin typeface="Avenir Heavy"/>
-                <a:ea typeface="Avenir Heavy"/>
-                <a:cs typeface="Avenir Heavy"/>
-                <a:sym typeface="Avenir Heavy"/>
-              </a:rPr>
-              <a:t>: </a:t>
-            </a:r>
-            <a:r>
-              <a:t>Acts as a filter. Usually indicated by WHERE</a:t>
-            </a:r>
-          </a:p>
-          <a:p>
-            <a:pPr lvl="1" marL="1092200" indent="-482600" algn="l" defTabSz="2438400">
-              <a:lnSpc>
-                <a:spcPct val="120000"/>
-              </a:lnSpc>
-              <a:buSzPct val="123000"/>
-              <a:buChar char="•"/>
-              <a:defRPr sz="3800">
-                <a:solidFill>
-                  <a:srgbClr val="FFFFFF"/>
-                </a:solidFill>
-                <a:latin typeface="Avenir Book"/>
-                <a:ea typeface="Avenir Book"/>
-                <a:cs typeface="Avenir Book"/>
-                <a:sym typeface="Avenir Book"/>
-              </a:defRPr>
-            </a:pPr>
-            <a:r>
-              <a:rPr>
-                <a:latin typeface="Avenir Heavy"/>
-                <a:ea typeface="Avenir Heavy"/>
-                <a:cs typeface="Avenir Heavy"/>
-                <a:sym typeface="Avenir Heavy"/>
-              </a:rPr>
-              <a:t>Grouping: </a:t>
-            </a:r>
-            <a:r>
-              <a:t>Assemble the rows of a data source using a key created by a GROUP BY clause.</a:t>
-            </a:r>
-          </a:p>
-          <a:p>
-            <a:pPr algn="l" defTabSz="2438400">
-              <a:lnSpc>
-                <a:spcPct val="120000"/>
-              </a:lnSpc>
-              <a:defRPr sz="3800">
-                <a:solidFill>
-                  <a:srgbClr val="FFFFFF"/>
-                </a:solidFill>
-                <a:latin typeface="Avenir Book"/>
-                <a:ea typeface="Avenir Book"/>
-                <a:cs typeface="Avenir Book"/>
-                <a:sym typeface="Avenir Book"/>
-              </a:defRPr>
-            </a:pPr>
-            <a:r>
-              <a:rPr>
-                <a:latin typeface="Avenir Book Oblique"/>
-                <a:ea typeface="Avenir Book Oblique"/>
-                <a:cs typeface="Avenir Book Oblique"/>
-                <a:sym typeface="Avenir Book Oblique"/>
-              </a:rPr>
-              <a:t>Two small notes: </a:t>
-            </a:r>
-            <a:endParaRPr>
-              <a:latin typeface="Avenir Book Oblique"/>
-              <a:ea typeface="Avenir Book Oblique"/>
-              <a:cs typeface="Avenir Book Oblique"/>
-              <a:sym typeface="Avenir Book Oblique"/>
-            </a:endParaRPr>
-          </a:p>
-          <a:p>
-            <a:pPr marL="482600" indent="-482600" algn="l" defTabSz="2438400">
-              <a:lnSpc>
-                <a:spcPct val="120000"/>
-              </a:lnSpc>
-              <a:buSzPct val="123000"/>
-              <a:buChar char="•"/>
-              <a:defRPr sz="3800">
-                <a:solidFill>
-                  <a:srgbClr val="FFFFFF"/>
-                </a:solidFill>
-                <a:latin typeface="Avenir Book"/>
-                <a:ea typeface="Avenir Book"/>
-                <a:cs typeface="Avenir Book"/>
-                <a:sym typeface="Avenir Book"/>
-              </a:defRPr>
-            </a:pPr>
-            <a:r>
-              <a:rPr>
-                <a:latin typeface="Avenir Book Oblique"/>
-                <a:ea typeface="Avenir Book Oblique"/>
-                <a:cs typeface="Avenir Book Oblique"/>
-                <a:sym typeface="Avenir Book Oblique"/>
-              </a:rPr>
-              <a:t>Statements terminate with a semi-colon</a:t>
-            </a:r>
-            <a:endParaRPr>
-              <a:latin typeface="Avenir Book Oblique"/>
-              <a:ea typeface="Avenir Book Oblique"/>
-              <a:cs typeface="Avenir Book Oblique"/>
-              <a:sym typeface="Avenir Book Oblique"/>
-            </a:endParaRPr>
-          </a:p>
-          <a:p>
-            <a:pPr marL="482600" indent="-482600" algn="l" defTabSz="2438400">
-              <a:lnSpc>
-                <a:spcPct val="120000"/>
-              </a:lnSpc>
-              <a:buSzPct val="123000"/>
-              <a:buChar char="•"/>
-              <a:defRPr sz="3800">
-                <a:solidFill>
-                  <a:srgbClr val="FFFFFF"/>
-                </a:solidFill>
-                <a:latin typeface="Avenir Book"/>
-                <a:ea typeface="Avenir Book"/>
-                <a:cs typeface="Avenir Book"/>
-                <a:sym typeface="Avenir Book"/>
-              </a:defRPr>
-            </a:pPr>
-            <a:r>
-              <a:rPr>
-                <a:latin typeface="Avenir Book Oblique"/>
-                <a:ea typeface="Avenir Book Oblique"/>
-                <a:cs typeface="Avenir Book Oblique"/>
-                <a:sym typeface="Avenir Book Oblique"/>
-              </a:rPr>
-              <a:t>SQL ignores whitespace</a:t>
-            </a:r>
-          </a:p>
-        </p:txBody>
-      </p:sp>
-      <p:sp>
-        <p:nvSpPr>
-          <p:cNvPr id="242" name="Rectángulo"/>
-          <p:cNvSpPr/>
-          <p:nvPr/>
-        </p:nvSpPr>
-        <p:spPr>
-          <a:xfrm>
-            <a:off x="865527" y="9718236"/>
-            <a:ext cx="3580057" cy="978900"/>
-          </a:xfrm>
-          <a:prstGeom prst="rect">
-            <a:avLst/>
-          </a:prstGeom>
-          <a:ln w="38100">
-            <a:solidFill>
-              <a:schemeClr val="accent5">
-                <a:hueOff val="-82419"/>
-                <a:satOff val="-9513"/>
-                <a:lumOff val="-16343"/>
-              </a:schemeClr>
-            </a:solidFill>
-            <a:miter lim="400000"/>
-          </a:ln>
-        </p:spPr>
-        <p:txBody>
-          <a:bodyPr lIns="50800" tIns="50800" rIns="50800" bIns="50800" anchor="ctr"/>
-          <a:lstStyle/>
-          <a:p>
-            <a:pPr defTabSz="825500">
-              <a:defRPr sz="3200">
-                <a:solidFill>
-                  <a:srgbClr val="FFFFFF"/>
-                </a:solidFill>
-                <a:latin typeface="Helvetica Neue Medium"/>
-                <a:ea typeface="Helvetica Neue Medium"/>
-                <a:cs typeface="Helvetica Neue Medium"/>
-                <a:sym typeface="Helvetica Neue Medium"/>
-              </a:defRPr>
-            </a:pPr>
-          </a:p>
-        </p:txBody>
-      </p:sp>
-    </p:spTree>
-  </p:cSld>
-  <p:clrMapOvr>
-    <a:masterClrMapping/>
-  </p:clrMapOvr>
-  <p:transition xmlns:p14="http://schemas.microsoft.com/office/powerpoint/2010/main" spd="med" advClick="1"/>
-</p:sld>
-</file>
-
-<file path=ppt/slides/slide18.xml><?xml version="1.0" encoding="utf-8"?>
-<p:sld xmlns:a="http://schemas.openxmlformats.org/drawingml/2006/main" xmlns:r="http://schemas.openxmlformats.org/officeDocument/2006/relationships" xmlns:p="http://schemas.openxmlformats.org/presentationml/2006/main" xmlns:m="http://schemas.openxmlformats.org/officeDocument/2006/math" xmlns:a14="http://schemas.microsoft.com/office/drawing/2010/main" showMasterSp="1" showMasterPhAnim="1">
-  <p:cSld>
-    <p:bg>
-      <p:bgPr>
-        <a:solidFill>
-          <a:srgbClr val="EDDACC"/>
-        </a:solidFill>
-      </p:bgPr>
-    </p:bg>
-    <p:spTree>
-      <p:nvGrpSpPr>
-        <p:cNvPr id="1" name=""/>
-        <p:cNvGrpSpPr/>
-        <p:nvPr/>
-      </p:nvGrpSpPr>
-      <p:grpSpPr>
-        <a:xfrm>
-          <a:off x="0" y="0"/>
-          <a:ext cx="0" cy="0"/>
-          <a:chOff x="0" y="0"/>
-          <a:chExt cx="0" cy="0"/>
-        </a:xfrm>
-      </p:grpSpPr>
-      <p:pic>
-        <p:nvPicPr>
-          <p:cNvPr id="244" name="5f461d116006137.6059ac1f3a043.jpg" descr="5f461d116006137.6059ac1f3a043.jpg"/>
-          <p:cNvPicPr>
-            <a:picLocks noChangeAspect="1"/>
-          </p:cNvPicPr>
-          <p:nvPr/>
-        </p:nvPicPr>
-        <p:blipFill>
-          <a:blip r:embed="rId2">
-            <a:extLst/>
-          </a:blip>
-          <a:stretch>
-            <a:fillRect/>
-          </a:stretch>
-        </p:blipFill>
-        <p:spPr>
-          <a:xfrm>
-            <a:off x="-77249" y="-2562010"/>
-            <a:ext cx="24538498" cy="16359000"/>
-          </a:xfrm>
-          <a:prstGeom prst="rect">
-            <a:avLst/>
-          </a:prstGeom>
-          <a:ln w="12700">
-            <a:miter lim="400000"/>
-          </a:ln>
-        </p:spPr>
-      </p:pic>
-      <p:sp>
-        <p:nvSpPr>
-          <p:cNvPr id="245" name="Google Shape;55;p13"/>
-          <p:cNvSpPr txBox="1"/>
-          <p:nvPr>
-            <p:ph type="title"/>
-          </p:nvPr>
-        </p:nvSpPr>
-        <p:spPr>
-          <a:xfrm>
-            <a:off x="342361" y="531199"/>
-            <a:ext cx="23699278" cy="2640801"/>
-          </a:xfrm>
-          <a:prstGeom prst="rect">
-            <a:avLst/>
-          </a:prstGeom>
-        </p:spPr>
-        <p:txBody>
-          <a:bodyPr/>
-          <a:lstStyle>
-            <a:lvl1pPr defTabSz="2194559">
-              <a:defRPr sz="12420">
-                <a:solidFill>
-                  <a:srgbClr val="FFFFFF"/>
-                </a:solidFill>
-                <a:latin typeface="Avenir Book"/>
-                <a:ea typeface="Avenir Book"/>
-                <a:cs typeface="Avenir Book"/>
-                <a:sym typeface="Avenir Book"/>
-              </a:defRPr>
-            </a:lvl1pPr>
-          </a:lstStyle>
-          <a:p>
-            <a:pPr/>
-            <a:r>
-              <a:t>SQL - Conditional</a:t>
-            </a:r>
-          </a:p>
-        </p:txBody>
-      </p:sp>
-      <p:sp>
-        <p:nvSpPr>
-          <p:cNvPr id="246" name="Google Shape;69;p14"/>
+          <p:cNvPr id="228" name="Google Shape;69;p14"/>
           <p:cNvSpPr txBox="1"/>
           <p:nvPr/>
         </p:nvSpPr>
@@ -7747,16 +7062,9 @@
 </p:sld>
 </file>
 
-<file path=ppt/slides/slide19.xml><?xml version="1.0" encoding="utf-8"?>
+<file path=ppt/slides/slide18.xml><?xml version="1.0" encoding="utf-8"?>
 <p:sld xmlns:a="http://schemas.openxmlformats.org/drawingml/2006/main" xmlns:r="http://schemas.openxmlformats.org/officeDocument/2006/relationships" xmlns:p="http://schemas.openxmlformats.org/presentationml/2006/main" xmlns:m="http://schemas.openxmlformats.org/officeDocument/2006/math" xmlns:a14="http://schemas.microsoft.com/office/drawing/2010/main" showMasterSp="1" showMasterPhAnim="1">
   <p:cSld>
-    <p:bg>
-      <p:bgPr>
-        <a:solidFill>
-          <a:srgbClr val="EDDACC"/>
-        </a:solidFill>
-      </p:bgPr>
-    </p:bg>
     <p:spTree>
       <p:nvGrpSpPr>
         <p:cNvPr id="1" name=""/>
@@ -7771,38 +7079,9 @@
           <a:chExt cx="0" cy="0"/>
         </a:xfrm>
       </p:grpSpPr>
-      <p:pic>
-        <p:nvPicPr>
-          <p:cNvPr id="248" name="5f461d116006137.6059ac1f3a043.jpg" descr="5f461d116006137.6059ac1f3a043.jpg"/>
-          <p:cNvPicPr>
-            <a:picLocks noChangeAspect="1"/>
-          </p:cNvPicPr>
-          <p:nvPr/>
-        </p:nvPicPr>
-        <p:blipFill>
-          <a:blip r:embed="rId2">
-            <a:extLst/>
-          </a:blip>
-          <a:stretch>
-            <a:fillRect/>
-          </a:stretch>
-        </p:blipFill>
-        <p:spPr>
-          <a:xfrm>
-            <a:off x="-77249" y="-2562010"/>
-            <a:ext cx="24538498" cy="16359000"/>
-          </a:xfrm>
-          <a:prstGeom prst="rect">
-            <a:avLst/>
-          </a:prstGeom>
-          <a:ln w="12700">
-            <a:miter lim="400000"/>
-          </a:ln>
-        </p:spPr>
-      </p:pic>
       <p:sp>
         <p:nvSpPr>
-          <p:cNvPr id="249" name="Google Shape;55;p13"/>
+          <p:cNvPr id="230" name="Google Shape;55;p13"/>
           <p:cNvSpPr txBox="1"/>
           <p:nvPr>
             <p:ph type="title"/>
@@ -7842,7 +7121,7 @@
       </p:sp>
       <p:sp>
         <p:nvSpPr>
-          <p:cNvPr id="250" name="Google Shape;69;p14"/>
+          <p:cNvPr id="231" name="Google Shape;69;p14"/>
           <p:cNvSpPr txBox="1"/>
           <p:nvPr/>
         </p:nvSpPr>
@@ -8054,16 +7333,9 @@
 </p:sld>
 </file>
 
-<file path=ppt/slides/slide2.xml><?xml version="1.0" encoding="utf-8"?>
+<file path=ppt/slides/slide19.xml><?xml version="1.0" encoding="utf-8"?>
 <p:sld xmlns:a="http://schemas.openxmlformats.org/drawingml/2006/main" xmlns:r="http://schemas.openxmlformats.org/officeDocument/2006/relationships" xmlns:p="http://schemas.openxmlformats.org/presentationml/2006/main" xmlns:m="http://schemas.openxmlformats.org/officeDocument/2006/math" xmlns:a14="http://schemas.microsoft.com/office/drawing/2010/main" showMasterSp="1" showMasterPhAnim="1">
   <p:cSld>
-    <p:bg>
-      <p:bgPr>
-        <a:solidFill>
-          <a:srgbClr val="EDDACC"/>
-        </a:solidFill>
-      </p:bgPr>
-    </p:bg>
     <p:spTree>
       <p:nvGrpSpPr>
         <p:cNvPr id="1" name=""/>
@@ -8078,338 +7350,9 @@
           <a:chExt cx="0" cy="0"/>
         </a:xfrm>
       </p:grpSpPr>
-      <p:pic>
-        <p:nvPicPr>
-          <p:cNvPr id="172" name="5f461d116006137.6059ac1f3a043.jpg" descr="5f461d116006137.6059ac1f3a043.jpg"/>
-          <p:cNvPicPr>
-            <a:picLocks noChangeAspect="1"/>
-          </p:cNvPicPr>
-          <p:nvPr/>
-        </p:nvPicPr>
-        <p:blipFill>
-          <a:blip r:embed="rId2">
-            <a:extLst/>
-          </a:blip>
-          <a:stretch>
-            <a:fillRect/>
-          </a:stretch>
-        </p:blipFill>
-        <p:spPr>
-          <a:xfrm>
-            <a:off x="-77249" y="-2562010"/>
-            <a:ext cx="24538498" cy="16359000"/>
-          </a:xfrm>
-          <a:prstGeom prst="rect">
-            <a:avLst/>
-          </a:prstGeom>
-          <a:ln w="12700">
-            <a:miter lim="400000"/>
-          </a:ln>
-        </p:spPr>
-      </p:pic>
       <p:sp>
         <p:nvSpPr>
-          <p:cNvPr id="173" name="Google Shape;55;p13"/>
-          <p:cNvSpPr txBox="1"/>
-          <p:nvPr>
-            <p:ph type="title"/>
-          </p:nvPr>
-        </p:nvSpPr>
-        <p:spPr>
-          <a:xfrm>
-            <a:off x="831199" y="531199"/>
-            <a:ext cx="22721602" cy="2640801"/>
-          </a:xfrm>
-          <a:prstGeom prst="rect">
-            <a:avLst/>
-          </a:prstGeom>
-        </p:spPr>
-        <p:txBody>
-          <a:bodyPr/>
-          <a:lstStyle>
-            <a:lvl1pPr defTabSz="2194559">
-              <a:defRPr sz="12420">
-                <a:solidFill>
-                  <a:srgbClr val="FFFFFF"/>
-                </a:solidFill>
-                <a:latin typeface="Avenir Book"/>
-                <a:ea typeface="Avenir Book"/>
-                <a:cs typeface="Avenir Book"/>
-                <a:sym typeface="Avenir Book"/>
-              </a:defRPr>
-            </a:lvl1pPr>
-          </a:lstStyle>
-          <a:p>
-            <a:pPr/>
-            <a:r>
-              <a:t>Contents</a:t>
-            </a:r>
-          </a:p>
-        </p:txBody>
-      </p:sp>
-      <p:sp>
-        <p:nvSpPr>
-          <p:cNvPr id="174" name="Google Shape;69;p14"/>
-          <p:cNvSpPr txBox="1"/>
-          <p:nvPr/>
-        </p:nvSpPr>
-        <p:spPr>
-          <a:xfrm>
-            <a:off x="5216061" y="4767022"/>
-            <a:ext cx="14097211" cy="8605442"/>
-          </a:xfrm>
-          <a:prstGeom prst="rect">
-            <a:avLst/>
-          </a:prstGeom>
-          <a:ln w="12700">
-            <a:miter lim="400000"/>
-          </a:ln>
-          <a:extLst>
-            <a:ext uri="{C572A759-6A51-4108-AA02-DFA0A04FC94B}">
-              <ma14:wrappingTextBoxFlag xmlns:ma14="http://schemas.microsoft.com/office/mac/drawingml/2011/main" val="1"/>
-            </a:ext>
-          </a:extLst>
-        </p:spPr>
-        <p:txBody>
-          <a:bodyPr lIns="243799" tIns="243799" rIns="243799" bIns="243799">
-            <a:spAutoFit/>
-          </a:bodyPr>
-          <a:lstStyle/>
-          <a:p>
-            <a:pPr marL="635000" indent="-635000" algn="l" defTabSz="2438400">
-              <a:lnSpc>
-                <a:spcPct val="120000"/>
-              </a:lnSpc>
-              <a:buSzPct val="123000"/>
-              <a:buChar char="•"/>
-              <a:defRPr sz="5000">
-                <a:solidFill>
-                  <a:srgbClr val="FFFFFF"/>
-                </a:solidFill>
-                <a:latin typeface="Avenir Book"/>
-                <a:ea typeface="Avenir Book"/>
-                <a:cs typeface="Avenir Book"/>
-                <a:sym typeface="Avenir Book"/>
-              </a:defRPr>
-            </a:pPr>
-            <a:r>
-              <a:t>What is Data?</a:t>
-            </a:r>
-          </a:p>
-          <a:p>
-            <a:pPr marL="635000" indent="-635000" algn="l" defTabSz="2438400">
-              <a:lnSpc>
-                <a:spcPct val="120000"/>
-              </a:lnSpc>
-              <a:buSzPct val="123000"/>
-              <a:buChar char="•"/>
-              <a:defRPr sz="5000">
-                <a:solidFill>
-                  <a:srgbClr val="FFFFFF"/>
-                </a:solidFill>
-                <a:latin typeface="Avenir Book"/>
-                <a:ea typeface="Avenir Book"/>
-                <a:cs typeface="Avenir Book"/>
-                <a:sym typeface="Avenir Book"/>
-              </a:defRPr>
-            </a:pPr>
-            <a:r>
-              <a:t>Relational Databases</a:t>
-            </a:r>
-          </a:p>
-          <a:p>
-            <a:pPr marL="635000" indent="-635000" algn="l" defTabSz="2438400">
-              <a:lnSpc>
-                <a:spcPct val="120000"/>
-              </a:lnSpc>
-              <a:buSzPct val="123000"/>
-              <a:buChar char="•"/>
-              <a:defRPr sz="5000">
-                <a:solidFill>
-                  <a:srgbClr val="FFFFFF"/>
-                </a:solidFill>
-                <a:latin typeface="Avenir Book"/>
-                <a:ea typeface="Avenir Book"/>
-                <a:cs typeface="Avenir Book"/>
-                <a:sym typeface="Avenir Book"/>
-              </a:defRPr>
-            </a:pPr>
-            <a:r>
-              <a:t>SQL - A Brief Intro</a:t>
-            </a:r>
-          </a:p>
-          <a:p>
-            <a:pPr marL="635000" indent="-635000" algn="l" defTabSz="2438400">
-              <a:lnSpc>
-                <a:spcPct val="120000"/>
-              </a:lnSpc>
-              <a:buSzPct val="123000"/>
-              <a:buChar char="•"/>
-              <a:defRPr sz="5000">
-                <a:solidFill>
-                  <a:srgbClr val="FFFFFF"/>
-                </a:solidFill>
-                <a:latin typeface="Avenir Book"/>
-                <a:ea typeface="Avenir Book"/>
-                <a:cs typeface="Avenir Book"/>
-                <a:sym typeface="Avenir Book"/>
-              </a:defRPr>
-            </a:pPr>
-            <a:r>
-              <a:t>Advantages and Disadvantages of SQL</a:t>
-            </a:r>
-          </a:p>
-          <a:p>
-            <a:pPr marL="635000" indent="-635000" algn="l" defTabSz="2438400">
-              <a:lnSpc>
-                <a:spcPct val="120000"/>
-              </a:lnSpc>
-              <a:buSzPct val="123000"/>
-              <a:buChar char="•"/>
-              <a:defRPr sz="5000">
-                <a:solidFill>
-                  <a:srgbClr val="FFFFFF"/>
-                </a:solidFill>
-                <a:latin typeface="Avenir Book"/>
-                <a:ea typeface="Avenir Book"/>
-                <a:cs typeface="Avenir Book"/>
-                <a:sym typeface="Avenir Book"/>
-              </a:defRPr>
-            </a:pPr>
-            <a:r>
-              <a:t>Entity Relationship Diagram</a:t>
-            </a:r>
-          </a:p>
-          <a:p>
-            <a:pPr marL="635000" indent="-635000" algn="l" defTabSz="2438400">
-              <a:lnSpc>
-                <a:spcPct val="120000"/>
-              </a:lnSpc>
-              <a:buSzPct val="123000"/>
-              <a:buChar char="•"/>
-              <a:defRPr sz="5000">
-                <a:solidFill>
-                  <a:srgbClr val="FFFFFF"/>
-                </a:solidFill>
-                <a:latin typeface="Avenir Book"/>
-                <a:ea typeface="Avenir Book"/>
-                <a:cs typeface="Avenir Book"/>
-                <a:sym typeface="Avenir Book"/>
-              </a:defRPr>
-            </a:pPr>
-            <a:r>
-              <a:t>SQL Statements</a:t>
-            </a:r>
-          </a:p>
-          <a:p>
-            <a:pPr marL="635000" indent="-635000" algn="l" defTabSz="2438400">
-              <a:lnSpc>
-                <a:spcPct val="120000"/>
-              </a:lnSpc>
-              <a:buSzPct val="123000"/>
-              <a:buChar char="•"/>
-              <a:defRPr sz="5000">
-                <a:solidFill>
-                  <a:srgbClr val="FFFFFF"/>
-                </a:solidFill>
-                <a:latin typeface="Avenir Book"/>
-                <a:ea typeface="Avenir Book"/>
-                <a:cs typeface="Avenir Book"/>
-                <a:sym typeface="Avenir Book"/>
-              </a:defRPr>
-            </a:pPr>
-            <a:r>
-              <a:t>Read Tables: The SELECT Query</a:t>
-            </a:r>
-          </a:p>
-          <a:p>
-            <a:pPr marL="635000" indent="-635000" algn="l" defTabSz="2438400">
-              <a:lnSpc>
-                <a:spcPct val="120000"/>
-              </a:lnSpc>
-              <a:buSzPct val="123000"/>
-              <a:buChar char="•"/>
-              <a:defRPr sz="5000">
-                <a:solidFill>
-                  <a:srgbClr val="FFFFFF"/>
-                </a:solidFill>
-                <a:latin typeface="Avenir Book"/>
-                <a:ea typeface="Avenir Book"/>
-                <a:cs typeface="Avenir Book"/>
-                <a:sym typeface="Avenir Book"/>
-              </a:defRPr>
-            </a:pPr>
-            <a:r>
-              <a:t>Set rules to our SELECT Queries</a:t>
-            </a:r>
-          </a:p>
-        </p:txBody>
-      </p:sp>
-    </p:spTree>
-  </p:cSld>
-  <p:clrMapOvr>
-    <a:masterClrMapping/>
-  </p:clrMapOvr>
-  <p:transition xmlns:p14="http://schemas.microsoft.com/office/powerpoint/2010/main" spd="med" advClick="1"/>
-</p:sld>
-</file>
-
-<file path=ppt/slides/slide20.xml><?xml version="1.0" encoding="utf-8"?>
-<p:sld xmlns:a="http://schemas.openxmlformats.org/drawingml/2006/main" xmlns:r="http://schemas.openxmlformats.org/officeDocument/2006/relationships" xmlns:p="http://schemas.openxmlformats.org/presentationml/2006/main" xmlns:m="http://schemas.openxmlformats.org/officeDocument/2006/math" xmlns:a14="http://schemas.microsoft.com/office/drawing/2010/main" showMasterSp="1" showMasterPhAnim="1">
-  <p:cSld>
-    <p:bg>
-      <p:bgPr>
-        <a:solidFill>
-          <a:srgbClr val="EDDACC"/>
-        </a:solidFill>
-      </p:bgPr>
-    </p:bg>
-    <p:spTree>
-      <p:nvGrpSpPr>
-        <p:cNvPr id="1" name=""/>
-        <p:cNvGrpSpPr/>
-        <p:nvPr/>
-      </p:nvGrpSpPr>
-      <p:grpSpPr>
-        <a:xfrm>
-          <a:off x="0" y="0"/>
-          <a:ext cx="0" cy="0"/>
-          <a:chOff x="0" y="0"/>
-          <a:chExt cx="0" cy="0"/>
-        </a:xfrm>
-      </p:grpSpPr>
-      <p:pic>
-        <p:nvPicPr>
-          <p:cNvPr id="252" name="5f461d116006137.6059ac1f3a043.jpg" descr="5f461d116006137.6059ac1f3a043.jpg"/>
-          <p:cNvPicPr>
-            <a:picLocks noChangeAspect="1"/>
-          </p:cNvPicPr>
-          <p:nvPr/>
-        </p:nvPicPr>
-        <p:blipFill>
-          <a:blip r:embed="rId2">
-            <a:extLst/>
-          </a:blip>
-          <a:stretch>
-            <a:fillRect/>
-          </a:stretch>
-        </p:blipFill>
-        <p:spPr>
-          <a:xfrm>
-            <a:off x="-77249" y="-2562010"/>
-            <a:ext cx="24538498" cy="16359000"/>
-          </a:xfrm>
-          <a:prstGeom prst="rect">
-            <a:avLst/>
-          </a:prstGeom>
-          <a:ln w="12700">
-            <a:miter lim="400000"/>
-          </a:ln>
-        </p:spPr>
-      </p:pic>
-      <p:sp>
-        <p:nvSpPr>
-          <p:cNvPr id="253" name="Google Shape;55;p13"/>
+          <p:cNvPr id="233" name="Google Shape;55;p13"/>
           <p:cNvSpPr txBox="1"/>
           <p:nvPr>
             <p:ph type="title"/>
@@ -8449,7 +7392,7 @@
       </p:sp>
       <p:sp>
         <p:nvSpPr>
-          <p:cNvPr id="254" name="Google Shape;69;p14"/>
+          <p:cNvPr id="234" name="Google Shape;69;p14"/>
           <p:cNvSpPr txBox="1"/>
           <p:nvPr/>
         </p:nvSpPr>
@@ -8507,16 +7450,9 @@
 </p:sld>
 </file>
 
-<file path=ppt/slides/slide21.xml><?xml version="1.0" encoding="utf-8"?>
+<file path=ppt/slides/slide2.xml><?xml version="1.0" encoding="utf-8"?>
 <p:sld xmlns:a="http://schemas.openxmlformats.org/drawingml/2006/main" xmlns:r="http://schemas.openxmlformats.org/officeDocument/2006/relationships" xmlns:p="http://schemas.openxmlformats.org/presentationml/2006/main" xmlns:m="http://schemas.openxmlformats.org/officeDocument/2006/math" xmlns:a14="http://schemas.microsoft.com/office/drawing/2010/main" showMasterSp="1" showMasterPhAnim="1">
   <p:cSld>
-    <p:bg>
-      <p:bgPr>
-        <a:solidFill>
-          <a:srgbClr val="EDDACC"/>
-        </a:solidFill>
-      </p:bgPr>
-    </p:bg>
     <p:spTree>
       <p:nvGrpSpPr>
         <p:cNvPr id="1" name=""/>
@@ -8531,26 +7467,56 @@
           <a:chExt cx="0" cy="0"/>
         </a:xfrm>
       </p:grpSpPr>
-      <p:pic>
-        <p:nvPicPr>
-          <p:cNvPr id="256" name="5f461d116006137.6059ac1f3a043.jpg" descr="5f461d116006137.6059ac1f3a043.jpg"/>
-          <p:cNvPicPr>
-            <a:picLocks noChangeAspect="1"/>
-          </p:cNvPicPr>
-          <p:nvPr/>
-        </p:nvPicPr>
-        <p:blipFill>
-          <a:blip r:embed="rId2">
-            <a:extLst/>
-          </a:blip>
-          <a:stretch>
-            <a:fillRect/>
-          </a:stretch>
-        </p:blipFill>
+      <p:sp>
+        <p:nvSpPr>
+          <p:cNvPr id="171" name="Google Shape;55;p13"/>
+          <p:cNvSpPr txBox="1"/>
+          <p:nvPr>
+            <p:ph type="title"/>
+          </p:nvPr>
+        </p:nvSpPr>
         <p:spPr>
           <a:xfrm>
-            <a:off x="-77249" y="-2562010"/>
-            <a:ext cx="24538498" cy="16359000"/>
+            <a:off x="831199" y="531199"/>
+            <a:ext cx="22721602" cy="2640801"/>
+          </a:xfrm>
+          <a:prstGeom prst="rect">
+            <a:avLst/>
+          </a:prstGeom>
+        </p:spPr>
+        <p:txBody>
+          <a:bodyPr/>
+          <a:lstStyle>
+            <a:lvl1pPr defTabSz="2194559">
+              <a:defRPr sz="12420">
+                <a:solidFill>
+                  <a:srgbClr val="FFFFFF"/>
+                </a:solidFill>
+                <a:latin typeface="Avenir Book"/>
+                <a:ea typeface="Avenir Book"/>
+                <a:cs typeface="Avenir Book"/>
+                <a:sym typeface="Avenir Book"/>
+              </a:defRPr>
+            </a:lvl1pPr>
+          </a:lstStyle>
+          <a:p>
+            <a:pPr/>
+            <a:r>
+              <a:t>Contents</a:t>
+            </a:r>
+          </a:p>
+        </p:txBody>
+      </p:sp>
+      <p:sp>
+        <p:nvSpPr>
+          <p:cNvPr id="172" name="Google Shape;69;p14"/>
+          <p:cNvSpPr txBox="1"/>
+          <p:nvPr/>
+        </p:nvSpPr>
+        <p:spPr>
+          <a:xfrm>
+            <a:off x="5216061" y="4767022"/>
+            <a:ext cx="14097211" cy="8605442"/>
           </a:xfrm>
           <a:prstGeom prst="rect">
             <a:avLst/>
@@ -8558,8 +7524,2227 @@
           <a:ln w="12700">
             <a:miter lim="400000"/>
           </a:ln>
+          <a:extLst>
+            <a:ext uri="{C572A759-6A51-4108-AA02-DFA0A04FC94B}">
+              <ma14:wrappingTextBoxFlag xmlns:ma14="http://schemas.microsoft.com/office/mac/drawingml/2011/main" val="1"/>
+            </a:ext>
+          </a:extLst>
         </p:spPr>
-      </p:pic>
+        <p:txBody>
+          <a:bodyPr lIns="243799" tIns="243799" rIns="243799" bIns="243799">
+            <a:spAutoFit/>
+          </a:bodyPr>
+          <a:lstStyle/>
+          <a:p>
+            <a:pPr marL="635000" indent="-635000" algn="l" defTabSz="2438400">
+              <a:lnSpc>
+                <a:spcPct val="120000"/>
+              </a:lnSpc>
+              <a:buSzPct val="123000"/>
+              <a:buChar char="•"/>
+              <a:defRPr sz="5000">
+                <a:solidFill>
+                  <a:srgbClr val="FFFFFF"/>
+                </a:solidFill>
+                <a:latin typeface="Avenir Book"/>
+                <a:ea typeface="Avenir Book"/>
+                <a:cs typeface="Avenir Book"/>
+                <a:sym typeface="Avenir Book"/>
+              </a:defRPr>
+            </a:pPr>
+            <a:r>
+              <a:t>What is Data?</a:t>
+            </a:r>
+          </a:p>
+          <a:p>
+            <a:pPr marL="635000" indent="-635000" algn="l" defTabSz="2438400">
+              <a:lnSpc>
+                <a:spcPct val="120000"/>
+              </a:lnSpc>
+              <a:buSzPct val="123000"/>
+              <a:buChar char="•"/>
+              <a:defRPr sz="5000">
+                <a:solidFill>
+                  <a:srgbClr val="FFFFFF"/>
+                </a:solidFill>
+                <a:latin typeface="Avenir Book"/>
+                <a:ea typeface="Avenir Book"/>
+                <a:cs typeface="Avenir Book"/>
+                <a:sym typeface="Avenir Book"/>
+              </a:defRPr>
+            </a:pPr>
+            <a:r>
+              <a:t>Relational Databases</a:t>
+            </a:r>
+          </a:p>
+          <a:p>
+            <a:pPr marL="635000" indent="-635000" algn="l" defTabSz="2438400">
+              <a:lnSpc>
+                <a:spcPct val="120000"/>
+              </a:lnSpc>
+              <a:buSzPct val="123000"/>
+              <a:buChar char="•"/>
+              <a:defRPr sz="5000">
+                <a:solidFill>
+                  <a:srgbClr val="FFFFFF"/>
+                </a:solidFill>
+                <a:latin typeface="Avenir Book"/>
+                <a:ea typeface="Avenir Book"/>
+                <a:cs typeface="Avenir Book"/>
+                <a:sym typeface="Avenir Book"/>
+              </a:defRPr>
+            </a:pPr>
+            <a:r>
+              <a:t>SQL - A Brief Intro</a:t>
+            </a:r>
+          </a:p>
+          <a:p>
+            <a:pPr marL="635000" indent="-635000" algn="l" defTabSz="2438400">
+              <a:lnSpc>
+                <a:spcPct val="120000"/>
+              </a:lnSpc>
+              <a:buSzPct val="123000"/>
+              <a:buChar char="•"/>
+              <a:defRPr sz="5000">
+                <a:solidFill>
+                  <a:srgbClr val="FFFFFF"/>
+                </a:solidFill>
+                <a:latin typeface="Avenir Book"/>
+                <a:ea typeface="Avenir Book"/>
+                <a:cs typeface="Avenir Book"/>
+                <a:sym typeface="Avenir Book"/>
+              </a:defRPr>
+            </a:pPr>
+            <a:r>
+              <a:t>Advantages and Disadvantages of SQL</a:t>
+            </a:r>
+          </a:p>
+          <a:p>
+            <a:pPr marL="635000" indent="-635000" algn="l" defTabSz="2438400">
+              <a:lnSpc>
+                <a:spcPct val="120000"/>
+              </a:lnSpc>
+              <a:buSzPct val="123000"/>
+              <a:buChar char="•"/>
+              <a:defRPr sz="5000">
+                <a:solidFill>
+                  <a:srgbClr val="FFFFFF"/>
+                </a:solidFill>
+                <a:latin typeface="Avenir Book"/>
+                <a:ea typeface="Avenir Book"/>
+                <a:cs typeface="Avenir Book"/>
+                <a:sym typeface="Avenir Book"/>
+              </a:defRPr>
+            </a:pPr>
+            <a:r>
+              <a:t>Entity Relationship Diagram</a:t>
+            </a:r>
+          </a:p>
+          <a:p>
+            <a:pPr marL="635000" indent="-635000" algn="l" defTabSz="2438400">
+              <a:lnSpc>
+                <a:spcPct val="120000"/>
+              </a:lnSpc>
+              <a:buSzPct val="123000"/>
+              <a:buChar char="•"/>
+              <a:defRPr sz="5000">
+                <a:solidFill>
+                  <a:srgbClr val="FFFFFF"/>
+                </a:solidFill>
+                <a:latin typeface="Avenir Book"/>
+                <a:ea typeface="Avenir Book"/>
+                <a:cs typeface="Avenir Book"/>
+                <a:sym typeface="Avenir Book"/>
+              </a:defRPr>
+            </a:pPr>
+            <a:r>
+              <a:t>SQL Statements</a:t>
+            </a:r>
+          </a:p>
+          <a:p>
+            <a:pPr marL="635000" indent="-635000" algn="l" defTabSz="2438400">
+              <a:lnSpc>
+                <a:spcPct val="120000"/>
+              </a:lnSpc>
+              <a:buSzPct val="123000"/>
+              <a:buChar char="•"/>
+              <a:defRPr sz="5000">
+                <a:solidFill>
+                  <a:srgbClr val="FFFFFF"/>
+                </a:solidFill>
+                <a:latin typeface="Avenir Book"/>
+                <a:ea typeface="Avenir Book"/>
+                <a:cs typeface="Avenir Book"/>
+                <a:sym typeface="Avenir Book"/>
+              </a:defRPr>
+            </a:pPr>
+            <a:r>
+              <a:t>Read Tables: The SELECT Query</a:t>
+            </a:r>
+          </a:p>
+          <a:p>
+            <a:pPr marL="635000" indent="-635000" algn="l" defTabSz="2438400">
+              <a:lnSpc>
+                <a:spcPct val="120000"/>
+              </a:lnSpc>
+              <a:buSzPct val="123000"/>
+              <a:buChar char="•"/>
+              <a:defRPr sz="5000">
+                <a:solidFill>
+                  <a:srgbClr val="FFFFFF"/>
+                </a:solidFill>
+                <a:latin typeface="Avenir Book"/>
+                <a:ea typeface="Avenir Book"/>
+                <a:cs typeface="Avenir Book"/>
+                <a:sym typeface="Avenir Book"/>
+              </a:defRPr>
+            </a:pPr>
+            <a:r>
+              <a:t>Set rules to our SELECT Queries</a:t>
+            </a:r>
+          </a:p>
+        </p:txBody>
+      </p:sp>
+    </p:spTree>
+  </p:cSld>
+  <p:clrMapOvr>
+    <a:masterClrMapping/>
+  </p:clrMapOvr>
+  <p:transition xmlns:p14="http://schemas.microsoft.com/office/powerpoint/2010/main" spd="med" advClick="1"/>
+</p:sld>
+</file>
+
+<file path=ppt/slides/slide20.xml><?xml version="1.0" encoding="utf-8"?>
+<p:sld xmlns:a="http://schemas.openxmlformats.org/drawingml/2006/main" xmlns:r="http://schemas.openxmlformats.org/officeDocument/2006/relationships" xmlns:p="http://schemas.openxmlformats.org/presentationml/2006/main" xmlns:m="http://schemas.openxmlformats.org/officeDocument/2006/math" xmlns:a14="http://schemas.microsoft.com/office/drawing/2010/main" showMasterSp="1" showMasterPhAnim="1">
+  <p:cSld>
+    <p:spTree>
+      <p:nvGrpSpPr>
+        <p:cNvPr id="1" name=""/>
+        <p:cNvGrpSpPr/>
+        <p:nvPr/>
+      </p:nvGrpSpPr>
+      <p:grpSpPr>
+        <a:xfrm>
+          <a:off x="0" y="0"/>
+          <a:ext cx="0" cy="0"/>
+          <a:chOff x="0" y="0"/>
+          <a:chExt cx="0" cy="0"/>
+        </a:xfrm>
+      </p:grpSpPr>
+      <p:sp>
+        <p:nvSpPr>
+          <p:cNvPr id="236" name="Google Shape;55;p13"/>
+          <p:cNvSpPr txBox="1"/>
+          <p:nvPr>
+            <p:ph type="title"/>
+          </p:nvPr>
+        </p:nvSpPr>
+        <p:spPr>
+          <a:xfrm>
+            <a:off x="342361" y="531199"/>
+            <a:ext cx="23699278" cy="2640801"/>
+          </a:xfrm>
+          <a:prstGeom prst="rect">
+            <a:avLst/>
+          </a:prstGeom>
+        </p:spPr>
+        <p:txBody>
+          <a:bodyPr/>
+          <a:lstStyle>
+            <a:lvl1pPr defTabSz="2194559">
+              <a:defRPr sz="12420">
+                <a:solidFill>
+                  <a:srgbClr val="FFFFFF"/>
+                </a:solidFill>
+                <a:latin typeface="Avenir Book"/>
+                <a:ea typeface="Avenir Book"/>
+                <a:cs typeface="Avenir Book"/>
+                <a:sym typeface="Avenir Book"/>
+              </a:defRPr>
+            </a:lvl1pPr>
+          </a:lstStyle>
+          <a:p>
+            <a:pPr/>
+            <a:r>
+              <a:t>SQL - More on Conditional</a:t>
+            </a:r>
+          </a:p>
+        </p:txBody>
+      </p:sp>
+      <p:sp>
+        <p:nvSpPr>
+          <p:cNvPr id="237" name="Google Shape;56;p13"/>
+          <p:cNvSpPr txBox="1"/>
+          <p:nvPr>
+            <p:ph type="body" idx="1"/>
+          </p:nvPr>
+        </p:nvSpPr>
+        <p:spPr>
+          <a:xfrm>
+            <a:off x="1471292" y="4189277"/>
+            <a:ext cx="22148784" cy="8525831"/>
+          </a:xfrm>
+          <a:prstGeom prst="rect">
+            <a:avLst/>
+          </a:prstGeom>
+        </p:spPr>
+        <p:txBody>
+          <a:bodyPr lIns="45719" tIns="45719" rIns="45719" bIns="45719"/>
+          <a:lstStyle/>
+          <a:p>
+            <a:pPr marL="0" indent="0" defTabSz="822959">
+              <a:lnSpc>
+                <a:spcPct val="120000"/>
+              </a:lnSpc>
+              <a:spcBef>
+                <a:spcPts val="900"/>
+              </a:spcBef>
+              <a:defRPr sz="4680">
+                <a:solidFill>
+                  <a:srgbClr val="FFFFFF"/>
+                </a:solidFill>
+              </a:defRPr>
+            </a:pPr>
+            <a:r>
+              <a:t>SQL allows us access to operations that improves the conditional statement </a:t>
+            </a:r>
+            <a:r>
+              <a:rPr>
+                <a:latin typeface="Courier New"/>
+                <a:ea typeface="Courier New"/>
+                <a:cs typeface="Courier New"/>
+                <a:sym typeface="Courier New"/>
+              </a:rPr>
+              <a:t>WHERE</a:t>
+            </a:r>
+          </a:p>
+          <a:p>
+            <a:pPr marL="594359" indent="-594359" algn="l" defTabSz="822959">
+              <a:lnSpc>
+                <a:spcPct val="120000"/>
+              </a:lnSpc>
+              <a:spcBef>
+                <a:spcPts val="900"/>
+              </a:spcBef>
+              <a:buSzPct val="123000"/>
+              <a:buChar char="•"/>
+              <a:defRPr sz="1710">
+                <a:solidFill>
+                  <a:srgbClr val="FFFFFF"/>
+                </a:solidFill>
+              </a:defRPr>
+            </a:pPr>
+          </a:p>
+          <a:p>
+            <a:pPr marL="594359" indent="-594359" algn="l" defTabSz="822959">
+              <a:spcBef>
+                <a:spcPts val="900"/>
+              </a:spcBef>
+              <a:buSzPct val="123000"/>
+              <a:buChar char="•"/>
+              <a:defRPr sz="4680">
+                <a:solidFill>
+                  <a:srgbClr val="FFFFFF"/>
+                </a:solidFill>
+              </a:defRPr>
+            </a:pPr>
+            <a:r>
+              <a:rPr>
+                <a:latin typeface="Courier New"/>
+                <a:ea typeface="Courier New"/>
+                <a:cs typeface="Courier New"/>
+                <a:sym typeface="Courier New"/>
+              </a:rPr>
+              <a:t>LIKE</a:t>
+            </a:r>
+            <a:r>
+              <a:t>: Similar to </a:t>
+            </a:r>
+            <a:r>
+              <a:rPr>
+                <a:latin typeface="Courier New"/>
+                <a:ea typeface="Courier New"/>
+                <a:cs typeface="Courier New"/>
+                <a:sym typeface="Courier New"/>
+              </a:rPr>
+              <a:t>WHERE =</a:t>
+            </a:r>
+            <a:r>
+              <a:t>, but in cases you’re not entirely sure what you’re searching for</a:t>
+            </a:r>
+          </a:p>
+          <a:p>
+            <a:pPr marL="594359" indent="-594359" algn="l" defTabSz="822959">
+              <a:spcBef>
+                <a:spcPts val="900"/>
+              </a:spcBef>
+              <a:buSzPct val="123000"/>
+              <a:buChar char="•"/>
+              <a:defRPr sz="4680">
+                <a:solidFill>
+                  <a:srgbClr val="FFFFFF"/>
+                </a:solidFill>
+              </a:defRPr>
+            </a:pPr>
+            <a:r>
+              <a:rPr>
+                <a:latin typeface="Courier New"/>
+                <a:ea typeface="Courier New"/>
+                <a:cs typeface="Courier New"/>
+                <a:sym typeface="Courier New"/>
+              </a:rPr>
+              <a:t>IN</a:t>
+            </a:r>
+            <a:r>
+              <a:t>: Similar to </a:t>
+            </a:r>
+            <a:r>
+              <a:rPr>
+                <a:latin typeface="Courier New"/>
+                <a:ea typeface="Courier New"/>
+                <a:cs typeface="Courier New"/>
+                <a:sym typeface="Courier New"/>
+              </a:rPr>
+              <a:t>WHERE =</a:t>
+            </a:r>
+            <a:r>
+              <a:t>, but for more than one condition</a:t>
+            </a:r>
+          </a:p>
+          <a:p>
+            <a:pPr marL="594359" indent="-594359" algn="l" defTabSz="822959">
+              <a:spcBef>
+                <a:spcPts val="900"/>
+              </a:spcBef>
+              <a:buSzPct val="123000"/>
+              <a:buChar char="•"/>
+              <a:defRPr sz="4680">
+                <a:solidFill>
+                  <a:srgbClr val="FFFFFF"/>
+                </a:solidFill>
+              </a:defRPr>
+            </a:pPr>
+            <a:r>
+              <a:rPr>
+                <a:latin typeface="Courier New"/>
+                <a:ea typeface="Courier New"/>
+                <a:cs typeface="Courier New"/>
+                <a:sym typeface="Courier New"/>
+              </a:rPr>
+              <a:t>NOT</a:t>
+            </a:r>
+            <a:r>
+              <a:t>: Used to return opposite results from </a:t>
+            </a:r>
+            <a:r>
+              <a:rPr>
+                <a:latin typeface="Courier New"/>
+                <a:ea typeface="Courier New"/>
+                <a:cs typeface="Courier New"/>
+                <a:sym typeface="Courier New"/>
+              </a:rPr>
+              <a:t>LIKE</a:t>
+            </a:r>
+            <a:r>
+              <a:t> or </a:t>
+            </a:r>
+            <a:r>
+              <a:rPr>
+                <a:latin typeface="Courier New"/>
+                <a:ea typeface="Courier New"/>
+                <a:cs typeface="Courier New"/>
+                <a:sym typeface="Courier New"/>
+              </a:rPr>
+              <a:t>IN</a:t>
+            </a:r>
+            <a:r>
+              <a:t> (e.g. </a:t>
+            </a:r>
+            <a:r>
+              <a:rPr>
+                <a:latin typeface="Courier New"/>
+                <a:ea typeface="Courier New"/>
+                <a:cs typeface="Courier New"/>
+                <a:sym typeface="Courier New"/>
+              </a:rPr>
+              <a:t>NOT LIKE</a:t>
+            </a:r>
+            <a:r>
+              <a:t> or </a:t>
+            </a:r>
+            <a:r>
+              <a:rPr>
+                <a:latin typeface="Courier New"/>
+                <a:ea typeface="Courier New"/>
+                <a:cs typeface="Courier New"/>
+                <a:sym typeface="Courier New"/>
+              </a:rPr>
+              <a:t>NOT IN</a:t>
+            </a:r>
+            <a:r>
+              <a:t>)</a:t>
+            </a:r>
+          </a:p>
+          <a:p>
+            <a:pPr marL="594359" indent="-594359" algn="l" defTabSz="822959">
+              <a:spcBef>
+                <a:spcPts val="900"/>
+              </a:spcBef>
+              <a:buSzPct val="123000"/>
+              <a:buChar char="•"/>
+              <a:defRPr sz="4680">
+                <a:solidFill>
+                  <a:srgbClr val="FFFFFF"/>
+                </a:solidFill>
+              </a:defRPr>
+            </a:pPr>
+            <a:r>
+              <a:rPr>
+                <a:latin typeface="Courier New"/>
+                <a:ea typeface="Courier New"/>
+                <a:cs typeface="Courier New"/>
+                <a:sym typeface="Courier New"/>
+              </a:rPr>
+              <a:t>AND</a:t>
+            </a:r>
+            <a:r>
+              <a:t> &amp; </a:t>
+            </a:r>
+            <a:r>
+              <a:rPr>
+                <a:latin typeface="Courier New"/>
+                <a:ea typeface="Courier New"/>
+                <a:cs typeface="Courier New"/>
+                <a:sym typeface="Courier New"/>
+              </a:rPr>
+              <a:t>BETWEEN</a:t>
+            </a:r>
+            <a:r>
+              <a:t>: Allows us to combine operations</a:t>
+            </a:r>
+          </a:p>
+          <a:p>
+            <a:pPr marL="594359" indent="-594359" algn="l" defTabSz="822959">
+              <a:spcBef>
+                <a:spcPts val="900"/>
+              </a:spcBef>
+              <a:buSzPct val="123000"/>
+              <a:buChar char="•"/>
+              <a:defRPr sz="4680">
+                <a:solidFill>
+                  <a:srgbClr val="FFFFFF"/>
+                </a:solidFill>
+              </a:defRPr>
+            </a:pPr>
+            <a:r>
+              <a:rPr>
+                <a:latin typeface="Courier New"/>
+                <a:ea typeface="Courier New"/>
+                <a:cs typeface="Courier New"/>
+                <a:sym typeface="Courier New"/>
+              </a:rPr>
+              <a:t>OR</a:t>
+            </a:r>
+            <a:r>
+              <a:t>: Allows us to find data where one of the conditions we provide to the query is true</a:t>
+            </a:r>
+          </a:p>
+        </p:txBody>
+      </p:sp>
+    </p:spTree>
+  </p:cSld>
+  <p:clrMapOvr>
+    <a:masterClrMapping/>
+  </p:clrMapOvr>
+  <p:transition xmlns:p14="http://schemas.microsoft.com/office/powerpoint/2010/main" spd="med" advClick="1"/>
+</p:sld>
+</file>
+
+<file path=ppt/slides/slide21.xml><?xml version="1.0" encoding="utf-8"?>
+<p:sld xmlns:a="http://schemas.openxmlformats.org/drawingml/2006/main" xmlns:r="http://schemas.openxmlformats.org/officeDocument/2006/relationships" xmlns:p="http://schemas.openxmlformats.org/presentationml/2006/main" xmlns:m="http://schemas.openxmlformats.org/officeDocument/2006/math" xmlns:a14="http://schemas.microsoft.com/office/drawing/2010/main" showMasterSp="1" showMasterPhAnim="1">
+  <p:cSld>
+    <p:spTree>
+      <p:nvGrpSpPr>
+        <p:cNvPr id="1" name=""/>
+        <p:cNvGrpSpPr/>
+        <p:nvPr/>
+      </p:nvGrpSpPr>
+      <p:grpSpPr>
+        <a:xfrm>
+          <a:off x="0" y="0"/>
+          <a:ext cx="0" cy="0"/>
+          <a:chOff x="0" y="0"/>
+          <a:chExt cx="0" cy="0"/>
+        </a:xfrm>
+      </p:grpSpPr>
+      <p:sp>
+        <p:nvSpPr>
+          <p:cNvPr id="239" name="Google Shape;55;p13"/>
+          <p:cNvSpPr txBox="1"/>
+          <p:nvPr>
+            <p:ph type="title"/>
+          </p:nvPr>
+        </p:nvSpPr>
+        <p:spPr>
+          <a:xfrm>
+            <a:off x="342361" y="531199"/>
+            <a:ext cx="23699278" cy="2640801"/>
+          </a:xfrm>
+          <a:prstGeom prst="rect">
+            <a:avLst/>
+          </a:prstGeom>
+        </p:spPr>
+        <p:txBody>
+          <a:bodyPr/>
+          <a:lstStyle>
+            <a:lvl1pPr defTabSz="2194559">
+              <a:defRPr sz="12420">
+                <a:solidFill>
+                  <a:srgbClr val="FFFFFF"/>
+                </a:solidFill>
+                <a:latin typeface="Avenir Book"/>
+                <a:ea typeface="Avenir Book"/>
+                <a:cs typeface="Avenir Book"/>
+                <a:sym typeface="Avenir Book"/>
+              </a:defRPr>
+            </a:lvl1pPr>
+          </a:lstStyle>
+          <a:p>
+            <a:pPr/>
+            <a:r>
+              <a:t>SQL - LIKE</a:t>
+            </a:r>
+          </a:p>
+        </p:txBody>
+      </p:sp>
+      <p:sp>
+        <p:nvSpPr>
+          <p:cNvPr id="240" name="Google Shape;56;p13"/>
+          <p:cNvSpPr txBox="1"/>
+          <p:nvPr>
+            <p:ph type="body" idx="1"/>
+          </p:nvPr>
+        </p:nvSpPr>
+        <p:spPr>
+          <a:xfrm>
+            <a:off x="1919591" y="3791118"/>
+            <a:ext cx="20368418" cy="9444833"/>
+          </a:xfrm>
+          <a:prstGeom prst="rect">
+            <a:avLst/>
+          </a:prstGeom>
+        </p:spPr>
+        <p:txBody>
+          <a:bodyPr lIns="45719" tIns="45719" rIns="45719" bIns="45719"/>
+          <a:lstStyle/>
+          <a:p>
+            <a:pPr marL="600963" indent="-600963" algn="l" defTabSz="832104">
+              <a:lnSpc>
+                <a:spcPct val="120000"/>
+              </a:lnSpc>
+              <a:spcBef>
+                <a:spcPts val="900"/>
+              </a:spcBef>
+              <a:buSzPct val="123000"/>
+              <a:buChar char="•"/>
+              <a:defRPr sz="4732">
+                <a:solidFill>
+                  <a:srgbClr val="FFFFFF"/>
+                </a:solidFill>
+              </a:defRPr>
+            </a:pPr>
+            <a:r>
+              <a:rPr>
+                <a:latin typeface="Courier New"/>
+                <a:ea typeface="Courier New"/>
+                <a:cs typeface="Courier New"/>
+                <a:sym typeface="Courier New"/>
+              </a:rPr>
+              <a:t>LIKE</a:t>
+            </a:r>
+            <a:r>
+              <a:t> </a:t>
+            </a:r>
+            <a:r>
+              <a:rPr>
+                <a:latin typeface="Avenir Book"/>
+                <a:ea typeface="Avenir Book"/>
+                <a:cs typeface="Avenir Book"/>
+                <a:sym typeface="Avenir Book"/>
+              </a:rPr>
+              <a:t>is typically performed on string based columns</a:t>
+            </a:r>
+            <a:endParaRPr>
+              <a:latin typeface="Avenir Book"/>
+              <a:ea typeface="Avenir Book"/>
+              <a:cs typeface="Avenir Book"/>
+              <a:sym typeface="Avenir Book"/>
+            </a:endParaRPr>
+          </a:p>
+          <a:p>
+            <a:pPr marL="600963" indent="-600963" algn="l" defTabSz="832104">
+              <a:lnSpc>
+                <a:spcPct val="120000"/>
+              </a:lnSpc>
+              <a:spcBef>
+                <a:spcPts val="900"/>
+              </a:spcBef>
+              <a:buSzPct val="123000"/>
+              <a:buChar char="•"/>
+              <a:defRPr sz="4732">
+                <a:solidFill>
+                  <a:srgbClr val="FFFFFF"/>
+                </a:solidFill>
+                <a:latin typeface="Avenir Book"/>
+                <a:ea typeface="Avenir Book"/>
+                <a:cs typeface="Avenir Book"/>
+                <a:sym typeface="Avenir Book"/>
+              </a:defRPr>
+            </a:pPr>
+            <a:r>
+              <a:t>Allows us to match strings using wildcards:</a:t>
+            </a:r>
+          </a:p>
+          <a:p>
+            <a:pPr lvl="1" marL="1155700" indent="-600963" algn="l" defTabSz="832104">
+              <a:lnSpc>
+                <a:spcPct val="120000"/>
+              </a:lnSpc>
+              <a:spcBef>
+                <a:spcPts val="400"/>
+              </a:spcBef>
+              <a:buSzPct val="123000"/>
+              <a:buChar char="•"/>
+              <a:defRPr sz="4732">
+                <a:solidFill>
+                  <a:srgbClr val="FFFFFF"/>
+                </a:solidFill>
+                <a:latin typeface="Avenir Book"/>
+                <a:ea typeface="Avenir Book"/>
+                <a:cs typeface="Avenir Book"/>
+                <a:sym typeface="Avenir Book"/>
+              </a:defRPr>
+            </a:pPr>
+            <a:r>
+              <a:t>One wildcard character in SQL is %</a:t>
+            </a:r>
+          </a:p>
+          <a:p>
+            <a:pPr lvl="2" marL="1710436" indent="-600963" algn="l" defTabSz="832104">
+              <a:lnSpc>
+                <a:spcPct val="120000"/>
+              </a:lnSpc>
+              <a:spcBef>
+                <a:spcPts val="400"/>
+              </a:spcBef>
+              <a:buSzPct val="123000"/>
+              <a:buChar char="•"/>
+              <a:defRPr sz="4732">
+                <a:solidFill>
+                  <a:schemeClr val="accent1">
+                    <a:lumOff val="16847"/>
+                  </a:schemeClr>
+                </a:solidFill>
+                <a:latin typeface="Avenir Book"/>
+                <a:ea typeface="Avenir Book"/>
+                <a:cs typeface="Avenir Book"/>
+                <a:sym typeface="Avenir Book"/>
+              </a:defRPr>
+            </a:pPr>
+            <a:r>
+              <a:rPr u="sng">
+                <a:uFill>
+                  <a:solidFill>
+                    <a:srgbClr val="0563C1"/>
+                  </a:solidFill>
+                </a:uFill>
+                <a:hlinkClick r:id="rId2" invalidUrl="" action="" tgtFrame="" tooltip="" history="1" highlightClick="0" endSnd="0"/>
+              </a:rPr>
+              <a:t>Represents zero or more characters</a:t>
+            </a:r>
+          </a:p>
+          <a:p>
+            <a:pPr lvl="1" marL="1155700" indent="-600963" algn="l" defTabSz="832104">
+              <a:lnSpc>
+                <a:spcPct val="120000"/>
+              </a:lnSpc>
+              <a:spcBef>
+                <a:spcPts val="400"/>
+              </a:spcBef>
+              <a:buSzPct val="123000"/>
+              <a:buChar char="•"/>
+              <a:defRPr sz="4732">
+                <a:solidFill>
+                  <a:srgbClr val="FFFFFF"/>
+                </a:solidFill>
+                <a:latin typeface="Avenir Book"/>
+                <a:ea typeface="Avenir Book"/>
+                <a:cs typeface="Avenir Book"/>
+                <a:sym typeface="Avenir Book"/>
+              </a:defRPr>
+            </a:pPr>
+            <a:r>
+              <a:t>Case sensitive</a:t>
+            </a:r>
+          </a:p>
+          <a:p>
+            <a:pPr lvl="1" marL="1155700" indent="-600963" algn="l" defTabSz="832104">
+              <a:lnSpc>
+                <a:spcPct val="120000"/>
+              </a:lnSpc>
+              <a:spcBef>
+                <a:spcPts val="400"/>
+              </a:spcBef>
+              <a:buSzPct val="123000"/>
+              <a:buChar char="•"/>
+              <a:defRPr sz="4732">
+                <a:solidFill>
+                  <a:srgbClr val="FFFFFF"/>
+                </a:solidFill>
+                <a:latin typeface="Avenir Book"/>
+                <a:ea typeface="Avenir Book"/>
+                <a:cs typeface="Avenir Book"/>
+                <a:sym typeface="Avenir Book"/>
+              </a:defRPr>
+            </a:pPr>
+            <a:r>
+              <a:t>Remember to use single quotes in the query</a:t>
+            </a:r>
+          </a:p>
+          <a:p>
+            <a:pPr lvl="1" marL="0" indent="416052" algn="l" defTabSz="832104">
+              <a:lnSpc>
+                <a:spcPct val="90000"/>
+              </a:lnSpc>
+              <a:spcBef>
+                <a:spcPts val="400"/>
+              </a:spcBef>
+              <a:defRPr sz="4732">
+                <a:solidFill>
+                  <a:srgbClr val="FFFFFF"/>
+                </a:solidFill>
+                <a:latin typeface="Calibri"/>
+                <a:ea typeface="Calibri"/>
+                <a:cs typeface="Calibri"/>
+                <a:sym typeface="Calibri"/>
+              </a:defRPr>
+            </a:pPr>
+          </a:p>
+          <a:p>
+            <a:pPr marL="0" indent="0" algn="l" defTabSz="832104">
+              <a:lnSpc>
+                <a:spcPct val="120000"/>
+              </a:lnSpc>
+              <a:spcBef>
+                <a:spcPts val="900"/>
+              </a:spcBef>
+              <a:defRPr sz="4732">
+                <a:solidFill>
+                  <a:srgbClr val="FFFFFF"/>
+                </a:solidFill>
+                <a:latin typeface="Courier New"/>
+                <a:ea typeface="Courier New"/>
+                <a:cs typeface="Courier New"/>
+                <a:sym typeface="Courier New"/>
+              </a:defRPr>
+            </a:pPr>
+            <a:r>
+              <a:t>SELECT *</a:t>
+            </a:r>
+            <a:br/>
+            <a:r>
+              <a:t>FROM film</a:t>
+            </a:r>
+            <a:br/>
+            <a:r>
+              <a:t>WHERE description LIKE '%Drama%'</a:t>
+            </a:r>
+          </a:p>
+        </p:txBody>
+      </p:sp>
+    </p:spTree>
+  </p:cSld>
+  <p:clrMapOvr>
+    <a:masterClrMapping/>
+  </p:clrMapOvr>
+  <p:transition xmlns:p14="http://schemas.microsoft.com/office/powerpoint/2010/main" spd="med" advClick="1"/>
+</p:sld>
+</file>
+
+<file path=ppt/slides/slide22.xml><?xml version="1.0" encoding="utf-8"?>
+<p:sld xmlns:a="http://schemas.openxmlformats.org/drawingml/2006/main" xmlns:r="http://schemas.openxmlformats.org/officeDocument/2006/relationships" xmlns:p="http://schemas.openxmlformats.org/presentationml/2006/main" xmlns:m="http://schemas.openxmlformats.org/officeDocument/2006/math" xmlns:a14="http://schemas.microsoft.com/office/drawing/2010/main" showMasterSp="1" showMasterPhAnim="1">
+  <p:cSld>
+    <p:spTree>
+      <p:nvGrpSpPr>
+        <p:cNvPr id="1" name=""/>
+        <p:cNvGrpSpPr/>
+        <p:nvPr/>
+      </p:nvGrpSpPr>
+      <p:grpSpPr>
+        <a:xfrm>
+          <a:off x="0" y="0"/>
+          <a:ext cx="0" cy="0"/>
+          <a:chOff x="0" y="0"/>
+          <a:chExt cx="0" cy="0"/>
+        </a:xfrm>
+      </p:grpSpPr>
+      <p:sp>
+        <p:nvSpPr>
+          <p:cNvPr id="242" name="Google Shape;55;p13"/>
+          <p:cNvSpPr txBox="1"/>
+          <p:nvPr>
+            <p:ph type="title"/>
+          </p:nvPr>
+        </p:nvSpPr>
+        <p:spPr>
+          <a:xfrm>
+            <a:off x="342361" y="531199"/>
+            <a:ext cx="23699278" cy="2640801"/>
+          </a:xfrm>
+          <a:prstGeom prst="rect">
+            <a:avLst/>
+          </a:prstGeom>
+        </p:spPr>
+        <p:txBody>
+          <a:bodyPr/>
+          <a:lstStyle>
+            <a:lvl1pPr defTabSz="2194559">
+              <a:defRPr sz="12420">
+                <a:solidFill>
+                  <a:srgbClr val="FFFFFF"/>
+                </a:solidFill>
+                <a:latin typeface="Avenir Book"/>
+                <a:ea typeface="Avenir Book"/>
+                <a:cs typeface="Avenir Book"/>
+                <a:sym typeface="Avenir Book"/>
+              </a:defRPr>
+            </a:lvl1pPr>
+          </a:lstStyle>
+          <a:p>
+            <a:pPr/>
+            <a:r>
+              <a:t>SQL - IN</a:t>
+            </a:r>
+          </a:p>
+        </p:txBody>
+      </p:sp>
+      <p:sp>
+        <p:nvSpPr>
+          <p:cNvPr id="243" name="Google Shape;56;p13"/>
+          <p:cNvSpPr txBox="1"/>
+          <p:nvPr>
+            <p:ph type="body" idx="1"/>
+          </p:nvPr>
+        </p:nvSpPr>
+        <p:spPr>
+          <a:xfrm>
+            <a:off x="1534977" y="3766648"/>
+            <a:ext cx="22335297" cy="10277703"/>
+          </a:xfrm>
+          <a:prstGeom prst="rect">
+            <a:avLst/>
+          </a:prstGeom>
+        </p:spPr>
+        <p:txBody>
+          <a:bodyPr lIns="45719" tIns="45719" rIns="45719" bIns="45719"/>
+          <a:lstStyle/>
+          <a:p>
+            <a:pPr marL="660400" indent="-660400" algn="l" defTabSz="914400">
+              <a:lnSpc>
+                <a:spcPct val="120000"/>
+              </a:lnSpc>
+              <a:spcBef>
+                <a:spcPts val="1000"/>
+              </a:spcBef>
+              <a:buSzPct val="123000"/>
+              <a:buChar char="•"/>
+              <a:defRPr sz="5200">
+                <a:solidFill>
+                  <a:srgbClr val="FFFFFF"/>
+                </a:solidFill>
+              </a:defRPr>
+            </a:pPr>
+            <a:r>
+              <a:rPr>
+                <a:latin typeface="Courier New"/>
+                <a:ea typeface="Courier New"/>
+                <a:cs typeface="Courier New"/>
+                <a:sym typeface="Courier New"/>
+              </a:rPr>
+              <a:t>IN</a:t>
+            </a:r>
+            <a:r>
+              <a:t> </a:t>
+            </a:r>
+            <a:r>
+              <a:rPr>
+                <a:latin typeface="Avenir Book"/>
+                <a:ea typeface="Avenir Book"/>
+                <a:cs typeface="Avenir Book"/>
+                <a:sym typeface="Avenir Book"/>
+              </a:rPr>
+              <a:t>can be used with both string and numeric data types</a:t>
+            </a:r>
+            <a:endParaRPr>
+              <a:latin typeface="Avenir Book"/>
+              <a:ea typeface="Avenir Book"/>
+              <a:cs typeface="Avenir Book"/>
+              <a:sym typeface="Avenir Book"/>
+            </a:endParaRPr>
+          </a:p>
+          <a:p>
+            <a:pPr marL="660400" indent="-660400" algn="l" defTabSz="914400">
+              <a:spcBef>
+                <a:spcPts val="1000"/>
+              </a:spcBef>
+              <a:buSzPct val="123000"/>
+              <a:buChar char="•"/>
+              <a:defRPr sz="5200">
+                <a:solidFill>
+                  <a:srgbClr val="FFFFFF"/>
+                </a:solidFill>
+                <a:latin typeface="Avenir Book"/>
+                <a:ea typeface="Avenir Book"/>
+                <a:cs typeface="Avenir Book"/>
+                <a:sym typeface="Avenir Book"/>
+              </a:defRPr>
+            </a:pPr>
+            <a:r>
+              <a:t>Essentially allows us to use an =, but over more than one condition</a:t>
+            </a:r>
+          </a:p>
+          <a:p>
+            <a:pPr marL="228600" indent="-228600" algn="l" defTabSz="914400">
+              <a:lnSpc>
+                <a:spcPct val="81000"/>
+              </a:lnSpc>
+              <a:spcBef>
+                <a:spcPts val="1000"/>
+              </a:spcBef>
+              <a:buSzPct val="100000"/>
+              <a:buFont typeface="Arial"/>
+              <a:buChar char="•"/>
+              <a:defRPr sz="5200">
+                <a:solidFill>
+                  <a:srgbClr val="FFFFFF"/>
+                </a:solidFill>
+                <a:latin typeface="Calibri"/>
+                <a:ea typeface="Calibri"/>
+                <a:cs typeface="Calibri"/>
+                <a:sym typeface="Calibri"/>
+              </a:defRPr>
+            </a:pPr>
+          </a:p>
+          <a:p>
+            <a:pPr marL="0" indent="0" algn="l" defTabSz="914400">
+              <a:lnSpc>
+                <a:spcPct val="81000"/>
+              </a:lnSpc>
+              <a:spcBef>
+                <a:spcPts val="1000"/>
+              </a:spcBef>
+              <a:defRPr sz="5200">
+                <a:solidFill>
+                  <a:srgbClr val="FFFFFF"/>
+                </a:solidFill>
+                <a:latin typeface="Courier New"/>
+                <a:ea typeface="Courier New"/>
+                <a:cs typeface="Courier New"/>
+                <a:sym typeface="Courier New"/>
+              </a:defRPr>
+            </a:pPr>
+            <a:r>
+              <a:t>SELECT *</a:t>
+            </a:r>
+            <a:br/>
+            <a:r>
+              <a:t>FROM language</a:t>
+            </a:r>
+            <a:br/>
+            <a:r>
+              <a:t>WHERE name IN ('English', 'Italian')</a:t>
+            </a:r>
+          </a:p>
+          <a:p>
+            <a:pPr marL="0" indent="0" algn="l" defTabSz="914400">
+              <a:lnSpc>
+                <a:spcPct val="81000"/>
+              </a:lnSpc>
+              <a:spcBef>
+                <a:spcPts val="1000"/>
+              </a:spcBef>
+              <a:defRPr sz="5200">
+                <a:solidFill>
+                  <a:srgbClr val="FFFFFF"/>
+                </a:solidFill>
+                <a:latin typeface="Calibri"/>
+                <a:ea typeface="Calibri"/>
+                <a:cs typeface="Calibri"/>
+                <a:sym typeface="Calibri"/>
+              </a:defRPr>
+            </a:pPr>
+          </a:p>
+          <a:p>
+            <a:pPr marL="0" indent="0" algn="l" defTabSz="914400">
+              <a:lnSpc>
+                <a:spcPct val="81000"/>
+              </a:lnSpc>
+              <a:spcBef>
+                <a:spcPts val="1000"/>
+              </a:spcBef>
+              <a:defRPr sz="5200">
+                <a:solidFill>
+                  <a:srgbClr val="FFFFFF"/>
+                </a:solidFill>
+                <a:latin typeface="Courier New"/>
+                <a:ea typeface="Courier New"/>
+                <a:cs typeface="Courier New"/>
+                <a:sym typeface="Courier New"/>
+              </a:defRPr>
+            </a:pPr>
+            <a:r>
+              <a:t>SELECT *</a:t>
+            </a:r>
+            <a:br/>
+            <a:r>
+              <a:t>FROM film</a:t>
+            </a:r>
+            <a:br/>
+            <a:r>
+              <a:t>WHERE language_id IN (1, 2)</a:t>
+            </a:r>
+          </a:p>
+        </p:txBody>
+      </p:sp>
+    </p:spTree>
+  </p:cSld>
+  <p:clrMapOvr>
+    <a:masterClrMapping/>
+  </p:clrMapOvr>
+  <p:transition xmlns:p14="http://schemas.microsoft.com/office/powerpoint/2010/main" spd="med" advClick="1"/>
+</p:sld>
+</file>
+
+<file path=ppt/slides/slide23.xml><?xml version="1.0" encoding="utf-8"?>
+<p:sld xmlns:a="http://schemas.openxmlformats.org/drawingml/2006/main" xmlns:r="http://schemas.openxmlformats.org/officeDocument/2006/relationships" xmlns:p="http://schemas.openxmlformats.org/presentationml/2006/main" xmlns:m="http://schemas.openxmlformats.org/officeDocument/2006/math" xmlns:a14="http://schemas.microsoft.com/office/drawing/2010/main" showMasterSp="1" showMasterPhAnim="1">
+  <p:cSld>
+    <p:spTree>
+      <p:nvGrpSpPr>
+        <p:cNvPr id="1" name=""/>
+        <p:cNvGrpSpPr/>
+        <p:nvPr/>
+      </p:nvGrpSpPr>
+      <p:grpSpPr>
+        <a:xfrm>
+          <a:off x="0" y="0"/>
+          <a:ext cx="0" cy="0"/>
+          <a:chOff x="0" y="0"/>
+          <a:chExt cx="0" cy="0"/>
+        </a:xfrm>
+      </p:grpSpPr>
+      <p:sp>
+        <p:nvSpPr>
+          <p:cNvPr id="245" name="Google Shape;55;p13"/>
+          <p:cNvSpPr txBox="1"/>
+          <p:nvPr>
+            <p:ph type="title"/>
+          </p:nvPr>
+        </p:nvSpPr>
+        <p:spPr>
+          <a:xfrm>
+            <a:off x="342361" y="531199"/>
+            <a:ext cx="23699278" cy="2640801"/>
+          </a:xfrm>
+          <a:prstGeom prst="rect">
+            <a:avLst/>
+          </a:prstGeom>
+        </p:spPr>
+        <p:txBody>
+          <a:bodyPr/>
+          <a:lstStyle>
+            <a:lvl1pPr defTabSz="2194559">
+              <a:defRPr sz="12420">
+                <a:solidFill>
+                  <a:srgbClr val="FFFFFF"/>
+                </a:solidFill>
+                <a:latin typeface="Avenir Book"/>
+                <a:ea typeface="Avenir Book"/>
+                <a:cs typeface="Avenir Book"/>
+                <a:sym typeface="Avenir Book"/>
+              </a:defRPr>
+            </a:lvl1pPr>
+          </a:lstStyle>
+          <a:p>
+            <a:pPr/>
+            <a:r>
+              <a:t>SQL - NOT</a:t>
+            </a:r>
+          </a:p>
+        </p:txBody>
+      </p:sp>
+      <p:sp>
+        <p:nvSpPr>
+          <p:cNvPr id="246" name="Google Shape;56;p13"/>
+          <p:cNvSpPr txBox="1"/>
+          <p:nvPr>
+            <p:ph type="body" idx="1"/>
+          </p:nvPr>
+        </p:nvSpPr>
+        <p:spPr>
+          <a:xfrm>
+            <a:off x="2889642" y="4762045"/>
+            <a:ext cx="19128979" cy="7039098"/>
+          </a:xfrm>
+          <a:prstGeom prst="rect">
+            <a:avLst/>
+          </a:prstGeom>
+        </p:spPr>
+        <p:txBody>
+          <a:bodyPr lIns="45719" tIns="45719" rIns="45719" bIns="45719"/>
+          <a:lstStyle/>
+          <a:p>
+            <a:pPr marL="574548" indent="-574548" algn="l" defTabSz="795527">
+              <a:lnSpc>
+                <a:spcPct val="90000"/>
+              </a:lnSpc>
+              <a:spcBef>
+                <a:spcPts val="800"/>
+              </a:spcBef>
+              <a:buSzPct val="123000"/>
+              <a:buChar char="•"/>
+              <a:defRPr sz="5220">
+                <a:solidFill>
+                  <a:srgbClr val="FFFFFF"/>
+                </a:solidFill>
+              </a:defRPr>
+            </a:pPr>
+            <a:r>
+              <a:rPr>
+                <a:latin typeface="Courier New"/>
+                <a:ea typeface="Courier New"/>
+                <a:cs typeface="Courier New"/>
+                <a:sym typeface="Courier New"/>
+              </a:rPr>
+              <a:t>NOT</a:t>
+            </a:r>
+            <a:r>
+              <a:t> </a:t>
+            </a:r>
+            <a:r>
+              <a:rPr>
+                <a:latin typeface="Avenir Book"/>
+                <a:ea typeface="Avenir Book"/>
+                <a:cs typeface="Avenir Book"/>
+                <a:sym typeface="Avenir Book"/>
+              </a:rPr>
+              <a:t>allows us to inverse the results of the previous queries</a:t>
+            </a:r>
+            <a:endParaRPr>
+              <a:latin typeface="Avenir Book"/>
+              <a:ea typeface="Avenir Book"/>
+              <a:cs typeface="Avenir Book"/>
+              <a:sym typeface="Avenir Book"/>
+            </a:endParaRPr>
+          </a:p>
+          <a:p>
+            <a:pPr marL="0" indent="0" algn="l" defTabSz="795527">
+              <a:lnSpc>
+                <a:spcPct val="90000"/>
+              </a:lnSpc>
+              <a:spcBef>
+                <a:spcPts val="800"/>
+              </a:spcBef>
+              <a:defRPr sz="5220">
+                <a:solidFill>
+                  <a:srgbClr val="FFFFFF"/>
+                </a:solidFill>
+                <a:latin typeface="Calibri"/>
+                <a:ea typeface="Calibri"/>
+                <a:cs typeface="Calibri"/>
+                <a:sym typeface="Calibri"/>
+              </a:defRPr>
+            </a:pPr>
+          </a:p>
+          <a:p>
+            <a:pPr marL="0" indent="0" algn="l" defTabSz="795527">
+              <a:lnSpc>
+                <a:spcPct val="90000"/>
+              </a:lnSpc>
+              <a:spcBef>
+                <a:spcPts val="800"/>
+              </a:spcBef>
+              <a:defRPr sz="5220">
+                <a:solidFill>
+                  <a:srgbClr val="FFFFFF"/>
+                </a:solidFill>
+                <a:latin typeface="Courier New"/>
+                <a:ea typeface="Courier New"/>
+                <a:cs typeface="Courier New"/>
+                <a:sym typeface="Courier New"/>
+              </a:defRPr>
+            </a:pPr>
+            <a:r>
+              <a:t>SELECT *</a:t>
+            </a:r>
+            <a:br/>
+            <a:r>
+              <a:t>FROM category</a:t>
+            </a:r>
+            <a:br/>
+            <a:r>
+              <a:t>WHERE name NOT IN ('Action', 'Animation')</a:t>
+            </a:r>
+          </a:p>
+          <a:p>
+            <a:pPr marL="0" indent="0" algn="l" defTabSz="795527">
+              <a:lnSpc>
+                <a:spcPct val="90000"/>
+              </a:lnSpc>
+              <a:spcBef>
+                <a:spcPts val="800"/>
+              </a:spcBef>
+              <a:defRPr sz="5220">
+                <a:solidFill>
+                  <a:srgbClr val="FFFFFF"/>
+                </a:solidFill>
+                <a:latin typeface="Calibri"/>
+                <a:ea typeface="Calibri"/>
+                <a:cs typeface="Calibri"/>
+                <a:sym typeface="Calibri"/>
+              </a:defRPr>
+            </a:pPr>
+          </a:p>
+          <a:p>
+            <a:pPr marL="0" indent="0" algn="l" defTabSz="795527">
+              <a:lnSpc>
+                <a:spcPct val="90000"/>
+              </a:lnSpc>
+              <a:spcBef>
+                <a:spcPts val="800"/>
+              </a:spcBef>
+              <a:defRPr sz="5220">
+                <a:solidFill>
+                  <a:srgbClr val="FFFFFF"/>
+                </a:solidFill>
+                <a:latin typeface="Courier New"/>
+                <a:ea typeface="Courier New"/>
+                <a:cs typeface="Courier New"/>
+                <a:sym typeface="Courier New"/>
+              </a:defRPr>
+            </a:pPr>
+            <a:r>
+              <a:t>SELECT *</a:t>
+            </a:r>
+            <a:br/>
+            <a:r>
+              <a:t>FROM actor</a:t>
+            </a:r>
+            <a:br/>
+            <a:r>
+              <a:t>WHERE last_name NOT LIKE '%SON'</a:t>
+            </a:r>
+          </a:p>
+        </p:txBody>
+      </p:sp>
+    </p:spTree>
+  </p:cSld>
+  <p:clrMapOvr>
+    <a:masterClrMapping/>
+  </p:clrMapOvr>
+  <p:transition xmlns:p14="http://schemas.microsoft.com/office/powerpoint/2010/main" spd="med" advClick="1"/>
+</p:sld>
+</file>
+
+<file path=ppt/slides/slide24.xml><?xml version="1.0" encoding="utf-8"?>
+<p:sld xmlns:a="http://schemas.openxmlformats.org/drawingml/2006/main" xmlns:r="http://schemas.openxmlformats.org/officeDocument/2006/relationships" xmlns:p="http://schemas.openxmlformats.org/presentationml/2006/main" xmlns:m="http://schemas.openxmlformats.org/officeDocument/2006/math" xmlns:a14="http://schemas.microsoft.com/office/drawing/2010/main" showMasterSp="1" showMasterPhAnim="1">
+  <p:cSld>
+    <p:spTree>
+      <p:nvGrpSpPr>
+        <p:cNvPr id="1" name=""/>
+        <p:cNvGrpSpPr/>
+        <p:nvPr/>
+      </p:nvGrpSpPr>
+      <p:grpSpPr>
+        <a:xfrm>
+          <a:off x="0" y="0"/>
+          <a:ext cx="0" cy="0"/>
+          <a:chOff x="0" y="0"/>
+          <a:chExt cx="0" cy="0"/>
+        </a:xfrm>
+      </p:grpSpPr>
+      <p:sp>
+        <p:nvSpPr>
+          <p:cNvPr id="248" name="Google Shape;55;p13"/>
+          <p:cNvSpPr txBox="1"/>
+          <p:nvPr>
+            <p:ph type="title"/>
+          </p:nvPr>
+        </p:nvSpPr>
+        <p:spPr>
+          <a:xfrm>
+            <a:off x="342361" y="531199"/>
+            <a:ext cx="23699278" cy="2640801"/>
+          </a:xfrm>
+          <a:prstGeom prst="rect">
+            <a:avLst/>
+          </a:prstGeom>
+        </p:spPr>
+        <p:txBody>
+          <a:bodyPr/>
+          <a:lstStyle>
+            <a:lvl1pPr defTabSz="2194559">
+              <a:defRPr sz="12420">
+                <a:solidFill>
+                  <a:srgbClr val="FFFFFF"/>
+                </a:solidFill>
+                <a:latin typeface="Avenir Book"/>
+                <a:ea typeface="Avenir Book"/>
+                <a:cs typeface="Avenir Book"/>
+                <a:sym typeface="Avenir Book"/>
+              </a:defRPr>
+            </a:lvl1pPr>
+          </a:lstStyle>
+          <a:p>
+            <a:pPr/>
+            <a:r>
+              <a:t>SQL - AND</a:t>
+            </a:r>
+          </a:p>
+        </p:txBody>
+      </p:sp>
+      <p:sp>
+        <p:nvSpPr>
+          <p:cNvPr id="249" name="Google Shape;56;p13"/>
+          <p:cNvSpPr txBox="1"/>
+          <p:nvPr>
+            <p:ph type="body" idx="1"/>
+          </p:nvPr>
+        </p:nvSpPr>
+        <p:spPr>
+          <a:xfrm>
+            <a:off x="2689722" y="3841684"/>
+            <a:ext cx="19004556" cy="8208796"/>
+          </a:xfrm>
+          <a:prstGeom prst="rect">
+            <a:avLst/>
+          </a:prstGeom>
+        </p:spPr>
+        <p:txBody>
+          <a:bodyPr lIns="45719" tIns="45719" rIns="45719" bIns="45719"/>
+          <a:lstStyle/>
+          <a:p>
+            <a:pPr marL="501904" indent="-501904" algn="l" defTabSz="694944">
+              <a:lnSpc>
+                <a:spcPct val="120000"/>
+              </a:lnSpc>
+              <a:spcBef>
+                <a:spcPts val="700"/>
+              </a:spcBef>
+              <a:buSzPct val="123000"/>
+              <a:buChar char="•"/>
+              <a:defRPr sz="4560">
+                <a:solidFill>
+                  <a:srgbClr val="FFFFFF"/>
+                </a:solidFill>
+              </a:defRPr>
+            </a:pPr>
+            <a:r>
+              <a:rPr>
+                <a:latin typeface="Avenir Book"/>
+                <a:ea typeface="Avenir Book"/>
+                <a:cs typeface="Avenir Book"/>
+                <a:sym typeface="Avenir Book"/>
+              </a:rPr>
+              <a:t>We use </a:t>
+            </a:r>
+            <a:r>
+              <a:rPr>
+                <a:latin typeface="Courier New"/>
+                <a:ea typeface="Courier New"/>
+                <a:cs typeface="Courier New"/>
+                <a:sym typeface="Courier New"/>
+              </a:rPr>
+              <a:t>AND</a:t>
+            </a:r>
+            <a:r>
+              <a:t> </a:t>
+            </a:r>
+            <a:r>
+              <a:rPr>
+                <a:latin typeface="Avenir Book"/>
+                <a:ea typeface="Avenir Book"/>
+                <a:cs typeface="Avenir Book"/>
+                <a:sym typeface="Avenir Book"/>
+              </a:rPr>
+              <a:t>when we want to run/check against multiple conditions</a:t>
+            </a:r>
+            <a:endParaRPr>
+              <a:latin typeface="Avenir Book"/>
+              <a:ea typeface="Avenir Book"/>
+              <a:cs typeface="Avenir Book"/>
+              <a:sym typeface="Avenir Book"/>
+            </a:endParaRPr>
+          </a:p>
+          <a:p>
+            <a:pPr marL="501904" indent="-501904" algn="l" defTabSz="694944">
+              <a:lnSpc>
+                <a:spcPct val="120000"/>
+              </a:lnSpc>
+              <a:spcBef>
+                <a:spcPts val="700"/>
+              </a:spcBef>
+              <a:buSzPct val="123000"/>
+              <a:buChar char="•"/>
+              <a:defRPr sz="4560">
+                <a:solidFill>
+                  <a:srgbClr val="FFFFFF"/>
+                </a:solidFill>
+                <a:latin typeface="Avenir Book"/>
+                <a:ea typeface="Avenir Book"/>
+                <a:cs typeface="Avenir Book"/>
+                <a:sym typeface="Avenir Book"/>
+              </a:defRPr>
+            </a:pPr>
+            <a:r>
+              <a:t>We can link as many expressions as we want</a:t>
+            </a:r>
+          </a:p>
+          <a:p>
+            <a:pPr lvl="1" marL="965200" indent="-501904" algn="l" defTabSz="694944">
+              <a:lnSpc>
+                <a:spcPct val="120000"/>
+              </a:lnSpc>
+              <a:spcBef>
+                <a:spcPts val="300"/>
+              </a:spcBef>
+              <a:buSzPct val="123000"/>
+              <a:buChar char="•"/>
+              <a:defRPr sz="4560">
+                <a:solidFill>
+                  <a:srgbClr val="FFFFFF"/>
+                </a:solidFill>
+              </a:defRPr>
+            </a:pPr>
+            <a:r>
+              <a:rPr>
+                <a:latin typeface="Avenir Book"/>
+                <a:ea typeface="Avenir Book"/>
+                <a:cs typeface="Avenir Book"/>
+                <a:sym typeface="Avenir Book"/>
+              </a:rPr>
+              <a:t>Of different types too…</a:t>
+            </a:r>
+            <a:r>
+              <a:t> </a:t>
+            </a:r>
+            <a:r>
+              <a:rPr>
+                <a:latin typeface="Courier New"/>
+                <a:ea typeface="Courier New"/>
+                <a:cs typeface="Courier New"/>
+                <a:sym typeface="Courier New"/>
+              </a:rPr>
+              <a:t>LIKE</a:t>
+            </a:r>
+            <a:r>
+              <a:t>, </a:t>
+            </a:r>
+            <a:r>
+              <a:rPr>
+                <a:latin typeface="Courier New"/>
+                <a:ea typeface="Courier New"/>
+                <a:cs typeface="Courier New"/>
+                <a:sym typeface="Courier New"/>
+              </a:rPr>
+              <a:t>IN</a:t>
+            </a:r>
+            <a:r>
+              <a:t>,</a:t>
+            </a:r>
+            <a:r>
+              <a:rPr>
+                <a:latin typeface="Avenir Book"/>
+                <a:ea typeface="Avenir Book"/>
+                <a:cs typeface="Avenir Book"/>
+                <a:sym typeface="Avenir Book"/>
+              </a:rPr>
+              <a:t> and </a:t>
+            </a:r>
+            <a:r>
+              <a:rPr>
+                <a:latin typeface="Courier New"/>
+                <a:ea typeface="Courier New"/>
+                <a:cs typeface="Courier New"/>
+                <a:sym typeface="Courier New"/>
+              </a:rPr>
+              <a:t>NOT</a:t>
+            </a:r>
+            <a:r>
+              <a:t> </a:t>
+            </a:r>
+            <a:r>
+              <a:rPr>
+                <a:latin typeface="Avenir Book"/>
+                <a:ea typeface="Avenir Book"/>
+                <a:cs typeface="Avenir Book"/>
+                <a:sym typeface="Avenir Book"/>
+              </a:rPr>
+              <a:t>can all be linked by</a:t>
+            </a:r>
+            <a:r>
+              <a:t> </a:t>
+            </a:r>
+            <a:r>
+              <a:rPr>
+                <a:latin typeface="Courier New"/>
+                <a:ea typeface="Courier New"/>
+                <a:cs typeface="Courier New"/>
+                <a:sym typeface="Courier New"/>
+              </a:rPr>
+              <a:t>AND</a:t>
+            </a:r>
+          </a:p>
+          <a:p>
+            <a:pPr lvl="1" marL="521208" indent="-173736" algn="l" defTabSz="694944">
+              <a:lnSpc>
+                <a:spcPct val="72000"/>
+              </a:lnSpc>
+              <a:spcBef>
+                <a:spcPts val="300"/>
+              </a:spcBef>
+              <a:buSzPct val="100000"/>
+              <a:buFont typeface="Arial"/>
+              <a:buChar char="•"/>
+              <a:defRPr sz="4560">
+                <a:solidFill>
+                  <a:srgbClr val="FFFFFF"/>
+                </a:solidFill>
+                <a:latin typeface="Calibri"/>
+                <a:ea typeface="Calibri"/>
+                <a:cs typeface="Calibri"/>
+                <a:sym typeface="Calibri"/>
+              </a:defRPr>
+            </a:pPr>
+          </a:p>
+          <a:p>
+            <a:pPr marL="0" indent="0" algn="l" defTabSz="694944">
+              <a:lnSpc>
+                <a:spcPct val="72000"/>
+              </a:lnSpc>
+              <a:spcBef>
+                <a:spcPts val="700"/>
+              </a:spcBef>
+              <a:defRPr sz="4560">
+                <a:solidFill>
+                  <a:srgbClr val="FFFFFF"/>
+                </a:solidFill>
+                <a:latin typeface="Courier New"/>
+                <a:ea typeface="Courier New"/>
+                <a:cs typeface="Courier New"/>
+                <a:sym typeface="Courier New"/>
+              </a:defRPr>
+            </a:pPr>
+            <a:r>
+              <a:t>SELECT *</a:t>
+            </a:r>
+            <a:br/>
+            <a:r>
+              <a:t>FROM payment</a:t>
+            </a:r>
+            <a:br/>
+            <a:r>
+              <a:t>WHERE payment_date &gt;= '2017-01-25'</a:t>
+            </a:r>
+          </a:p>
+          <a:p>
+            <a:pPr marL="0" indent="0" algn="l" defTabSz="694944">
+              <a:lnSpc>
+                <a:spcPct val="72000"/>
+              </a:lnSpc>
+              <a:spcBef>
+                <a:spcPts val="700"/>
+              </a:spcBef>
+              <a:defRPr sz="4560">
+                <a:solidFill>
+                  <a:srgbClr val="FFFFFF"/>
+                </a:solidFill>
+                <a:latin typeface="Courier New"/>
+                <a:ea typeface="Courier New"/>
+                <a:cs typeface="Courier New"/>
+                <a:sym typeface="Courier New"/>
+              </a:defRPr>
+            </a:pPr>
+            <a:r>
+              <a:t>AND payment_date &lt;= '2017-01-29'</a:t>
+            </a:r>
+          </a:p>
+          <a:p>
+            <a:pPr marL="0" indent="0" algn="l" defTabSz="694944">
+              <a:lnSpc>
+                <a:spcPct val="72000"/>
+              </a:lnSpc>
+              <a:spcBef>
+                <a:spcPts val="700"/>
+              </a:spcBef>
+              <a:defRPr sz="4560">
+                <a:solidFill>
+                  <a:srgbClr val="FFFFFF"/>
+                </a:solidFill>
+                <a:latin typeface="Calibri"/>
+                <a:ea typeface="Calibri"/>
+                <a:cs typeface="Calibri"/>
+                <a:sym typeface="Calibri"/>
+              </a:defRPr>
+            </a:pPr>
+          </a:p>
+          <a:p>
+            <a:pPr marL="0" indent="0" algn="l" defTabSz="694944">
+              <a:lnSpc>
+                <a:spcPct val="72000"/>
+              </a:lnSpc>
+              <a:spcBef>
+                <a:spcPts val="700"/>
+              </a:spcBef>
+              <a:defRPr sz="4560">
+                <a:solidFill>
+                  <a:srgbClr val="FFFFFF"/>
+                </a:solidFill>
+                <a:latin typeface="Courier New"/>
+                <a:ea typeface="Courier New"/>
+                <a:cs typeface="Courier New"/>
+                <a:sym typeface="Courier New"/>
+              </a:defRPr>
+            </a:pPr>
+            <a:r>
+              <a:t>SELECT *</a:t>
+            </a:r>
+            <a:br/>
+            <a:r>
+              <a:t>FROM payment</a:t>
+            </a:r>
+            <a:br/>
+            <a:r>
+              <a:t>WHERE payment_date &lt; '2017-01-25' AND staff_id = 2</a:t>
+            </a:r>
+          </a:p>
+        </p:txBody>
+      </p:sp>
+    </p:spTree>
+  </p:cSld>
+  <p:clrMapOvr>
+    <a:masterClrMapping/>
+  </p:clrMapOvr>
+  <p:transition xmlns:p14="http://schemas.microsoft.com/office/powerpoint/2010/main" spd="med" advClick="1"/>
+</p:sld>
+</file>
+
+<file path=ppt/slides/slide25.xml><?xml version="1.0" encoding="utf-8"?>
+<p:sld xmlns:a="http://schemas.openxmlformats.org/drawingml/2006/main" xmlns:r="http://schemas.openxmlformats.org/officeDocument/2006/relationships" xmlns:p="http://schemas.openxmlformats.org/presentationml/2006/main" xmlns:m="http://schemas.openxmlformats.org/officeDocument/2006/math" xmlns:a14="http://schemas.microsoft.com/office/drawing/2010/main" showMasterSp="1" showMasterPhAnim="1">
+  <p:cSld>
+    <p:spTree>
+      <p:nvGrpSpPr>
+        <p:cNvPr id="1" name=""/>
+        <p:cNvGrpSpPr/>
+        <p:nvPr/>
+      </p:nvGrpSpPr>
+      <p:grpSpPr>
+        <a:xfrm>
+          <a:off x="0" y="0"/>
+          <a:ext cx="0" cy="0"/>
+          <a:chOff x="0" y="0"/>
+          <a:chExt cx="0" cy="0"/>
+        </a:xfrm>
+      </p:grpSpPr>
+      <p:sp>
+        <p:nvSpPr>
+          <p:cNvPr id="251" name="Google Shape;55;p13"/>
+          <p:cNvSpPr txBox="1"/>
+          <p:nvPr>
+            <p:ph type="title"/>
+          </p:nvPr>
+        </p:nvSpPr>
+        <p:spPr>
+          <a:xfrm>
+            <a:off x="342361" y="531199"/>
+            <a:ext cx="23699278" cy="2640801"/>
+          </a:xfrm>
+          <a:prstGeom prst="rect">
+            <a:avLst/>
+          </a:prstGeom>
+        </p:spPr>
+        <p:txBody>
+          <a:bodyPr/>
+          <a:lstStyle>
+            <a:lvl1pPr defTabSz="2194559">
+              <a:defRPr sz="12420">
+                <a:solidFill>
+                  <a:srgbClr val="FFFFFF"/>
+                </a:solidFill>
+                <a:latin typeface="Avenir Book"/>
+                <a:ea typeface="Avenir Book"/>
+                <a:cs typeface="Avenir Book"/>
+                <a:sym typeface="Avenir Book"/>
+              </a:defRPr>
+            </a:lvl1pPr>
+          </a:lstStyle>
+          <a:p>
+            <a:pPr/>
+            <a:r>
+              <a:t>SQL - OR</a:t>
+            </a:r>
+          </a:p>
+        </p:txBody>
+      </p:sp>
+      <p:sp>
+        <p:nvSpPr>
+          <p:cNvPr id="252" name="Google Shape;56;p13"/>
+          <p:cNvSpPr txBox="1"/>
+          <p:nvPr>
+            <p:ph type="body" sz="half" idx="1"/>
+          </p:nvPr>
+        </p:nvSpPr>
+        <p:spPr>
+          <a:xfrm>
+            <a:off x="3028177" y="4214958"/>
+            <a:ext cx="18327646" cy="7033526"/>
+          </a:xfrm>
+          <a:prstGeom prst="rect">
+            <a:avLst/>
+          </a:prstGeom>
+        </p:spPr>
+        <p:txBody>
+          <a:bodyPr lIns="45719" tIns="45719" rIns="45719" bIns="45719"/>
+          <a:lstStyle/>
+          <a:p>
+            <a:pPr marL="660400" indent="-660400" algn="l" defTabSz="914400">
+              <a:lnSpc>
+                <a:spcPct val="90000"/>
+              </a:lnSpc>
+              <a:spcBef>
+                <a:spcPts val="1000"/>
+              </a:spcBef>
+              <a:buSzPct val="123000"/>
+              <a:buChar char="•"/>
+              <a:defRPr sz="5200">
+                <a:solidFill>
+                  <a:srgbClr val="FFFFFF"/>
+                </a:solidFill>
+              </a:defRPr>
+            </a:pPr>
+            <a:r>
+              <a:rPr>
+                <a:latin typeface="Avenir Book"/>
+                <a:ea typeface="Avenir Book"/>
+                <a:cs typeface="Avenir Book"/>
+                <a:sym typeface="Avenir Book"/>
+              </a:rPr>
+              <a:t>Similar to </a:t>
+            </a:r>
+            <a:r>
+              <a:rPr>
+                <a:latin typeface="Courier New"/>
+                <a:ea typeface="Courier New"/>
+                <a:cs typeface="Courier New"/>
+                <a:sym typeface="Courier New"/>
+              </a:rPr>
+              <a:t>AND, OR</a:t>
+            </a:r>
+            <a:r>
+              <a:t> </a:t>
+            </a:r>
+            <a:r>
+              <a:rPr>
+                <a:latin typeface="Avenir Book"/>
+                <a:ea typeface="Avenir Book"/>
+                <a:cs typeface="Avenir Book"/>
+                <a:sym typeface="Avenir Book"/>
+              </a:rPr>
+              <a:t>combines multiple statements. However, with</a:t>
+            </a:r>
+            <a:r>
+              <a:t> </a:t>
+            </a:r>
+            <a:r>
+              <a:rPr>
+                <a:latin typeface="Courier New"/>
+                <a:ea typeface="Courier New"/>
+                <a:cs typeface="Courier New"/>
+                <a:sym typeface="Courier New"/>
+              </a:rPr>
+              <a:t>OR</a:t>
+            </a:r>
+            <a:r>
+              <a:t>, </a:t>
+            </a:r>
+            <a:r>
+              <a:rPr>
+                <a:latin typeface="Avenir Book"/>
+                <a:ea typeface="Avenir Book"/>
+                <a:cs typeface="Avenir Book"/>
+                <a:sym typeface="Avenir Book"/>
+              </a:rPr>
+              <a:t>only one of the conditions we specify needs to be true (instead of all cases as is the case with </a:t>
+            </a:r>
+            <a:r>
+              <a:rPr>
+                <a:latin typeface="Courier New"/>
+                <a:ea typeface="Courier New"/>
+                <a:cs typeface="Courier New"/>
+                <a:sym typeface="Courier New"/>
+              </a:rPr>
+              <a:t>AND</a:t>
+            </a:r>
+            <a:r>
+              <a:t>)</a:t>
+            </a:r>
+          </a:p>
+          <a:p>
+            <a:pPr marL="0" indent="0" algn="l" defTabSz="914400">
+              <a:lnSpc>
+                <a:spcPct val="90000"/>
+              </a:lnSpc>
+              <a:spcBef>
+                <a:spcPts val="1000"/>
+              </a:spcBef>
+              <a:defRPr sz="5200">
+                <a:solidFill>
+                  <a:srgbClr val="FFFFFF"/>
+                </a:solidFill>
+                <a:latin typeface="Calibri"/>
+                <a:ea typeface="Calibri"/>
+                <a:cs typeface="Calibri"/>
+                <a:sym typeface="Calibri"/>
+              </a:defRPr>
+            </a:pPr>
+          </a:p>
+          <a:p>
+            <a:pPr marL="0" indent="0" algn="l" defTabSz="914400">
+              <a:lnSpc>
+                <a:spcPct val="90000"/>
+              </a:lnSpc>
+              <a:spcBef>
+                <a:spcPts val="1000"/>
+              </a:spcBef>
+              <a:defRPr sz="5200">
+                <a:solidFill>
+                  <a:srgbClr val="FFFFFF"/>
+                </a:solidFill>
+                <a:latin typeface="Courier New"/>
+                <a:ea typeface="Courier New"/>
+                <a:cs typeface="Courier New"/>
+                <a:sym typeface="Courier New"/>
+              </a:defRPr>
+            </a:pPr>
+            <a:r>
+              <a:t>SELECT *</a:t>
+            </a:r>
+            <a:br/>
+            <a:r>
+              <a:t>FROM film</a:t>
+            </a:r>
+            <a:br/>
+            <a:r>
+              <a:t>WHERE rental_duration &lt; 5 OR length &gt; 120</a:t>
+            </a:r>
+          </a:p>
+        </p:txBody>
+      </p:sp>
+    </p:spTree>
+  </p:cSld>
+  <p:clrMapOvr>
+    <a:masterClrMapping/>
+  </p:clrMapOvr>
+  <p:transition xmlns:p14="http://schemas.microsoft.com/office/powerpoint/2010/main" spd="med" advClick="1"/>
+</p:sld>
+</file>
+
+<file path=ppt/slides/slide26.xml><?xml version="1.0" encoding="utf-8"?>
+<p:sld xmlns:a="http://schemas.openxmlformats.org/drawingml/2006/main" xmlns:r="http://schemas.openxmlformats.org/officeDocument/2006/relationships" xmlns:p="http://schemas.openxmlformats.org/presentationml/2006/main" xmlns:m="http://schemas.openxmlformats.org/officeDocument/2006/math" xmlns:a14="http://schemas.microsoft.com/office/drawing/2010/main" showMasterSp="1" showMasterPhAnim="1">
+  <p:cSld>
+    <p:spTree>
+      <p:nvGrpSpPr>
+        <p:cNvPr id="1" name=""/>
+        <p:cNvGrpSpPr/>
+        <p:nvPr/>
+      </p:nvGrpSpPr>
+      <p:grpSpPr>
+        <a:xfrm>
+          <a:off x="0" y="0"/>
+          <a:ext cx="0" cy="0"/>
+          <a:chOff x="0" y="0"/>
+          <a:chExt cx="0" cy="0"/>
+        </a:xfrm>
+      </p:grpSpPr>
+      <p:sp>
+        <p:nvSpPr>
+          <p:cNvPr id="254" name="Google Shape;55;p13"/>
+          <p:cNvSpPr txBox="1"/>
+          <p:nvPr>
+            <p:ph type="title"/>
+          </p:nvPr>
+        </p:nvSpPr>
+        <p:spPr>
+          <a:xfrm>
+            <a:off x="342361" y="531199"/>
+            <a:ext cx="23699278" cy="2640801"/>
+          </a:xfrm>
+          <a:prstGeom prst="rect">
+            <a:avLst/>
+          </a:prstGeom>
+        </p:spPr>
+        <p:txBody>
+          <a:bodyPr/>
+          <a:lstStyle>
+            <a:lvl1pPr defTabSz="2194559">
+              <a:defRPr sz="12420">
+                <a:solidFill>
+                  <a:srgbClr val="FFFFFF"/>
+                </a:solidFill>
+                <a:latin typeface="Avenir Book"/>
+                <a:ea typeface="Avenir Book"/>
+                <a:cs typeface="Avenir Book"/>
+                <a:sym typeface="Avenir Book"/>
+              </a:defRPr>
+            </a:lvl1pPr>
+          </a:lstStyle>
+          <a:p>
+            <a:pPr/>
+            <a:r>
+              <a:t>SQL - BETWEEN</a:t>
+            </a:r>
+          </a:p>
+        </p:txBody>
+      </p:sp>
+      <p:sp>
+        <p:nvSpPr>
+          <p:cNvPr id="255" name="Google Shape;56;p13"/>
+          <p:cNvSpPr txBox="1"/>
+          <p:nvPr>
+            <p:ph type="body" idx="1"/>
+          </p:nvPr>
+        </p:nvSpPr>
+        <p:spPr>
+          <a:xfrm>
+            <a:off x="838200" y="4189278"/>
+            <a:ext cx="22984611" cy="9509744"/>
+          </a:xfrm>
+          <a:prstGeom prst="rect">
+            <a:avLst/>
+          </a:prstGeom>
+        </p:spPr>
+        <p:txBody>
+          <a:bodyPr lIns="45719" tIns="45719" rIns="45719" bIns="45719"/>
+          <a:lstStyle/>
+          <a:p>
+            <a:pPr marL="653795" indent="-653795" algn="l" defTabSz="905255">
+              <a:lnSpc>
+                <a:spcPct val="120000"/>
+              </a:lnSpc>
+              <a:spcBef>
+                <a:spcPts val="900"/>
+              </a:spcBef>
+              <a:buSzPct val="123000"/>
+              <a:buChar char="•"/>
+              <a:defRPr sz="5148">
+                <a:solidFill>
+                  <a:srgbClr val="FFFFFF"/>
+                </a:solidFill>
+                <a:latin typeface="Avenir Book"/>
+                <a:ea typeface="Avenir Book"/>
+                <a:cs typeface="Avenir Book"/>
+                <a:sym typeface="Avenir Book"/>
+              </a:defRPr>
+            </a:pPr>
+            <a:r>
+              <a:t>When we want to specify a range between data on the same column (like we did in the previous slide), it is easier and cleaner to use BETWEEN</a:t>
+            </a:r>
+          </a:p>
+          <a:p>
+            <a:pPr lvl="1" marL="1257300" indent="-653795" algn="l" defTabSz="905255">
+              <a:lnSpc>
+                <a:spcPct val="120000"/>
+              </a:lnSpc>
+              <a:spcBef>
+                <a:spcPts val="400"/>
+              </a:spcBef>
+              <a:buSzPct val="123000"/>
+              <a:buChar char="•"/>
+              <a:defRPr sz="5148">
+                <a:solidFill>
+                  <a:srgbClr val="FFFFFF"/>
+                </a:solidFill>
+                <a:latin typeface="Avenir Book"/>
+                <a:ea typeface="Avenir Book"/>
+                <a:cs typeface="Avenir Book"/>
+                <a:sym typeface="Avenir Book"/>
+              </a:defRPr>
+            </a:pPr>
+            <a:r>
+              <a:t>Works with dates, strings and numbers</a:t>
+            </a:r>
+          </a:p>
+          <a:p>
+            <a:pPr marL="0" indent="0" algn="l" defTabSz="905255">
+              <a:lnSpc>
+                <a:spcPct val="90000"/>
+              </a:lnSpc>
+              <a:spcBef>
+                <a:spcPts val="900"/>
+              </a:spcBef>
+              <a:defRPr sz="5148">
+                <a:solidFill>
+                  <a:srgbClr val="FFFFFF"/>
+                </a:solidFill>
+                <a:latin typeface="Calibri"/>
+                <a:ea typeface="Calibri"/>
+                <a:cs typeface="Calibri"/>
+                <a:sym typeface="Calibri"/>
+              </a:defRPr>
+            </a:pPr>
+          </a:p>
+          <a:p>
+            <a:pPr marL="0" indent="0" algn="l" defTabSz="905255">
+              <a:lnSpc>
+                <a:spcPct val="90000"/>
+              </a:lnSpc>
+              <a:spcBef>
+                <a:spcPts val="900"/>
+              </a:spcBef>
+              <a:defRPr sz="4158">
+                <a:solidFill>
+                  <a:srgbClr val="FFFFFF"/>
+                </a:solidFill>
+                <a:latin typeface="Courier New"/>
+                <a:ea typeface="Courier New"/>
+                <a:cs typeface="Courier New"/>
+                <a:sym typeface="Courier New"/>
+              </a:defRPr>
+            </a:pPr>
+            <a:r>
+              <a:t>SELECT *</a:t>
+            </a:r>
+            <a:br/>
+            <a:r>
+              <a:t>FROM payment</a:t>
+            </a:r>
+            <a:br/>
+            <a:r>
+              <a:t>WHERE payment_date BETWEEN '2017-01-25' AND '2017-01-29';</a:t>
+            </a:r>
+          </a:p>
+          <a:p>
+            <a:pPr marL="0" indent="0" algn="l" defTabSz="905255">
+              <a:lnSpc>
+                <a:spcPct val="90000"/>
+              </a:lnSpc>
+              <a:spcBef>
+                <a:spcPts val="900"/>
+              </a:spcBef>
+              <a:defRPr sz="4158">
+                <a:solidFill>
+                  <a:srgbClr val="FFFFFF"/>
+                </a:solidFill>
+                <a:latin typeface="Courier New"/>
+                <a:ea typeface="Courier New"/>
+                <a:cs typeface="Courier New"/>
+                <a:sym typeface="Courier New"/>
+              </a:defRPr>
+            </a:pPr>
+          </a:p>
+          <a:p>
+            <a:pPr marL="0" indent="0" algn="l" defTabSz="905255">
+              <a:lnSpc>
+                <a:spcPct val="90000"/>
+              </a:lnSpc>
+              <a:spcBef>
+                <a:spcPts val="900"/>
+              </a:spcBef>
+              <a:defRPr sz="4158">
+                <a:solidFill>
+                  <a:srgbClr val="FFFFFF"/>
+                </a:solidFill>
+                <a:latin typeface="Courier New"/>
+                <a:ea typeface="Courier New"/>
+                <a:cs typeface="Courier New"/>
+                <a:sym typeface="Courier New"/>
+              </a:defRPr>
+            </a:pPr>
+            <a:r>
+              <a:t>SELECT customer_id, payment_date, amount</a:t>
+            </a:r>
+          </a:p>
+          <a:p>
+            <a:pPr marL="0" indent="0" algn="l" defTabSz="905255">
+              <a:lnSpc>
+                <a:spcPct val="90000"/>
+              </a:lnSpc>
+              <a:spcBef>
+                <a:spcPts val="900"/>
+              </a:spcBef>
+              <a:defRPr sz="4158">
+                <a:solidFill>
+                  <a:srgbClr val="FFFFFF"/>
+                </a:solidFill>
+                <a:latin typeface="Courier New"/>
+                <a:ea typeface="Courier New"/>
+                <a:cs typeface="Courier New"/>
+                <a:sym typeface="Courier New"/>
+              </a:defRPr>
+            </a:pPr>
+            <a:r>
+              <a:t>FROM payment</a:t>
+            </a:r>
+          </a:p>
+          <a:p>
+            <a:pPr marL="0" indent="0" algn="l" defTabSz="905255">
+              <a:lnSpc>
+                <a:spcPct val="90000"/>
+              </a:lnSpc>
+              <a:spcBef>
+                <a:spcPts val="900"/>
+              </a:spcBef>
+              <a:defRPr sz="4158">
+                <a:solidFill>
+                  <a:srgbClr val="FFFFFF"/>
+                </a:solidFill>
+                <a:latin typeface="Courier New"/>
+                <a:ea typeface="Courier New"/>
+                <a:cs typeface="Courier New"/>
+                <a:sym typeface="Courier New"/>
+              </a:defRPr>
+            </a:pPr>
+            <a:r>
+              <a:t>WHERE amount BETWEEN 10.0 AND 11.99;</a:t>
+            </a:r>
+          </a:p>
+        </p:txBody>
+      </p:sp>
+    </p:spTree>
+  </p:cSld>
+  <p:clrMapOvr>
+    <a:masterClrMapping/>
+  </p:clrMapOvr>
+  <p:transition xmlns:p14="http://schemas.microsoft.com/office/powerpoint/2010/main" spd="med" advClick="1"/>
+</p:sld>
+</file>
+
+<file path=ppt/slides/slide27.xml><?xml version="1.0" encoding="utf-8"?>
+<p:sld xmlns:a="http://schemas.openxmlformats.org/drawingml/2006/main" xmlns:r="http://schemas.openxmlformats.org/officeDocument/2006/relationships" xmlns:p="http://schemas.openxmlformats.org/presentationml/2006/main" xmlns:m="http://schemas.openxmlformats.org/officeDocument/2006/math" xmlns:a14="http://schemas.microsoft.com/office/drawing/2010/main" showMasterSp="1" showMasterPhAnim="1">
+  <p:cSld>
+    <p:spTree>
+      <p:nvGrpSpPr>
+        <p:cNvPr id="1" name=""/>
+        <p:cNvGrpSpPr/>
+        <p:nvPr/>
+      </p:nvGrpSpPr>
+      <p:grpSpPr>
+        <a:xfrm>
+          <a:off x="0" y="0"/>
+          <a:ext cx="0" cy="0"/>
+          <a:chOff x="0" y="0"/>
+          <a:chExt cx="0" cy="0"/>
+        </a:xfrm>
+      </p:grpSpPr>
       <p:sp>
         <p:nvSpPr>
           <p:cNvPr id="257" name="Google Shape;55;p13"/>
@@ -8595,2280 +9780,14 @@
           <a:p>
             <a:pPr/>
             <a:r>
-              <a:t>SQL - More on Conditional</a:t>
+              <a:t>SQL - Practicals (Part III)</a:t>
             </a:r>
           </a:p>
         </p:txBody>
       </p:sp>
       <p:sp>
         <p:nvSpPr>
-          <p:cNvPr id="258" name="Google Shape;56;p13"/>
-          <p:cNvSpPr txBox="1"/>
-          <p:nvPr>
-            <p:ph type="body" idx="1"/>
-          </p:nvPr>
-        </p:nvSpPr>
-        <p:spPr>
-          <a:xfrm>
-            <a:off x="1471292" y="4189277"/>
-            <a:ext cx="22148784" cy="8525831"/>
-          </a:xfrm>
-          <a:prstGeom prst="rect">
-            <a:avLst/>
-          </a:prstGeom>
-        </p:spPr>
-        <p:txBody>
-          <a:bodyPr lIns="45719" tIns="45719" rIns="45719" bIns="45719"/>
-          <a:lstStyle/>
-          <a:p>
-            <a:pPr marL="0" indent="0" defTabSz="822959">
-              <a:lnSpc>
-                <a:spcPct val="120000"/>
-              </a:lnSpc>
-              <a:spcBef>
-                <a:spcPts val="900"/>
-              </a:spcBef>
-              <a:defRPr sz="4680">
-                <a:solidFill>
-                  <a:srgbClr val="FFFFFF"/>
-                </a:solidFill>
-              </a:defRPr>
-            </a:pPr>
-            <a:r>
-              <a:t>SQL allows us access to operations that improves the conditional statement </a:t>
-            </a:r>
-            <a:r>
-              <a:rPr>
-                <a:latin typeface="Courier New"/>
-                <a:ea typeface="Courier New"/>
-                <a:cs typeface="Courier New"/>
-                <a:sym typeface="Courier New"/>
-              </a:rPr>
-              <a:t>WHERE</a:t>
-            </a:r>
-          </a:p>
-          <a:p>
-            <a:pPr marL="594359" indent="-594359" algn="l" defTabSz="822959">
-              <a:lnSpc>
-                <a:spcPct val="120000"/>
-              </a:lnSpc>
-              <a:spcBef>
-                <a:spcPts val="900"/>
-              </a:spcBef>
-              <a:buSzPct val="123000"/>
-              <a:buChar char="•"/>
-              <a:defRPr sz="1710">
-                <a:solidFill>
-                  <a:srgbClr val="FFFFFF"/>
-                </a:solidFill>
-              </a:defRPr>
-            </a:pPr>
-          </a:p>
-          <a:p>
-            <a:pPr marL="594359" indent="-594359" algn="l" defTabSz="822959">
-              <a:spcBef>
-                <a:spcPts val="900"/>
-              </a:spcBef>
-              <a:buSzPct val="123000"/>
-              <a:buChar char="•"/>
-              <a:defRPr sz="4680">
-                <a:solidFill>
-                  <a:srgbClr val="FFFFFF"/>
-                </a:solidFill>
-              </a:defRPr>
-            </a:pPr>
-            <a:r>
-              <a:rPr>
-                <a:latin typeface="Courier New"/>
-                <a:ea typeface="Courier New"/>
-                <a:cs typeface="Courier New"/>
-                <a:sym typeface="Courier New"/>
-              </a:rPr>
-              <a:t>LIKE</a:t>
-            </a:r>
-            <a:r>
-              <a:t>: Similar to </a:t>
-            </a:r>
-            <a:r>
-              <a:rPr>
-                <a:latin typeface="Courier New"/>
-                <a:ea typeface="Courier New"/>
-                <a:cs typeface="Courier New"/>
-                <a:sym typeface="Courier New"/>
-              </a:rPr>
-              <a:t>WHERE =</a:t>
-            </a:r>
-            <a:r>
-              <a:t>, but in cases you’re not entirely sure what you’re searching for</a:t>
-            </a:r>
-          </a:p>
-          <a:p>
-            <a:pPr marL="594359" indent="-594359" algn="l" defTabSz="822959">
-              <a:spcBef>
-                <a:spcPts val="900"/>
-              </a:spcBef>
-              <a:buSzPct val="123000"/>
-              <a:buChar char="•"/>
-              <a:defRPr sz="4680">
-                <a:solidFill>
-                  <a:srgbClr val="FFFFFF"/>
-                </a:solidFill>
-              </a:defRPr>
-            </a:pPr>
-            <a:r>
-              <a:rPr>
-                <a:latin typeface="Courier New"/>
-                <a:ea typeface="Courier New"/>
-                <a:cs typeface="Courier New"/>
-                <a:sym typeface="Courier New"/>
-              </a:rPr>
-              <a:t>IN</a:t>
-            </a:r>
-            <a:r>
-              <a:t>: Similar to </a:t>
-            </a:r>
-            <a:r>
-              <a:rPr>
-                <a:latin typeface="Courier New"/>
-                <a:ea typeface="Courier New"/>
-                <a:cs typeface="Courier New"/>
-                <a:sym typeface="Courier New"/>
-              </a:rPr>
-              <a:t>WHERE =</a:t>
-            </a:r>
-            <a:r>
-              <a:t>, but for more than one condition</a:t>
-            </a:r>
-          </a:p>
-          <a:p>
-            <a:pPr marL="594359" indent="-594359" algn="l" defTabSz="822959">
-              <a:spcBef>
-                <a:spcPts val="900"/>
-              </a:spcBef>
-              <a:buSzPct val="123000"/>
-              <a:buChar char="•"/>
-              <a:defRPr sz="4680">
-                <a:solidFill>
-                  <a:srgbClr val="FFFFFF"/>
-                </a:solidFill>
-              </a:defRPr>
-            </a:pPr>
-            <a:r>
-              <a:rPr>
-                <a:latin typeface="Courier New"/>
-                <a:ea typeface="Courier New"/>
-                <a:cs typeface="Courier New"/>
-                <a:sym typeface="Courier New"/>
-              </a:rPr>
-              <a:t>NOT</a:t>
-            </a:r>
-            <a:r>
-              <a:t>: Used to return opposite results from </a:t>
-            </a:r>
-            <a:r>
-              <a:rPr>
-                <a:latin typeface="Courier New"/>
-                <a:ea typeface="Courier New"/>
-                <a:cs typeface="Courier New"/>
-                <a:sym typeface="Courier New"/>
-              </a:rPr>
-              <a:t>LIKE</a:t>
-            </a:r>
-            <a:r>
-              <a:t> or </a:t>
-            </a:r>
-            <a:r>
-              <a:rPr>
-                <a:latin typeface="Courier New"/>
-                <a:ea typeface="Courier New"/>
-                <a:cs typeface="Courier New"/>
-                <a:sym typeface="Courier New"/>
-              </a:rPr>
-              <a:t>IN</a:t>
-            </a:r>
-            <a:r>
-              <a:t> (e.g. </a:t>
-            </a:r>
-            <a:r>
-              <a:rPr>
-                <a:latin typeface="Courier New"/>
-                <a:ea typeface="Courier New"/>
-                <a:cs typeface="Courier New"/>
-                <a:sym typeface="Courier New"/>
-              </a:rPr>
-              <a:t>NOT LIKE</a:t>
-            </a:r>
-            <a:r>
-              <a:t> or </a:t>
-            </a:r>
-            <a:r>
-              <a:rPr>
-                <a:latin typeface="Courier New"/>
-                <a:ea typeface="Courier New"/>
-                <a:cs typeface="Courier New"/>
-                <a:sym typeface="Courier New"/>
-              </a:rPr>
-              <a:t>NOT IN</a:t>
-            </a:r>
-            <a:r>
-              <a:t>)</a:t>
-            </a:r>
-          </a:p>
-          <a:p>
-            <a:pPr marL="594359" indent="-594359" algn="l" defTabSz="822959">
-              <a:spcBef>
-                <a:spcPts val="900"/>
-              </a:spcBef>
-              <a:buSzPct val="123000"/>
-              <a:buChar char="•"/>
-              <a:defRPr sz="4680">
-                <a:solidFill>
-                  <a:srgbClr val="FFFFFF"/>
-                </a:solidFill>
-              </a:defRPr>
-            </a:pPr>
-            <a:r>
-              <a:rPr>
-                <a:latin typeface="Courier New"/>
-                <a:ea typeface="Courier New"/>
-                <a:cs typeface="Courier New"/>
-                <a:sym typeface="Courier New"/>
-              </a:rPr>
-              <a:t>AND</a:t>
-            </a:r>
-            <a:r>
-              <a:t> &amp; </a:t>
-            </a:r>
-            <a:r>
-              <a:rPr>
-                <a:latin typeface="Courier New"/>
-                <a:ea typeface="Courier New"/>
-                <a:cs typeface="Courier New"/>
-                <a:sym typeface="Courier New"/>
-              </a:rPr>
-              <a:t>BETWEEN</a:t>
-            </a:r>
-            <a:r>
-              <a:t>: Allows us to combine operations</a:t>
-            </a:r>
-          </a:p>
-          <a:p>
-            <a:pPr marL="594359" indent="-594359" algn="l" defTabSz="822959">
-              <a:spcBef>
-                <a:spcPts val="900"/>
-              </a:spcBef>
-              <a:buSzPct val="123000"/>
-              <a:buChar char="•"/>
-              <a:defRPr sz="4680">
-                <a:solidFill>
-                  <a:srgbClr val="FFFFFF"/>
-                </a:solidFill>
-              </a:defRPr>
-            </a:pPr>
-            <a:r>
-              <a:rPr>
-                <a:latin typeface="Courier New"/>
-                <a:ea typeface="Courier New"/>
-                <a:cs typeface="Courier New"/>
-                <a:sym typeface="Courier New"/>
-              </a:rPr>
-              <a:t>OR</a:t>
-            </a:r>
-            <a:r>
-              <a:t>: Allows us to find data where one of the conditions we provide to the query is true</a:t>
-            </a:r>
-          </a:p>
-        </p:txBody>
-      </p:sp>
-    </p:spTree>
-  </p:cSld>
-  <p:clrMapOvr>
-    <a:masterClrMapping/>
-  </p:clrMapOvr>
-  <p:transition xmlns:p14="http://schemas.microsoft.com/office/powerpoint/2010/main" spd="med" advClick="1"/>
-</p:sld>
-</file>
-
-<file path=ppt/slides/slide22.xml><?xml version="1.0" encoding="utf-8"?>
-<p:sld xmlns:a="http://schemas.openxmlformats.org/drawingml/2006/main" xmlns:r="http://schemas.openxmlformats.org/officeDocument/2006/relationships" xmlns:p="http://schemas.openxmlformats.org/presentationml/2006/main" xmlns:m="http://schemas.openxmlformats.org/officeDocument/2006/math" xmlns:a14="http://schemas.microsoft.com/office/drawing/2010/main" showMasterSp="1" showMasterPhAnim="1">
-  <p:cSld>
-    <p:bg>
-      <p:bgPr>
-        <a:solidFill>
-          <a:srgbClr val="EDDACC"/>
-        </a:solidFill>
-      </p:bgPr>
-    </p:bg>
-    <p:spTree>
-      <p:nvGrpSpPr>
-        <p:cNvPr id="1" name=""/>
-        <p:cNvGrpSpPr/>
-        <p:nvPr/>
-      </p:nvGrpSpPr>
-      <p:grpSpPr>
-        <a:xfrm>
-          <a:off x="0" y="0"/>
-          <a:ext cx="0" cy="0"/>
-          <a:chOff x="0" y="0"/>
-          <a:chExt cx="0" cy="0"/>
-        </a:xfrm>
-      </p:grpSpPr>
-      <p:pic>
-        <p:nvPicPr>
-          <p:cNvPr id="260" name="5f461d116006137.6059ac1f3a043.jpg" descr="5f461d116006137.6059ac1f3a043.jpg"/>
-          <p:cNvPicPr>
-            <a:picLocks noChangeAspect="1"/>
-          </p:cNvPicPr>
-          <p:nvPr/>
-        </p:nvPicPr>
-        <p:blipFill>
-          <a:blip r:embed="rId2">
-            <a:extLst/>
-          </a:blip>
-          <a:stretch>
-            <a:fillRect/>
-          </a:stretch>
-        </p:blipFill>
-        <p:spPr>
-          <a:xfrm>
-            <a:off x="-77249" y="-2562010"/>
-            <a:ext cx="24538498" cy="16359000"/>
-          </a:xfrm>
-          <a:prstGeom prst="rect">
-            <a:avLst/>
-          </a:prstGeom>
-          <a:ln w="12700">
-            <a:miter lim="400000"/>
-          </a:ln>
-        </p:spPr>
-      </p:pic>
-      <p:sp>
-        <p:nvSpPr>
-          <p:cNvPr id="261" name="Google Shape;55;p13"/>
-          <p:cNvSpPr txBox="1"/>
-          <p:nvPr>
-            <p:ph type="title"/>
-          </p:nvPr>
-        </p:nvSpPr>
-        <p:spPr>
-          <a:xfrm>
-            <a:off x="342361" y="531199"/>
-            <a:ext cx="23699278" cy="2640801"/>
-          </a:xfrm>
-          <a:prstGeom prst="rect">
-            <a:avLst/>
-          </a:prstGeom>
-        </p:spPr>
-        <p:txBody>
-          <a:bodyPr/>
-          <a:lstStyle>
-            <a:lvl1pPr defTabSz="2194559">
-              <a:defRPr sz="12420">
-                <a:solidFill>
-                  <a:srgbClr val="FFFFFF"/>
-                </a:solidFill>
-                <a:latin typeface="Avenir Book"/>
-                <a:ea typeface="Avenir Book"/>
-                <a:cs typeface="Avenir Book"/>
-                <a:sym typeface="Avenir Book"/>
-              </a:defRPr>
-            </a:lvl1pPr>
-          </a:lstStyle>
-          <a:p>
-            <a:pPr/>
-            <a:r>
-              <a:t>SQL - LIKE</a:t>
-            </a:r>
-          </a:p>
-        </p:txBody>
-      </p:sp>
-      <p:sp>
-        <p:nvSpPr>
-          <p:cNvPr id="262" name="Google Shape;56;p13"/>
-          <p:cNvSpPr txBox="1"/>
-          <p:nvPr>
-            <p:ph type="body" idx="1"/>
-          </p:nvPr>
-        </p:nvSpPr>
-        <p:spPr>
-          <a:xfrm>
-            <a:off x="1919591" y="3791118"/>
-            <a:ext cx="20368418" cy="9444833"/>
-          </a:xfrm>
-          <a:prstGeom prst="rect">
-            <a:avLst/>
-          </a:prstGeom>
-        </p:spPr>
-        <p:txBody>
-          <a:bodyPr lIns="45719" tIns="45719" rIns="45719" bIns="45719"/>
-          <a:lstStyle/>
-          <a:p>
-            <a:pPr marL="600963" indent="-600963" algn="l" defTabSz="832104">
-              <a:lnSpc>
-                <a:spcPct val="120000"/>
-              </a:lnSpc>
-              <a:spcBef>
-                <a:spcPts val="900"/>
-              </a:spcBef>
-              <a:buSzPct val="123000"/>
-              <a:buChar char="•"/>
-              <a:defRPr sz="4732">
-                <a:solidFill>
-                  <a:srgbClr val="FFFFFF"/>
-                </a:solidFill>
-              </a:defRPr>
-            </a:pPr>
-            <a:r>
-              <a:rPr>
-                <a:latin typeface="Courier New"/>
-                <a:ea typeface="Courier New"/>
-                <a:cs typeface="Courier New"/>
-                <a:sym typeface="Courier New"/>
-              </a:rPr>
-              <a:t>LIKE</a:t>
-            </a:r>
-            <a:r>
-              <a:t> </a:t>
-            </a:r>
-            <a:r>
-              <a:rPr>
-                <a:latin typeface="Avenir Book"/>
-                <a:ea typeface="Avenir Book"/>
-                <a:cs typeface="Avenir Book"/>
-                <a:sym typeface="Avenir Book"/>
-              </a:rPr>
-              <a:t>is typically performed on string based columns</a:t>
-            </a:r>
-            <a:endParaRPr>
-              <a:latin typeface="Avenir Book"/>
-              <a:ea typeface="Avenir Book"/>
-              <a:cs typeface="Avenir Book"/>
-              <a:sym typeface="Avenir Book"/>
-            </a:endParaRPr>
-          </a:p>
-          <a:p>
-            <a:pPr marL="600963" indent="-600963" algn="l" defTabSz="832104">
-              <a:lnSpc>
-                <a:spcPct val="120000"/>
-              </a:lnSpc>
-              <a:spcBef>
-                <a:spcPts val="900"/>
-              </a:spcBef>
-              <a:buSzPct val="123000"/>
-              <a:buChar char="•"/>
-              <a:defRPr sz="4732">
-                <a:solidFill>
-                  <a:srgbClr val="FFFFFF"/>
-                </a:solidFill>
-                <a:latin typeface="Avenir Book"/>
-                <a:ea typeface="Avenir Book"/>
-                <a:cs typeface="Avenir Book"/>
-                <a:sym typeface="Avenir Book"/>
-              </a:defRPr>
-            </a:pPr>
-            <a:r>
-              <a:t>Allows us to match strings using wildcards:</a:t>
-            </a:r>
-          </a:p>
-          <a:p>
-            <a:pPr lvl="1" marL="1155700" indent="-600963" algn="l" defTabSz="832104">
-              <a:lnSpc>
-                <a:spcPct val="120000"/>
-              </a:lnSpc>
-              <a:spcBef>
-                <a:spcPts val="400"/>
-              </a:spcBef>
-              <a:buSzPct val="123000"/>
-              <a:buChar char="•"/>
-              <a:defRPr sz="4732">
-                <a:solidFill>
-                  <a:srgbClr val="FFFFFF"/>
-                </a:solidFill>
-                <a:latin typeface="Avenir Book"/>
-                <a:ea typeface="Avenir Book"/>
-                <a:cs typeface="Avenir Book"/>
-                <a:sym typeface="Avenir Book"/>
-              </a:defRPr>
-            </a:pPr>
-            <a:r>
-              <a:t>One wildcard character in SQL is %</a:t>
-            </a:r>
-          </a:p>
-          <a:p>
-            <a:pPr lvl="2" marL="1710436" indent="-600963" algn="l" defTabSz="832104">
-              <a:lnSpc>
-                <a:spcPct val="120000"/>
-              </a:lnSpc>
-              <a:spcBef>
-                <a:spcPts val="400"/>
-              </a:spcBef>
-              <a:buSzPct val="123000"/>
-              <a:buChar char="•"/>
-              <a:defRPr sz="4732">
-                <a:solidFill>
-                  <a:schemeClr val="accent1">
-                    <a:lumOff val="16847"/>
-                  </a:schemeClr>
-                </a:solidFill>
-                <a:latin typeface="Avenir Book"/>
-                <a:ea typeface="Avenir Book"/>
-                <a:cs typeface="Avenir Book"/>
-                <a:sym typeface="Avenir Book"/>
-              </a:defRPr>
-            </a:pPr>
-            <a:r>
-              <a:rPr u="sng">
-                <a:uFill>
-                  <a:solidFill>
-                    <a:srgbClr val="0563C1"/>
-                  </a:solidFill>
-                </a:uFill>
-                <a:hlinkClick r:id="rId3" invalidUrl="" action="" tgtFrame="" tooltip="" history="1" highlightClick="0" endSnd="0"/>
-              </a:rPr>
-              <a:t>Represents zero or more characters</a:t>
-            </a:r>
-          </a:p>
-          <a:p>
-            <a:pPr lvl="1" marL="1155700" indent="-600963" algn="l" defTabSz="832104">
-              <a:lnSpc>
-                <a:spcPct val="120000"/>
-              </a:lnSpc>
-              <a:spcBef>
-                <a:spcPts val="400"/>
-              </a:spcBef>
-              <a:buSzPct val="123000"/>
-              <a:buChar char="•"/>
-              <a:defRPr sz="4732">
-                <a:solidFill>
-                  <a:srgbClr val="FFFFFF"/>
-                </a:solidFill>
-                <a:latin typeface="Avenir Book"/>
-                <a:ea typeface="Avenir Book"/>
-                <a:cs typeface="Avenir Book"/>
-                <a:sym typeface="Avenir Book"/>
-              </a:defRPr>
-            </a:pPr>
-            <a:r>
-              <a:t>Case sensitive</a:t>
-            </a:r>
-          </a:p>
-          <a:p>
-            <a:pPr lvl="1" marL="1155700" indent="-600963" algn="l" defTabSz="832104">
-              <a:lnSpc>
-                <a:spcPct val="120000"/>
-              </a:lnSpc>
-              <a:spcBef>
-                <a:spcPts val="400"/>
-              </a:spcBef>
-              <a:buSzPct val="123000"/>
-              <a:buChar char="•"/>
-              <a:defRPr sz="4732">
-                <a:solidFill>
-                  <a:srgbClr val="FFFFFF"/>
-                </a:solidFill>
-                <a:latin typeface="Avenir Book"/>
-                <a:ea typeface="Avenir Book"/>
-                <a:cs typeface="Avenir Book"/>
-                <a:sym typeface="Avenir Book"/>
-              </a:defRPr>
-            </a:pPr>
-            <a:r>
-              <a:t>Remember to use single quotes in the query</a:t>
-            </a:r>
-          </a:p>
-          <a:p>
-            <a:pPr lvl="1" marL="0" indent="416052" algn="l" defTabSz="832104">
-              <a:lnSpc>
-                <a:spcPct val="90000"/>
-              </a:lnSpc>
-              <a:spcBef>
-                <a:spcPts val="400"/>
-              </a:spcBef>
-              <a:defRPr sz="4732">
-                <a:solidFill>
-                  <a:srgbClr val="FFFFFF"/>
-                </a:solidFill>
-                <a:latin typeface="Calibri"/>
-                <a:ea typeface="Calibri"/>
-                <a:cs typeface="Calibri"/>
-                <a:sym typeface="Calibri"/>
-              </a:defRPr>
-            </a:pPr>
-          </a:p>
-          <a:p>
-            <a:pPr marL="0" indent="0" algn="l" defTabSz="832104">
-              <a:lnSpc>
-                <a:spcPct val="120000"/>
-              </a:lnSpc>
-              <a:spcBef>
-                <a:spcPts val="900"/>
-              </a:spcBef>
-              <a:defRPr sz="4732">
-                <a:solidFill>
-                  <a:srgbClr val="FFFFFF"/>
-                </a:solidFill>
-                <a:latin typeface="Courier New"/>
-                <a:ea typeface="Courier New"/>
-                <a:cs typeface="Courier New"/>
-                <a:sym typeface="Courier New"/>
-              </a:defRPr>
-            </a:pPr>
-            <a:r>
-              <a:t>SELECT *</a:t>
-            </a:r>
-            <a:br/>
-            <a:r>
-              <a:t>FROM film</a:t>
-            </a:r>
-            <a:br/>
-            <a:r>
-              <a:t>WHERE description LIKE '%Drama%'</a:t>
-            </a:r>
-          </a:p>
-        </p:txBody>
-      </p:sp>
-    </p:spTree>
-  </p:cSld>
-  <p:clrMapOvr>
-    <a:masterClrMapping/>
-  </p:clrMapOvr>
-  <p:transition xmlns:p14="http://schemas.microsoft.com/office/powerpoint/2010/main" spd="med" advClick="1"/>
-</p:sld>
-</file>
-
-<file path=ppt/slides/slide23.xml><?xml version="1.0" encoding="utf-8"?>
-<p:sld xmlns:a="http://schemas.openxmlformats.org/drawingml/2006/main" xmlns:r="http://schemas.openxmlformats.org/officeDocument/2006/relationships" xmlns:p="http://schemas.openxmlformats.org/presentationml/2006/main" xmlns:m="http://schemas.openxmlformats.org/officeDocument/2006/math" xmlns:a14="http://schemas.microsoft.com/office/drawing/2010/main" showMasterSp="1" showMasterPhAnim="1">
-  <p:cSld>
-    <p:bg>
-      <p:bgPr>
-        <a:solidFill>
-          <a:srgbClr val="EDDACC"/>
-        </a:solidFill>
-      </p:bgPr>
-    </p:bg>
-    <p:spTree>
-      <p:nvGrpSpPr>
-        <p:cNvPr id="1" name=""/>
-        <p:cNvGrpSpPr/>
-        <p:nvPr/>
-      </p:nvGrpSpPr>
-      <p:grpSpPr>
-        <a:xfrm>
-          <a:off x="0" y="0"/>
-          <a:ext cx="0" cy="0"/>
-          <a:chOff x="0" y="0"/>
-          <a:chExt cx="0" cy="0"/>
-        </a:xfrm>
-      </p:grpSpPr>
-      <p:pic>
-        <p:nvPicPr>
-          <p:cNvPr id="264" name="5f461d116006137.6059ac1f3a043.jpg" descr="5f461d116006137.6059ac1f3a043.jpg"/>
-          <p:cNvPicPr>
-            <a:picLocks noChangeAspect="1"/>
-          </p:cNvPicPr>
-          <p:nvPr/>
-        </p:nvPicPr>
-        <p:blipFill>
-          <a:blip r:embed="rId2">
-            <a:extLst/>
-          </a:blip>
-          <a:stretch>
-            <a:fillRect/>
-          </a:stretch>
-        </p:blipFill>
-        <p:spPr>
-          <a:xfrm>
-            <a:off x="-77249" y="-2562010"/>
-            <a:ext cx="24538498" cy="16359000"/>
-          </a:xfrm>
-          <a:prstGeom prst="rect">
-            <a:avLst/>
-          </a:prstGeom>
-          <a:ln w="12700">
-            <a:miter lim="400000"/>
-          </a:ln>
-        </p:spPr>
-      </p:pic>
-      <p:sp>
-        <p:nvSpPr>
-          <p:cNvPr id="265" name="Google Shape;55;p13"/>
-          <p:cNvSpPr txBox="1"/>
-          <p:nvPr>
-            <p:ph type="title"/>
-          </p:nvPr>
-        </p:nvSpPr>
-        <p:spPr>
-          <a:xfrm>
-            <a:off x="342361" y="531199"/>
-            <a:ext cx="23699278" cy="2640801"/>
-          </a:xfrm>
-          <a:prstGeom prst="rect">
-            <a:avLst/>
-          </a:prstGeom>
-        </p:spPr>
-        <p:txBody>
-          <a:bodyPr/>
-          <a:lstStyle>
-            <a:lvl1pPr defTabSz="2194559">
-              <a:defRPr sz="12420">
-                <a:solidFill>
-                  <a:srgbClr val="FFFFFF"/>
-                </a:solidFill>
-                <a:latin typeface="Avenir Book"/>
-                <a:ea typeface="Avenir Book"/>
-                <a:cs typeface="Avenir Book"/>
-                <a:sym typeface="Avenir Book"/>
-              </a:defRPr>
-            </a:lvl1pPr>
-          </a:lstStyle>
-          <a:p>
-            <a:pPr/>
-            <a:r>
-              <a:t>SQL - IN</a:t>
-            </a:r>
-          </a:p>
-        </p:txBody>
-      </p:sp>
-      <p:sp>
-        <p:nvSpPr>
-          <p:cNvPr id="266" name="Google Shape;56;p13"/>
-          <p:cNvSpPr txBox="1"/>
-          <p:nvPr>
-            <p:ph type="body" idx="1"/>
-          </p:nvPr>
-        </p:nvSpPr>
-        <p:spPr>
-          <a:xfrm>
-            <a:off x="1534977" y="3766648"/>
-            <a:ext cx="22335297" cy="10277703"/>
-          </a:xfrm>
-          <a:prstGeom prst="rect">
-            <a:avLst/>
-          </a:prstGeom>
-        </p:spPr>
-        <p:txBody>
-          <a:bodyPr lIns="45719" tIns="45719" rIns="45719" bIns="45719"/>
-          <a:lstStyle/>
-          <a:p>
-            <a:pPr marL="660400" indent="-660400" algn="l" defTabSz="914400">
-              <a:lnSpc>
-                <a:spcPct val="120000"/>
-              </a:lnSpc>
-              <a:spcBef>
-                <a:spcPts val="1000"/>
-              </a:spcBef>
-              <a:buSzPct val="123000"/>
-              <a:buChar char="•"/>
-              <a:defRPr sz="5200">
-                <a:solidFill>
-                  <a:srgbClr val="FFFFFF"/>
-                </a:solidFill>
-              </a:defRPr>
-            </a:pPr>
-            <a:r>
-              <a:rPr>
-                <a:latin typeface="Courier New"/>
-                <a:ea typeface="Courier New"/>
-                <a:cs typeface="Courier New"/>
-                <a:sym typeface="Courier New"/>
-              </a:rPr>
-              <a:t>IN</a:t>
-            </a:r>
-            <a:r>
-              <a:t> </a:t>
-            </a:r>
-            <a:r>
-              <a:rPr>
-                <a:latin typeface="Avenir Book"/>
-                <a:ea typeface="Avenir Book"/>
-                <a:cs typeface="Avenir Book"/>
-                <a:sym typeface="Avenir Book"/>
-              </a:rPr>
-              <a:t>can be used with both string and numeric data types</a:t>
-            </a:r>
-            <a:endParaRPr>
-              <a:latin typeface="Avenir Book"/>
-              <a:ea typeface="Avenir Book"/>
-              <a:cs typeface="Avenir Book"/>
-              <a:sym typeface="Avenir Book"/>
-            </a:endParaRPr>
-          </a:p>
-          <a:p>
-            <a:pPr marL="660400" indent="-660400" algn="l" defTabSz="914400">
-              <a:spcBef>
-                <a:spcPts val="1000"/>
-              </a:spcBef>
-              <a:buSzPct val="123000"/>
-              <a:buChar char="•"/>
-              <a:defRPr sz="5200">
-                <a:solidFill>
-                  <a:srgbClr val="FFFFFF"/>
-                </a:solidFill>
-                <a:latin typeface="Avenir Book"/>
-                <a:ea typeface="Avenir Book"/>
-                <a:cs typeface="Avenir Book"/>
-                <a:sym typeface="Avenir Book"/>
-              </a:defRPr>
-            </a:pPr>
-            <a:r>
-              <a:t>Essentially allows us to use an =, but over more than one condition</a:t>
-            </a:r>
-          </a:p>
-          <a:p>
-            <a:pPr marL="228600" indent="-228600" algn="l" defTabSz="914400">
-              <a:lnSpc>
-                <a:spcPct val="81000"/>
-              </a:lnSpc>
-              <a:spcBef>
-                <a:spcPts val="1000"/>
-              </a:spcBef>
-              <a:buSzPct val="100000"/>
-              <a:buFont typeface="Arial"/>
-              <a:buChar char="•"/>
-              <a:defRPr sz="5200">
-                <a:solidFill>
-                  <a:srgbClr val="FFFFFF"/>
-                </a:solidFill>
-                <a:latin typeface="Calibri"/>
-                <a:ea typeface="Calibri"/>
-                <a:cs typeface="Calibri"/>
-                <a:sym typeface="Calibri"/>
-              </a:defRPr>
-            </a:pPr>
-          </a:p>
-          <a:p>
-            <a:pPr marL="0" indent="0" algn="l" defTabSz="914400">
-              <a:lnSpc>
-                <a:spcPct val="81000"/>
-              </a:lnSpc>
-              <a:spcBef>
-                <a:spcPts val="1000"/>
-              </a:spcBef>
-              <a:defRPr sz="5200">
-                <a:solidFill>
-                  <a:srgbClr val="FFFFFF"/>
-                </a:solidFill>
-                <a:latin typeface="Courier New"/>
-                <a:ea typeface="Courier New"/>
-                <a:cs typeface="Courier New"/>
-                <a:sym typeface="Courier New"/>
-              </a:defRPr>
-            </a:pPr>
-            <a:r>
-              <a:t>SELECT *</a:t>
-            </a:r>
-            <a:br/>
-            <a:r>
-              <a:t>FROM language</a:t>
-            </a:r>
-            <a:br/>
-            <a:r>
-              <a:t>WHERE name IN ('English', 'Italian')</a:t>
-            </a:r>
-          </a:p>
-          <a:p>
-            <a:pPr marL="0" indent="0" algn="l" defTabSz="914400">
-              <a:lnSpc>
-                <a:spcPct val="81000"/>
-              </a:lnSpc>
-              <a:spcBef>
-                <a:spcPts val="1000"/>
-              </a:spcBef>
-              <a:defRPr sz="5200">
-                <a:solidFill>
-                  <a:srgbClr val="FFFFFF"/>
-                </a:solidFill>
-                <a:latin typeface="Calibri"/>
-                <a:ea typeface="Calibri"/>
-                <a:cs typeface="Calibri"/>
-                <a:sym typeface="Calibri"/>
-              </a:defRPr>
-            </a:pPr>
-          </a:p>
-          <a:p>
-            <a:pPr marL="0" indent="0" algn="l" defTabSz="914400">
-              <a:lnSpc>
-                <a:spcPct val="81000"/>
-              </a:lnSpc>
-              <a:spcBef>
-                <a:spcPts val="1000"/>
-              </a:spcBef>
-              <a:defRPr sz="5200">
-                <a:solidFill>
-                  <a:srgbClr val="FFFFFF"/>
-                </a:solidFill>
-                <a:latin typeface="Courier New"/>
-                <a:ea typeface="Courier New"/>
-                <a:cs typeface="Courier New"/>
-                <a:sym typeface="Courier New"/>
-              </a:defRPr>
-            </a:pPr>
-            <a:r>
-              <a:t>SELECT *</a:t>
-            </a:r>
-            <a:br/>
-            <a:r>
-              <a:t>FROM film</a:t>
-            </a:r>
-            <a:br/>
-            <a:r>
-              <a:t>WHERE language_id IN (1, 2)</a:t>
-            </a:r>
-          </a:p>
-        </p:txBody>
-      </p:sp>
-    </p:spTree>
-  </p:cSld>
-  <p:clrMapOvr>
-    <a:masterClrMapping/>
-  </p:clrMapOvr>
-  <p:transition xmlns:p14="http://schemas.microsoft.com/office/powerpoint/2010/main" spd="med" advClick="1"/>
-</p:sld>
-</file>
-
-<file path=ppt/slides/slide24.xml><?xml version="1.0" encoding="utf-8"?>
-<p:sld xmlns:a="http://schemas.openxmlformats.org/drawingml/2006/main" xmlns:r="http://schemas.openxmlformats.org/officeDocument/2006/relationships" xmlns:p="http://schemas.openxmlformats.org/presentationml/2006/main" xmlns:m="http://schemas.openxmlformats.org/officeDocument/2006/math" xmlns:a14="http://schemas.microsoft.com/office/drawing/2010/main" showMasterSp="1" showMasterPhAnim="1">
-  <p:cSld>
-    <p:bg>
-      <p:bgPr>
-        <a:solidFill>
-          <a:srgbClr val="EDDACC"/>
-        </a:solidFill>
-      </p:bgPr>
-    </p:bg>
-    <p:spTree>
-      <p:nvGrpSpPr>
-        <p:cNvPr id="1" name=""/>
-        <p:cNvGrpSpPr/>
-        <p:nvPr/>
-      </p:nvGrpSpPr>
-      <p:grpSpPr>
-        <a:xfrm>
-          <a:off x="0" y="0"/>
-          <a:ext cx="0" cy="0"/>
-          <a:chOff x="0" y="0"/>
-          <a:chExt cx="0" cy="0"/>
-        </a:xfrm>
-      </p:grpSpPr>
-      <p:pic>
-        <p:nvPicPr>
-          <p:cNvPr id="268" name="5f461d116006137.6059ac1f3a043.jpg" descr="5f461d116006137.6059ac1f3a043.jpg"/>
-          <p:cNvPicPr>
-            <a:picLocks noChangeAspect="1"/>
-          </p:cNvPicPr>
-          <p:nvPr/>
-        </p:nvPicPr>
-        <p:blipFill>
-          <a:blip r:embed="rId2">
-            <a:extLst/>
-          </a:blip>
-          <a:stretch>
-            <a:fillRect/>
-          </a:stretch>
-        </p:blipFill>
-        <p:spPr>
-          <a:xfrm>
-            <a:off x="-77249" y="-2562010"/>
-            <a:ext cx="24538498" cy="16359000"/>
-          </a:xfrm>
-          <a:prstGeom prst="rect">
-            <a:avLst/>
-          </a:prstGeom>
-          <a:ln w="12700">
-            <a:miter lim="400000"/>
-          </a:ln>
-        </p:spPr>
-      </p:pic>
-      <p:sp>
-        <p:nvSpPr>
-          <p:cNvPr id="269" name="Google Shape;55;p13"/>
-          <p:cNvSpPr txBox="1"/>
-          <p:nvPr>
-            <p:ph type="title"/>
-          </p:nvPr>
-        </p:nvSpPr>
-        <p:spPr>
-          <a:xfrm>
-            <a:off x="342361" y="531199"/>
-            <a:ext cx="23699278" cy="2640801"/>
-          </a:xfrm>
-          <a:prstGeom prst="rect">
-            <a:avLst/>
-          </a:prstGeom>
-        </p:spPr>
-        <p:txBody>
-          <a:bodyPr/>
-          <a:lstStyle>
-            <a:lvl1pPr defTabSz="2194559">
-              <a:defRPr sz="12420">
-                <a:solidFill>
-                  <a:srgbClr val="FFFFFF"/>
-                </a:solidFill>
-                <a:latin typeface="Avenir Book"/>
-                <a:ea typeface="Avenir Book"/>
-                <a:cs typeface="Avenir Book"/>
-                <a:sym typeface="Avenir Book"/>
-              </a:defRPr>
-            </a:lvl1pPr>
-          </a:lstStyle>
-          <a:p>
-            <a:pPr/>
-            <a:r>
-              <a:t>SQL - NOT</a:t>
-            </a:r>
-          </a:p>
-        </p:txBody>
-      </p:sp>
-      <p:sp>
-        <p:nvSpPr>
-          <p:cNvPr id="270" name="Google Shape;56;p13"/>
-          <p:cNvSpPr txBox="1"/>
-          <p:nvPr>
-            <p:ph type="body" idx="1"/>
-          </p:nvPr>
-        </p:nvSpPr>
-        <p:spPr>
-          <a:xfrm>
-            <a:off x="2889642" y="4762045"/>
-            <a:ext cx="19128979" cy="7039098"/>
-          </a:xfrm>
-          <a:prstGeom prst="rect">
-            <a:avLst/>
-          </a:prstGeom>
-        </p:spPr>
-        <p:txBody>
-          <a:bodyPr lIns="45719" tIns="45719" rIns="45719" bIns="45719"/>
-          <a:lstStyle/>
-          <a:p>
-            <a:pPr marL="574548" indent="-574548" algn="l" defTabSz="795527">
-              <a:lnSpc>
-                <a:spcPct val="90000"/>
-              </a:lnSpc>
-              <a:spcBef>
-                <a:spcPts val="800"/>
-              </a:spcBef>
-              <a:buSzPct val="123000"/>
-              <a:buChar char="•"/>
-              <a:defRPr sz="5220">
-                <a:solidFill>
-                  <a:srgbClr val="FFFFFF"/>
-                </a:solidFill>
-              </a:defRPr>
-            </a:pPr>
-            <a:r>
-              <a:rPr>
-                <a:latin typeface="Courier New"/>
-                <a:ea typeface="Courier New"/>
-                <a:cs typeface="Courier New"/>
-                <a:sym typeface="Courier New"/>
-              </a:rPr>
-              <a:t>NOT</a:t>
-            </a:r>
-            <a:r>
-              <a:t> </a:t>
-            </a:r>
-            <a:r>
-              <a:rPr>
-                <a:latin typeface="Avenir Book"/>
-                <a:ea typeface="Avenir Book"/>
-                <a:cs typeface="Avenir Book"/>
-                <a:sym typeface="Avenir Book"/>
-              </a:rPr>
-              <a:t>allows us to inverse the results of the previous queries</a:t>
-            </a:r>
-            <a:endParaRPr>
-              <a:latin typeface="Avenir Book"/>
-              <a:ea typeface="Avenir Book"/>
-              <a:cs typeface="Avenir Book"/>
-              <a:sym typeface="Avenir Book"/>
-            </a:endParaRPr>
-          </a:p>
-          <a:p>
-            <a:pPr marL="0" indent="0" algn="l" defTabSz="795527">
-              <a:lnSpc>
-                <a:spcPct val="90000"/>
-              </a:lnSpc>
-              <a:spcBef>
-                <a:spcPts val="800"/>
-              </a:spcBef>
-              <a:defRPr sz="5220">
-                <a:solidFill>
-                  <a:srgbClr val="FFFFFF"/>
-                </a:solidFill>
-                <a:latin typeface="Calibri"/>
-                <a:ea typeface="Calibri"/>
-                <a:cs typeface="Calibri"/>
-                <a:sym typeface="Calibri"/>
-              </a:defRPr>
-            </a:pPr>
-          </a:p>
-          <a:p>
-            <a:pPr marL="0" indent="0" algn="l" defTabSz="795527">
-              <a:lnSpc>
-                <a:spcPct val="90000"/>
-              </a:lnSpc>
-              <a:spcBef>
-                <a:spcPts val="800"/>
-              </a:spcBef>
-              <a:defRPr sz="5220">
-                <a:solidFill>
-                  <a:srgbClr val="FFFFFF"/>
-                </a:solidFill>
-                <a:latin typeface="Courier New"/>
-                <a:ea typeface="Courier New"/>
-                <a:cs typeface="Courier New"/>
-                <a:sym typeface="Courier New"/>
-              </a:defRPr>
-            </a:pPr>
-            <a:r>
-              <a:t>SELECT *</a:t>
-            </a:r>
-            <a:br/>
-            <a:r>
-              <a:t>FROM category</a:t>
-            </a:r>
-            <a:br/>
-            <a:r>
-              <a:t>WHERE name NOT IN ('Action', 'Animation')</a:t>
-            </a:r>
-          </a:p>
-          <a:p>
-            <a:pPr marL="0" indent="0" algn="l" defTabSz="795527">
-              <a:lnSpc>
-                <a:spcPct val="90000"/>
-              </a:lnSpc>
-              <a:spcBef>
-                <a:spcPts val="800"/>
-              </a:spcBef>
-              <a:defRPr sz="5220">
-                <a:solidFill>
-                  <a:srgbClr val="FFFFFF"/>
-                </a:solidFill>
-                <a:latin typeface="Calibri"/>
-                <a:ea typeface="Calibri"/>
-                <a:cs typeface="Calibri"/>
-                <a:sym typeface="Calibri"/>
-              </a:defRPr>
-            </a:pPr>
-          </a:p>
-          <a:p>
-            <a:pPr marL="0" indent="0" algn="l" defTabSz="795527">
-              <a:lnSpc>
-                <a:spcPct val="90000"/>
-              </a:lnSpc>
-              <a:spcBef>
-                <a:spcPts val="800"/>
-              </a:spcBef>
-              <a:defRPr sz="5220">
-                <a:solidFill>
-                  <a:srgbClr val="FFFFFF"/>
-                </a:solidFill>
-                <a:latin typeface="Courier New"/>
-                <a:ea typeface="Courier New"/>
-                <a:cs typeface="Courier New"/>
-                <a:sym typeface="Courier New"/>
-              </a:defRPr>
-            </a:pPr>
-            <a:r>
-              <a:t>SELECT *</a:t>
-            </a:r>
-            <a:br/>
-            <a:r>
-              <a:t>FROM actor</a:t>
-            </a:r>
-            <a:br/>
-            <a:r>
-              <a:t>WHERE last_name NOT LIKE '%SON'</a:t>
-            </a:r>
-          </a:p>
-        </p:txBody>
-      </p:sp>
-    </p:spTree>
-  </p:cSld>
-  <p:clrMapOvr>
-    <a:masterClrMapping/>
-  </p:clrMapOvr>
-  <p:transition xmlns:p14="http://schemas.microsoft.com/office/powerpoint/2010/main" spd="med" advClick="1"/>
-</p:sld>
-</file>
-
-<file path=ppt/slides/slide25.xml><?xml version="1.0" encoding="utf-8"?>
-<p:sld xmlns:a="http://schemas.openxmlformats.org/drawingml/2006/main" xmlns:r="http://schemas.openxmlformats.org/officeDocument/2006/relationships" xmlns:p="http://schemas.openxmlformats.org/presentationml/2006/main" xmlns:m="http://schemas.openxmlformats.org/officeDocument/2006/math" xmlns:a14="http://schemas.microsoft.com/office/drawing/2010/main" showMasterSp="1" showMasterPhAnim="1">
-  <p:cSld>
-    <p:bg>
-      <p:bgPr>
-        <a:solidFill>
-          <a:srgbClr val="EDDACC"/>
-        </a:solidFill>
-      </p:bgPr>
-    </p:bg>
-    <p:spTree>
-      <p:nvGrpSpPr>
-        <p:cNvPr id="1" name=""/>
-        <p:cNvGrpSpPr/>
-        <p:nvPr/>
-      </p:nvGrpSpPr>
-      <p:grpSpPr>
-        <a:xfrm>
-          <a:off x="0" y="0"/>
-          <a:ext cx="0" cy="0"/>
-          <a:chOff x="0" y="0"/>
-          <a:chExt cx="0" cy="0"/>
-        </a:xfrm>
-      </p:grpSpPr>
-      <p:pic>
-        <p:nvPicPr>
-          <p:cNvPr id="272" name="5f461d116006137.6059ac1f3a043.jpg" descr="5f461d116006137.6059ac1f3a043.jpg"/>
-          <p:cNvPicPr>
-            <a:picLocks noChangeAspect="1"/>
-          </p:cNvPicPr>
-          <p:nvPr/>
-        </p:nvPicPr>
-        <p:blipFill>
-          <a:blip r:embed="rId2">
-            <a:extLst/>
-          </a:blip>
-          <a:stretch>
-            <a:fillRect/>
-          </a:stretch>
-        </p:blipFill>
-        <p:spPr>
-          <a:xfrm>
-            <a:off x="-77249" y="-2562010"/>
-            <a:ext cx="24538498" cy="16359000"/>
-          </a:xfrm>
-          <a:prstGeom prst="rect">
-            <a:avLst/>
-          </a:prstGeom>
-          <a:ln w="12700">
-            <a:miter lim="400000"/>
-          </a:ln>
-        </p:spPr>
-      </p:pic>
-      <p:sp>
-        <p:nvSpPr>
-          <p:cNvPr id="273" name="Google Shape;55;p13"/>
-          <p:cNvSpPr txBox="1"/>
-          <p:nvPr>
-            <p:ph type="title"/>
-          </p:nvPr>
-        </p:nvSpPr>
-        <p:spPr>
-          <a:xfrm>
-            <a:off x="342361" y="531199"/>
-            <a:ext cx="23699278" cy="2640801"/>
-          </a:xfrm>
-          <a:prstGeom prst="rect">
-            <a:avLst/>
-          </a:prstGeom>
-        </p:spPr>
-        <p:txBody>
-          <a:bodyPr/>
-          <a:lstStyle>
-            <a:lvl1pPr defTabSz="2194559">
-              <a:defRPr sz="12420">
-                <a:solidFill>
-                  <a:srgbClr val="FFFFFF"/>
-                </a:solidFill>
-                <a:latin typeface="Avenir Book"/>
-                <a:ea typeface="Avenir Book"/>
-                <a:cs typeface="Avenir Book"/>
-                <a:sym typeface="Avenir Book"/>
-              </a:defRPr>
-            </a:lvl1pPr>
-          </a:lstStyle>
-          <a:p>
-            <a:pPr/>
-            <a:r>
-              <a:t>SQL - AND</a:t>
-            </a:r>
-          </a:p>
-        </p:txBody>
-      </p:sp>
-      <p:sp>
-        <p:nvSpPr>
-          <p:cNvPr id="274" name="Google Shape;56;p13"/>
-          <p:cNvSpPr txBox="1"/>
-          <p:nvPr>
-            <p:ph type="body" idx="1"/>
-          </p:nvPr>
-        </p:nvSpPr>
-        <p:spPr>
-          <a:xfrm>
-            <a:off x="2689722" y="3841684"/>
-            <a:ext cx="19004556" cy="8208796"/>
-          </a:xfrm>
-          <a:prstGeom prst="rect">
-            <a:avLst/>
-          </a:prstGeom>
-        </p:spPr>
-        <p:txBody>
-          <a:bodyPr lIns="45719" tIns="45719" rIns="45719" bIns="45719"/>
-          <a:lstStyle/>
-          <a:p>
-            <a:pPr marL="501904" indent="-501904" algn="l" defTabSz="694944">
-              <a:lnSpc>
-                <a:spcPct val="120000"/>
-              </a:lnSpc>
-              <a:spcBef>
-                <a:spcPts val="700"/>
-              </a:spcBef>
-              <a:buSzPct val="123000"/>
-              <a:buChar char="•"/>
-              <a:defRPr sz="4560">
-                <a:solidFill>
-                  <a:srgbClr val="FFFFFF"/>
-                </a:solidFill>
-              </a:defRPr>
-            </a:pPr>
-            <a:r>
-              <a:rPr>
-                <a:latin typeface="Avenir Book"/>
-                <a:ea typeface="Avenir Book"/>
-                <a:cs typeface="Avenir Book"/>
-                <a:sym typeface="Avenir Book"/>
-              </a:rPr>
-              <a:t>We use </a:t>
-            </a:r>
-            <a:r>
-              <a:rPr>
-                <a:latin typeface="Courier New"/>
-                <a:ea typeface="Courier New"/>
-                <a:cs typeface="Courier New"/>
-                <a:sym typeface="Courier New"/>
-              </a:rPr>
-              <a:t>AND</a:t>
-            </a:r>
-            <a:r>
-              <a:t> </a:t>
-            </a:r>
-            <a:r>
-              <a:rPr>
-                <a:latin typeface="Avenir Book"/>
-                <a:ea typeface="Avenir Book"/>
-                <a:cs typeface="Avenir Book"/>
-                <a:sym typeface="Avenir Book"/>
-              </a:rPr>
-              <a:t>when we want to run/check against multiple conditions</a:t>
-            </a:r>
-            <a:endParaRPr>
-              <a:latin typeface="Avenir Book"/>
-              <a:ea typeface="Avenir Book"/>
-              <a:cs typeface="Avenir Book"/>
-              <a:sym typeface="Avenir Book"/>
-            </a:endParaRPr>
-          </a:p>
-          <a:p>
-            <a:pPr marL="501904" indent="-501904" algn="l" defTabSz="694944">
-              <a:lnSpc>
-                <a:spcPct val="120000"/>
-              </a:lnSpc>
-              <a:spcBef>
-                <a:spcPts val="700"/>
-              </a:spcBef>
-              <a:buSzPct val="123000"/>
-              <a:buChar char="•"/>
-              <a:defRPr sz="4560">
-                <a:solidFill>
-                  <a:srgbClr val="FFFFFF"/>
-                </a:solidFill>
-                <a:latin typeface="Avenir Book"/>
-                <a:ea typeface="Avenir Book"/>
-                <a:cs typeface="Avenir Book"/>
-                <a:sym typeface="Avenir Book"/>
-              </a:defRPr>
-            </a:pPr>
-            <a:r>
-              <a:t>We can link as many expressions as we want</a:t>
-            </a:r>
-          </a:p>
-          <a:p>
-            <a:pPr lvl="1" marL="965200" indent="-501904" algn="l" defTabSz="694944">
-              <a:lnSpc>
-                <a:spcPct val="120000"/>
-              </a:lnSpc>
-              <a:spcBef>
-                <a:spcPts val="300"/>
-              </a:spcBef>
-              <a:buSzPct val="123000"/>
-              <a:buChar char="•"/>
-              <a:defRPr sz="4560">
-                <a:solidFill>
-                  <a:srgbClr val="FFFFFF"/>
-                </a:solidFill>
-              </a:defRPr>
-            </a:pPr>
-            <a:r>
-              <a:rPr>
-                <a:latin typeface="Avenir Book"/>
-                <a:ea typeface="Avenir Book"/>
-                <a:cs typeface="Avenir Book"/>
-                <a:sym typeface="Avenir Book"/>
-              </a:rPr>
-              <a:t>Of different types too…</a:t>
-            </a:r>
-            <a:r>
-              <a:t> </a:t>
-            </a:r>
-            <a:r>
-              <a:rPr>
-                <a:latin typeface="Courier New"/>
-                <a:ea typeface="Courier New"/>
-                <a:cs typeface="Courier New"/>
-                <a:sym typeface="Courier New"/>
-              </a:rPr>
-              <a:t>LIKE</a:t>
-            </a:r>
-            <a:r>
-              <a:t>, </a:t>
-            </a:r>
-            <a:r>
-              <a:rPr>
-                <a:latin typeface="Courier New"/>
-                <a:ea typeface="Courier New"/>
-                <a:cs typeface="Courier New"/>
-                <a:sym typeface="Courier New"/>
-              </a:rPr>
-              <a:t>IN</a:t>
-            </a:r>
-            <a:r>
-              <a:t>,</a:t>
-            </a:r>
-            <a:r>
-              <a:rPr>
-                <a:latin typeface="Avenir Book"/>
-                <a:ea typeface="Avenir Book"/>
-                <a:cs typeface="Avenir Book"/>
-                <a:sym typeface="Avenir Book"/>
-              </a:rPr>
-              <a:t> and </a:t>
-            </a:r>
-            <a:r>
-              <a:rPr>
-                <a:latin typeface="Courier New"/>
-                <a:ea typeface="Courier New"/>
-                <a:cs typeface="Courier New"/>
-                <a:sym typeface="Courier New"/>
-              </a:rPr>
-              <a:t>NOT</a:t>
-            </a:r>
-            <a:r>
-              <a:t> </a:t>
-            </a:r>
-            <a:r>
-              <a:rPr>
-                <a:latin typeface="Avenir Book"/>
-                <a:ea typeface="Avenir Book"/>
-                <a:cs typeface="Avenir Book"/>
-                <a:sym typeface="Avenir Book"/>
-              </a:rPr>
-              <a:t>can all be linked by</a:t>
-            </a:r>
-            <a:r>
-              <a:t> </a:t>
-            </a:r>
-            <a:r>
-              <a:rPr>
-                <a:latin typeface="Courier New"/>
-                <a:ea typeface="Courier New"/>
-                <a:cs typeface="Courier New"/>
-                <a:sym typeface="Courier New"/>
-              </a:rPr>
-              <a:t>AND</a:t>
-            </a:r>
-          </a:p>
-          <a:p>
-            <a:pPr lvl="1" marL="521208" indent="-173736" algn="l" defTabSz="694944">
-              <a:lnSpc>
-                <a:spcPct val="72000"/>
-              </a:lnSpc>
-              <a:spcBef>
-                <a:spcPts val="300"/>
-              </a:spcBef>
-              <a:buSzPct val="100000"/>
-              <a:buFont typeface="Arial"/>
-              <a:buChar char="•"/>
-              <a:defRPr sz="4560">
-                <a:solidFill>
-                  <a:srgbClr val="FFFFFF"/>
-                </a:solidFill>
-                <a:latin typeface="Calibri"/>
-                <a:ea typeface="Calibri"/>
-                <a:cs typeface="Calibri"/>
-                <a:sym typeface="Calibri"/>
-              </a:defRPr>
-            </a:pPr>
-          </a:p>
-          <a:p>
-            <a:pPr marL="0" indent="0" algn="l" defTabSz="694944">
-              <a:lnSpc>
-                <a:spcPct val="72000"/>
-              </a:lnSpc>
-              <a:spcBef>
-                <a:spcPts val="700"/>
-              </a:spcBef>
-              <a:defRPr sz="4560">
-                <a:solidFill>
-                  <a:srgbClr val="FFFFFF"/>
-                </a:solidFill>
-                <a:latin typeface="Courier New"/>
-                <a:ea typeface="Courier New"/>
-                <a:cs typeface="Courier New"/>
-                <a:sym typeface="Courier New"/>
-              </a:defRPr>
-            </a:pPr>
-            <a:r>
-              <a:t>SELECT *</a:t>
-            </a:r>
-            <a:br/>
-            <a:r>
-              <a:t>FROM payment</a:t>
-            </a:r>
-            <a:br/>
-            <a:r>
-              <a:t>WHERE payment_date &gt;= '2017-01-25'</a:t>
-            </a:r>
-          </a:p>
-          <a:p>
-            <a:pPr marL="0" indent="0" algn="l" defTabSz="694944">
-              <a:lnSpc>
-                <a:spcPct val="72000"/>
-              </a:lnSpc>
-              <a:spcBef>
-                <a:spcPts val="700"/>
-              </a:spcBef>
-              <a:defRPr sz="4560">
-                <a:solidFill>
-                  <a:srgbClr val="FFFFFF"/>
-                </a:solidFill>
-                <a:latin typeface="Courier New"/>
-                <a:ea typeface="Courier New"/>
-                <a:cs typeface="Courier New"/>
-                <a:sym typeface="Courier New"/>
-              </a:defRPr>
-            </a:pPr>
-            <a:r>
-              <a:t>AND payment_date &lt;= '2017-01-29'</a:t>
-            </a:r>
-          </a:p>
-          <a:p>
-            <a:pPr marL="0" indent="0" algn="l" defTabSz="694944">
-              <a:lnSpc>
-                <a:spcPct val="72000"/>
-              </a:lnSpc>
-              <a:spcBef>
-                <a:spcPts val="700"/>
-              </a:spcBef>
-              <a:defRPr sz="4560">
-                <a:solidFill>
-                  <a:srgbClr val="FFFFFF"/>
-                </a:solidFill>
-                <a:latin typeface="Calibri"/>
-                <a:ea typeface="Calibri"/>
-                <a:cs typeface="Calibri"/>
-                <a:sym typeface="Calibri"/>
-              </a:defRPr>
-            </a:pPr>
-          </a:p>
-          <a:p>
-            <a:pPr marL="0" indent="0" algn="l" defTabSz="694944">
-              <a:lnSpc>
-                <a:spcPct val="72000"/>
-              </a:lnSpc>
-              <a:spcBef>
-                <a:spcPts val="700"/>
-              </a:spcBef>
-              <a:defRPr sz="4560">
-                <a:solidFill>
-                  <a:srgbClr val="FFFFFF"/>
-                </a:solidFill>
-                <a:latin typeface="Courier New"/>
-                <a:ea typeface="Courier New"/>
-                <a:cs typeface="Courier New"/>
-                <a:sym typeface="Courier New"/>
-              </a:defRPr>
-            </a:pPr>
-            <a:r>
-              <a:t>SELECT *</a:t>
-            </a:r>
-            <a:br/>
-            <a:r>
-              <a:t>FROM payment</a:t>
-            </a:r>
-            <a:br/>
-            <a:r>
-              <a:t>WHERE payment_date &lt; '2017-01-25' AND staff_id = 2</a:t>
-            </a:r>
-          </a:p>
-        </p:txBody>
-      </p:sp>
-    </p:spTree>
-  </p:cSld>
-  <p:clrMapOvr>
-    <a:masterClrMapping/>
-  </p:clrMapOvr>
-  <p:transition xmlns:p14="http://schemas.microsoft.com/office/powerpoint/2010/main" spd="med" advClick="1"/>
-</p:sld>
-</file>
-
-<file path=ppt/slides/slide26.xml><?xml version="1.0" encoding="utf-8"?>
-<p:sld xmlns:a="http://schemas.openxmlformats.org/drawingml/2006/main" xmlns:r="http://schemas.openxmlformats.org/officeDocument/2006/relationships" xmlns:p="http://schemas.openxmlformats.org/presentationml/2006/main" xmlns:m="http://schemas.openxmlformats.org/officeDocument/2006/math" xmlns:a14="http://schemas.microsoft.com/office/drawing/2010/main" showMasterSp="1" showMasterPhAnim="1">
-  <p:cSld>
-    <p:bg>
-      <p:bgPr>
-        <a:solidFill>
-          <a:srgbClr val="EDDACC"/>
-        </a:solidFill>
-      </p:bgPr>
-    </p:bg>
-    <p:spTree>
-      <p:nvGrpSpPr>
-        <p:cNvPr id="1" name=""/>
-        <p:cNvGrpSpPr/>
-        <p:nvPr/>
-      </p:nvGrpSpPr>
-      <p:grpSpPr>
-        <a:xfrm>
-          <a:off x="0" y="0"/>
-          <a:ext cx="0" cy="0"/>
-          <a:chOff x="0" y="0"/>
-          <a:chExt cx="0" cy="0"/>
-        </a:xfrm>
-      </p:grpSpPr>
-      <p:pic>
-        <p:nvPicPr>
-          <p:cNvPr id="276" name="5f461d116006137.6059ac1f3a043.jpg" descr="5f461d116006137.6059ac1f3a043.jpg"/>
-          <p:cNvPicPr>
-            <a:picLocks noChangeAspect="1"/>
-          </p:cNvPicPr>
-          <p:nvPr/>
-        </p:nvPicPr>
-        <p:blipFill>
-          <a:blip r:embed="rId2">
-            <a:extLst/>
-          </a:blip>
-          <a:stretch>
-            <a:fillRect/>
-          </a:stretch>
-        </p:blipFill>
-        <p:spPr>
-          <a:xfrm>
-            <a:off x="-77249" y="-2562010"/>
-            <a:ext cx="24538498" cy="16359000"/>
-          </a:xfrm>
-          <a:prstGeom prst="rect">
-            <a:avLst/>
-          </a:prstGeom>
-          <a:ln w="12700">
-            <a:miter lim="400000"/>
-          </a:ln>
-        </p:spPr>
-      </p:pic>
-      <p:sp>
-        <p:nvSpPr>
-          <p:cNvPr id="277" name="Google Shape;55;p13"/>
-          <p:cNvSpPr txBox="1"/>
-          <p:nvPr>
-            <p:ph type="title"/>
-          </p:nvPr>
-        </p:nvSpPr>
-        <p:spPr>
-          <a:xfrm>
-            <a:off x="342361" y="531199"/>
-            <a:ext cx="23699278" cy="2640801"/>
-          </a:xfrm>
-          <a:prstGeom prst="rect">
-            <a:avLst/>
-          </a:prstGeom>
-        </p:spPr>
-        <p:txBody>
-          <a:bodyPr/>
-          <a:lstStyle>
-            <a:lvl1pPr defTabSz="2194559">
-              <a:defRPr sz="12420">
-                <a:solidFill>
-                  <a:srgbClr val="FFFFFF"/>
-                </a:solidFill>
-                <a:latin typeface="Avenir Book"/>
-                <a:ea typeface="Avenir Book"/>
-                <a:cs typeface="Avenir Book"/>
-                <a:sym typeface="Avenir Book"/>
-              </a:defRPr>
-            </a:lvl1pPr>
-          </a:lstStyle>
-          <a:p>
-            <a:pPr/>
-            <a:r>
-              <a:t>SQL - OR</a:t>
-            </a:r>
-          </a:p>
-        </p:txBody>
-      </p:sp>
-      <p:sp>
-        <p:nvSpPr>
-          <p:cNvPr id="278" name="Google Shape;56;p13"/>
-          <p:cNvSpPr txBox="1"/>
-          <p:nvPr>
-            <p:ph type="body" sz="half" idx="1"/>
-          </p:nvPr>
-        </p:nvSpPr>
-        <p:spPr>
-          <a:xfrm>
-            <a:off x="3028177" y="4214958"/>
-            <a:ext cx="18327646" cy="7033526"/>
-          </a:xfrm>
-          <a:prstGeom prst="rect">
-            <a:avLst/>
-          </a:prstGeom>
-        </p:spPr>
-        <p:txBody>
-          <a:bodyPr lIns="45719" tIns="45719" rIns="45719" bIns="45719"/>
-          <a:lstStyle/>
-          <a:p>
-            <a:pPr marL="660400" indent="-660400" algn="l" defTabSz="914400">
-              <a:lnSpc>
-                <a:spcPct val="90000"/>
-              </a:lnSpc>
-              <a:spcBef>
-                <a:spcPts val="1000"/>
-              </a:spcBef>
-              <a:buSzPct val="123000"/>
-              <a:buChar char="•"/>
-              <a:defRPr sz="5200">
-                <a:solidFill>
-                  <a:srgbClr val="FFFFFF"/>
-                </a:solidFill>
-              </a:defRPr>
-            </a:pPr>
-            <a:r>
-              <a:rPr>
-                <a:latin typeface="Avenir Book"/>
-                <a:ea typeface="Avenir Book"/>
-                <a:cs typeface="Avenir Book"/>
-                <a:sym typeface="Avenir Book"/>
-              </a:rPr>
-              <a:t>Similar to </a:t>
-            </a:r>
-            <a:r>
-              <a:rPr>
-                <a:latin typeface="Courier New"/>
-                <a:ea typeface="Courier New"/>
-                <a:cs typeface="Courier New"/>
-                <a:sym typeface="Courier New"/>
-              </a:rPr>
-              <a:t>AND, OR</a:t>
-            </a:r>
-            <a:r>
-              <a:t> </a:t>
-            </a:r>
-            <a:r>
-              <a:rPr>
-                <a:latin typeface="Avenir Book"/>
-                <a:ea typeface="Avenir Book"/>
-                <a:cs typeface="Avenir Book"/>
-                <a:sym typeface="Avenir Book"/>
-              </a:rPr>
-              <a:t>combines multiple statements. However, with</a:t>
-            </a:r>
-            <a:r>
-              <a:t> </a:t>
-            </a:r>
-            <a:r>
-              <a:rPr>
-                <a:latin typeface="Courier New"/>
-                <a:ea typeface="Courier New"/>
-                <a:cs typeface="Courier New"/>
-                <a:sym typeface="Courier New"/>
-              </a:rPr>
-              <a:t>OR</a:t>
-            </a:r>
-            <a:r>
-              <a:t>, </a:t>
-            </a:r>
-            <a:r>
-              <a:rPr>
-                <a:latin typeface="Avenir Book"/>
-                <a:ea typeface="Avenir Book"/>
-                <a:cs typeface="Avenir Book"/>
-                <a:sym typeface="Avenir Book"/>
-              </a:rPr>
-              <a:t>only one of the conditions we specify needs to be true (instead of all cases as is the case with </a:t>
-            </a:r>
-            <a:r>
-              <a:rPr>
-                <a:latin typeface="Courier New"/>
-                <a:ea typeface="Courier New"/>
-                <a:cs typeface="Courier New"/>
-                <a:sym typeface="Courier New"/>
-              </a:rPr>
-              <a:t>AND</a:t>
-            </a:r>
-            <a:r>
-              <a:t>)</a:t>
-            </a:r>
-          </a:p>
-          <a:p>
-            <a:pPr marL="0" indent="0" algn="l" defTabSz="914400">
-              <a:lnSpc>
-                <a:spcPct val="90000"/>
-              </a:lnSpc>
-              <a:spcBef>
-                <a:spcPts val="1000"/>
-              </a:spcBef>
-              <a:defRPr sz="5200">
-                <a:solidFill>
-                  <a:srgbClr val="FFFFFF"/>
-                </a:solidFill>
-                <a:latin typeface="Calibri"/>
-                <a:ea typeface="Calibri"/>
-                <a:cs typeface="Calibri"/>
-                <a:sym typeface="Calibri"/>
-              </a:defRPr>
-            </a:pPr>
-          </a:p>
-          <a:p>
-            <a:pPr marL="0" indent="0" algn="l" defTabSz="914400">
-              <a:lnSpc>
-                <a:spcPct val="90000"/>
-              </a:lnSpc>
-              <a:spcBef>
-                <a:spcPts val="1000"/>
-              </a:spcBef>
-              <a:defRPr sz="5200">
-                <a:solidFill>
-                  <a:srgbClr val="FFFFFF"/>
-                </a:solidFill>
-                <a:latin typeface="Courier New"/>
-                <a:ea typeface="Courier New"/>
-                <a:cs typeface="Courier New"/>
-                <a:sym typeface="Courier New"/>
-              </a:defRPr>
-            </a:pPr>
-            <a:r>
-              <a:t>SELECT *</a:t>
-            </a:r>
-            <a:br/>
-            <a:r>
-              <a:t>FROM film</a:t>
-            </a:r>
-            <a:br/>
-            <a:r>
-              <a:t>WHERE rental_duration &lt; 5 OR length &gt; 120</a:t>
-            </a:r>
-          </a:p>
-        </p:txBody>
-      </p:sp>
-    </p:spTree>
-  </p:cSld>
-  <p:clrMapOvr>
-    <a:masterClrMapping/>
-  </p:clrMapOvr>
-  <p:transition xmlns:p14="http://schemas.microsoft.com/office/powerpoint/2010/main" spd="med" advClick="1"/>
-</p:sld>
-</file>
-
-<file path=ppt/slides/slide27.xml><?xml version="1.0" encoding="utf-8"?>
-<p:sld xmlns:a="http://schemas.openxmlformats.org/drawingml/2006/main" xmlns:r="http://schemas.openxmlformats.org/officeDocument/2006/relationships" xmlns:p="http://schemas.openxmlformats.org/presentationml/2006/main" xmlns:m="http://schemas.openxmlformats.org/officeDocument/2006/math" xmlns:a14="http://schemas.microsoft.com/office/drawing/2010/main" showMasterSp="1" showMasterPhAnim="1">
-  <p:cSld>
-    <p:bg>
-      <p:bgPr>
-        <a:solidFill>
-          <a:srgbClr val="EDDACC"/>
-        </a:solidFill>
-      </p:bgPr>
-    </p:bg>
-    <p:spTree>
-      <p:nvGrpSpPr>
-        <p:cNvPr id="1" name=""/>
-        <p:cNvGrpSpPr/>
-        <p:nvPr/>
-      </p:nvGrpSpPr>
-      <p:grpSpPr>
-        <a:xfrm>
-          <a:off x="0" y="0"/>
-          <a:ext cx="0" cy="0"/>
-          <a:chOff x="0" y="0"/>
-          <a:chExt cx="0" cy="0"/>
-        </a:xfrm>
-      </p:grpSpPr>
-      <p:pic>
-        <p:nvPicPr>
-          <p:cNvPr id="280" name="5f461d116006137.6059ac1f3a043.jpg" descr="5f461d116006137.6059ac1f3a043.jpg"/>
-          <p:cNvPicPr>
-            <a:picLocks noChangeAspect="1"/>
-          </p:cNvPicPr>
-          <p:nvPr/>
-        </p:nvPicPr>
-        <p:blipFill>
-          <a:blip r:embed="rId2">
-            <a:extLst/>
-          </a:blip>
-          <a:stretch>
-            <a:fillRect/>
-          </a:stretch>
-        </p:blipFill>
-        <p:spPr>
-          <a:xfrm>
-            <a:off x="-77249" y="-2562010"/>
-            <a:ext cx="24538498" cy="16359000"/>
-          </a:xfrm>
-          <a:prstGeom prst="rect">
-            <a:avLst/>
-          </a:prstGeom>
-          <a:ln w="12700">
-            <a:miter lim="400000"/>
-          </a:ln>
-        </p:spPr>
-      </p:pic>
-      <p:sp>
-        <p:nvSpPr>
-          <p:cNvPr id="281" name="Google Shape;55;p13"/>
-          <p:cNvSpPr txBox="1"/>
-          <p:nvPr>
-            <p:ph type="title"/>
-          </p:nvPr>
-        </p:nvSpPr>
-        <p:spPr>
-          <a:xfrm>
-            <a:off x="342361" y="531199"/>
-            <a:ext cx="23699278" cy="2640801"/>
-          </a:xfrm>
-          <a:prstGeom prst="rect">
-            <a:avLst/>
-          </a:prstGeom>
-        </p:spPr>
-        <p:txBody>
-          <a:bodyPr/>
-          <a:lstStyle>
-            <a:lvl1pPr defTabSz="2194559">
-              <a:defRPr sz="12420">
-                <a:solidFill>
-                  <a:srgbClr val="FFFFFF"/>
-                </a:solidFill>
-                <a:latin typeface="Avenir Book"/>
-                <a:ea typeface="Avenir Book"/>
-                <a:cs typeface="Avenir Book"/>
-                <a:sym typeface="Avenir Book"/>
-              </a:defRPr>
-            </a:lvl1pPr>
-          </a:lstStyle>
-          <a:p>
-            <a:pPr/>
-            <a:r>
-              <a:t>SQL - BETWEEN</a:t>
-            </a:r>
-          </a:p>
-        </p:txBody>
-      </p:sp>
-      <p:sp>
-        <p:nvSpPr>
-          <p:cNvPr id="282" name="Google Shape;56;p13"/>
-          <p:cNvSpPr txBox="1"/>
-          <p:nvPr>
-            <p:ph type="body" idx="1"/>
-          </p:nvPr>
-        </p:nvSpPr>
-        <p:spPr>
-          <a:xfrm>
-            <a:off x="838200" y="4189278"/>
-            <a:ext cx="22984611" cy="9509744"/>
-          </a:xfrm>
-          <a:prstGeom prst="rect">
-            <a:avLst/>
-          </a:prstGeom>
-        </p:spPr>
-        <p:txBody>
-          <a:bodyPr lIns="45719" tIns="45719" rIns="45719" bIns="45719"/>
-          <a:lstStyle/>
-          <a:p>
-            <a:pPr marL="653795" indent="-653795" algn="l" defTabSz="905255">
-              <a:lnSpc>
-                <a:spcPct val="120000"/>
-              </a:lnSpc>
-              <a:spcBef>
-                <a:spcPts val="900"/>
-              </a:spcBef>
-              <a:buSzPct val="123000"/>
-              <a:buChar char="•"/>
-              <a:defRPr sz="5148">
-                <a:solidFill>
-                  <a:srgbClr val="FFFFFF"/>
-                </a:solidFill>
-                <a:latin typeface="Avenir Book"/>
-                <a:ea typeface="Avenir Book"/>
-                <a:cs typeface="Avenir Book"/>
-                <a:sym typeface="Avenir Book"/>
-              </a:defRPr>
-            </a:pPr>
-            <a:r>
-              <a:t>When we want to specify a range between data on the same column (like we did in the previous slide), it is easier and cleaner to use BETWEEN</a:t>
-            </a:r>
-          </a:p>
-          <a:p>
-            <a:pPr lvl="1" marL="1257300" indent="-653795" algn="l" defTabSz="905255">
-              <a:lnSpc>
-                <a:spcPct val="120000"/>
-              </a:lnSpc>
-              <a:spcBef>
-                <a:spcPts val="400"/>
-              </a:spcBef>
-              <a:buSzPct val="123000"/>
-              <a:buChar char="•"/>
-              <a:defRPr sz="5148">
-                <a:solidFill>
-                  <a:srgbClr val="FFFFFF"/>
-                </a:solidFill>
-                <a:latin typeface="Avenir Book"/>
-                <a:ea typeface="Avenir Book"/>
-                <a:cs typeface="Avenir Book"/>
-                <a:sym typeface="Avenir Book"/>
-              </a:defRPr>
-            </a:pPr>
-            <a:r>
-              <a:t>Works with dates, strings and numbers</a:t>
-            </a:r>
-          </a:p>
-          <a:p>
-            <a:pPr marL="0" indent="0" algn="l" defTabSz="905255">
-              <a:lnSpc>
-                <a:spcPct val="90000"/>
-              </a:lnSpc>
-              <a:spcBef>
-                <a:spcPts val="900"/>
-              </a:spcBef>
-              <a:defRPr sz="5148">
-                <a:solidFill>
-                  <a:srgbClr val="FFFFFF"/>
-                </a:solidFill>
-                <a:latin typeface="Calibri"/>
-                <a:ea typeface="Calibri"/>
-                <a:cs typeface="Calibri"/>
-                <a:sym typeface="Calibri"/>
-              </a:defRPr>
-            </a:pPr>
-          </a:p>
-          <a:p>
-            <a:pPr marL="0" indent="0" algn="l" defTabSz="905255">
-              <a:lnSpc>
-                <a:spcPct val="90000"/>
-              </a:lnSpc>
-              <a:spcBef>
-                <a:spcPts val="900"/>
-              </a:spcBef>
-              <a:defRPr sz="4158">
-                <a:solidFill>
-                  <a:srgbClr val="FFFFFF"/>
-                </a:solidFill>
-                <a:latin typeface="Courier New"/>
-                <a:ea typeface="Courier New"/>
-                <a:cs typeface="Courier New"/>
-                <a:sym typeface="Courier New"/>
-              </a:defRPr>
-            </a:pPr>
-            <a:r>
-              <a:t>SELECT *</a:t>
-            </a:r>
-            <a:br/>
-            <a:r>
-              <a:t>FROM payment</a:t>
-            </a:r>
-            <a:br/>
-            <a:r>
-              <a:t>WHERE payment_date BETWEEN '2017-01-25' AND '2017-01-29';</a:t>
-            </a:r>
-          </a:p>
-          <a:p>
-            <a:pPr marL="0" indent="0" algn="l" defTabSz="905255">
-              <a:lnSpc>
-                <a:spcPct val="90000"/>
-              </a:lnSpc>
-              <a:spcBef>
-                <a:spcPts val="900"/>
-              </a:spcBef>
-              <a:defRPr sz="4158">
-                <a:solidFill>
-                  <a:srgbClr val="FFFFFF"/>
-                </a:solidFill>
-                <a:latin typeface="Courier New"/>
-                <a:ea typeface="Courier New"/>
-                <a:cs typeface="Courier New"/>
-                <a:sym typeface="Courier New"/>
-              </a:defRPr>
-            </a:pPr>
-          </a:p>
-          <a:p>
-            <a:pPr marL="0" indent="0" algn="l" defTabSz="905255">
-              <a:lnSpc>
-                <a:spcPct val="90000"/>
-              </a:lnSpc>
-              <a:spcBef>
-                <a:spcPts val="900"/>
-              </a:spcBef>
-              <a:defRPr sz="4158">
-                <a:solidFill>
-                  <a:srgbClr val="FFFFFF"/>
-                </a:solidFill>
-                <a:latin typeface="Courier New"/>
-                <a:ea typeface="Courier New"/>
-                <a:cs typeface="Courier New"/>
-                <a:sym typeface="Courier New"/>
-              </a:defRPr>
-            </a:pPr>
-            <a:r>
-              <a:t>SELECT customer_id, payment_date, amount</a:t>
-            </a:r>
-          </a:p>
-          <a:p>
-            <a:pPr marL="0" indent="0" algn="l" defTabSz="905255">
-              <a:lnSpc>
-                <a:spcPct val="90000"/>
-              </a:lnSpc>
-              <a:spcBef>
-                <a:spcPts val="900"/>
-              </a:spcBef>
-              <a:defRPr sz="4158">
-                <a:solidFill>
-                  <a:srgbClr val="FFFFFF"/>
-                </a:solidFill>
-                <a:latin typeface="Courier New"/>
-                <a:ea typeface="Courier New"/>
-                <a:cs typeface="Courier New"/>
-                <a:sym typeface="Courier New"/>
-              </a:defRPr>
-            </a:pPr>
-            <a:r>
-              <a:t>FROM payment</a:t>
-            </a:r>
-          </a:p>
-          <a:p>
-            <a:pPr marL="0" indent="0" algn="l" defTabSz="905255">
-              <a:lnSpc>
-                <a:spcPct val="90000"/>
-              </a:lnSpc>
-              <a:spcBef>
-                <a:spcPts val="900"/>
-              </a:spcBef>
-              <a:defRPr sz="4158">
-                <a:solidFill>
-                  <a:srgbClr val="FFFFFF"/>
-                </a:solidFill>
-                <a:latin typeface="Courier New"/>
-                <a:ea typeface="Courier New"/>
-                <a:cs typeface="Courier New"/>
-                <a:sym typeface="Courier New"/>
-              </a:defRPr>
-            </a:pPr>
-            <a:r>
-              <a:t>WHERE amount BETWEEN 10.0 AND 11.99;</a:t>
-            </a:r>
-          </a:p>
-        </p:txBody>
-      </p:sp>
-    </p:spTree>
-  </p:cSld>
-  <p:clrMapOvr>
-    <a:masterClrMapping/>
-  </p:clrMapOvr>
-  <p:transition xmlns:p14="http://schemas.microsoft.com/office/powerpoint/2010/main" spd="med" advClick="1"/>
-</p:sld>
-</file>
-
-<file path=ppt/slides/slide28.xml><?xml version="1.0" encoding="utf-8"?>
-<p:sld xmlns:a="http://schemas.openxmlformats.org/drawingml/2006/main" xmlns:r="http://schemas.openxmlformats.org/officeDocument/2006/relationships" xmlns:p="http://schemas.openxmlformats.org/presentationml/2006/main" xmlns:m="http://schemas.openxmlformats.org/officeDocument/2006/math" xmlns:a14="http://schemas.microsoft.com/office/drawing/2010/main" showMasterSp="1" showMasterPhAnim="1">
-  <p:cSld>
-    <p:bg>
-      <p:bgPr>
-        <a:solidFill>
-          <a:srgbClr val="EDDACC"/>
-        </a:solidFill>
-      </p:bgPr>
-    </p:bg>
-    <p:spTree>
-      <p:nvGrpSpPr>
-        <p:cNvPr id="1" name=""/>
-        <p:cNvGrpSpPr/>
-        <p:nvPr/>
-      </p:nvGrpSpPr>
-      <p:grpSpPr>
-        <a:xfrm>
-          <a:off x="0" y="0"/>
-          <a:ext cx="0" cy="0"/>
-          <a:chOff x="0" y="0"/>
-          <a:chExt cx="0" cy="0"/>
-        </a:xfrm>
-      </p:grpSpPr>
-      <p:pic>
-        <p:nvPicPr>
-          <p:cNvPr id="284" name="5f461d116006137.6059ac1f3a043.jpg" descr="5f461d116006137.6059ac1f3a043.jpg"/>
-          <p:cNvPicPr>
-            <a:picLocks noChangeAspect="1"/>
-          </p:cNvPicPr>
-          <p:nvPr/>
-        </p:nvPicPr>
-        <p:blipFill>
-          <a:blip r:embed="rId2">
-            <a:extLst/>
-          </a:blip>
-          <a:stretch>
-            <a:fillRect/>
-          </a:stretch>
-        </p:blipFill>
-        <p:spPr>
-          <a:xfrm>
-            <a:off x="-77249" y="-2562010"/>
-            <a:ext cx="24538498" cy="16359000"/>
-          </a:xfrm>
-          <a:prstGeom prst="rect">
-            <a:avLst/>
-          </a:prstGeom>
-          <a:ln w="12700">
-            <a:miter lim="400000"/>
-          </a:ln>
-        </p:spPr>
-      </p:pic>
-      <p:sp>
-        <p:nvSpPr>
-          <p:cNvPr id="285" name="Google Shape;55;p13"/>
-          <p:cNvSpPr txBox="1"/>
-          <p:nvPr>
-            <p:ph type="title"/>
-          </p:nvPr>
-        </p:nvSpPr>
-        <p:spPr>
-          <a:xfrm>
-            <a:off x="342361" y="531199"/>
-            <a:ext cx="23699278" cy="2640801"/>
-          </a:xfrm>
-          <a:prstGeom prst="rect">
-            <a:avLst/>
-          </a:prstGeom>
-        </p:spPr>
-        <p:txBody>
-          <a:bodyPr/>
-          <a:lstStyle>
-            <a:lvl1pPr defTabSz="2194559">
-              <a:defRPr sz="12420">
-                <a:solidFill>
-                  <a:srgbClr val="FFFFFF"/>
-                </a:solidFill>
-                <a:latin typeface="Avenir Book"/>
-                <a:ea typeface="Avenir Book"/>
-                <a:cs typeface="Avenir Book"/>
-                <a:sym typeface="Avenir Book"/>
-              </a:defRPr>
-            </a:lvl1pPr>
-          </a:lstStyle>
-          <a:p>
-            <a:pPr/>
-            <a:r>
-              <a:t>SQL - Practicals (Part III)</a:t>
-            </a:r>
-          </a:p>
-        </p:txBody>
-      </p:sp>
-      <p:sp>
-        <p:nvSpPr>
-          <p:cNvPr id="286" name="Google Shape;69;p14"/>
+          <p:cNvPr id="258" name="Google Shape;69;p14"/>
           <p:cNvSpPr txBox="1"/>
           <p:nvPr/>
         </p:nvSpPr>
@@ -10929,13 +9848,6 @@
 <file path=ppt/slides/slide3.xml><?xml version="1.0" encoding="utf-8"?>
 <p:sld xmlns:a="http://schemas.openxmlformats.org/drawingml/2006/main" xmlns:r="http://schemas.openxmlformats.org/officeDocument/2006/relationships" xmlns:p="http://schemas.openxmlformats.org/presentationml/2006/main" xmlns:m="http://schemas.openxmlformats.org/officeDocument/2006/math" xmlns:a14="http://schemas.microsoft.com/office/drawing/2010/main" showMasterSp="1" showMasterPhAnim="1">
   <p:cSld>
-    <p:bg>
-      <p:bgPr>
-        <a:solidFill>
-          <a:srgbClr val="EDDACC"/>
-        </a:solidFill>
-      </p:bgPr>
-    </p:bg>
     <p:spTree>
       <p:nvGrpSpPr>
         <p:cNvPr id="1" name=""/>
@@ -10950,38 +9862,9 @@
           <a:chExt cx="0" cy="0"/>
         </a:xfrm>
       </p:grpSpPr>
-      <p:pic>
-        <p:nvPicPr>
-          <p:cNvPr id="176" name="5f461d116006137.6059ac1f3a043.jpg" descr="5f461d116006137.6059ac1f3a043.jpg"/>
-          <p:cNvPicPr>
-            <a:picLocks noChangeAspect="1"/>
-          </p:cNvPicPr>
-          <p:nvPr/>
-        </p:nvPicPr>
-        <p:blipFill>
-          <a:blip r:embed="rId2">
-            <a:extLst/>
-          </a:blip>
-          <a:stretch>
-            <a:fillRect/>
-          </a:stretch>
-        </p:blipFill>
-        <p:spPr>
-          <a:xfrm>
-            <a:off x="-77249" y="-2562010"/>
-            <a:ext cx="24538498" cy="16359000"/>
-          </a:xfrm>
-          <a:prstGeom prst="rect">
-            <a:avLst/>
-          </a:prstGeom>
-          <a:ln w="12700">
-            <a:miter lim="400000"/>
-          </a:ln>
-        </p:spPr>
-      </p:pic>
       <p:sp>
         <p:nvSpPr>
-          <p:cNvPr id="177" name="Google Shape;55;p13"/>
+          <p:cNvPr id="174" name="Google Shape;55;p13"/>
           <p:cNvSpPr txBox="1"/>
           <p:nvPr>
             <p:ph type="title"/>
@@ -11021,7 +9904,7 @@
       </p:sp>
       <p:sp>
         <p:nvSpPr>
-          <p:cNvPr id="178" name="Google Shape;69;p14"/>
+          <p:cNvPr id="175" name="Google Shape;69;p14"/>
           <p:cNvSpPr txBox="1"/>
           <p:nvPr/>
         </p:nvSpPr>
@@ -11325,13 +10208,6 @@
 <file path=ppt/slides/slide4.xml><?xml version="1.0" encoding="utf-8"?>
 <p:sld xmlns:a="http://schemas.openxmlformats.org/drawingml/2006/main" xmlns:r="http://schemas.openxmlformats.org/officeDocument/2006/relationships" xmlns:p="http://schemas.openxmlformats.org/presentationml/2006/main" xmlns:m="http://schemas.openxmlformats.org/officeDocument/2006/math" xmlns:a14="http://schemas.microsoft.com/office/drawing/2010/main" showMasterSp="1" showMasterPhAnim="1">
   <p:cSld>
-    <p:bg>
-      <p:bgPr>
-        <a:solidFill>
-          <a:srgbClr val="EDDACC"/>
-        </a:solidFill>
-      </p:bgPr>
-    </p:bg>
     <p:spTree>
       <p:nvGrpSpPr>
         <p:cNvPr id="1" name=""/>
@@ -11346,38 +10222,9 @@
           <a:chExt cx="0" cy="0"/>
         </a:xfrm>
       </p:grpSpPr>
-      <p:pic>
-        <p:nvPicPr>
-          <p:cNvPr id="180" name="5f461d116006137.6059ac1f3a043.jpg" descr="5f461d116006137.6059ac1f3a043.jpg"/>
-          <p:cNvPicPr>
-            <a:picLocks noChangeAspect="1"/>
-          </p:cNvPicPr>
-          <p:nvPr/>
-        </p:nvPicPr>
-        <p:blipFill>
-          <a:blip r:embed="rId2">
-            <a:extLst/>
-          </a:blip>
-          <a:stretch>
-            <a:fillRect/>
-          </a:stretch>
-        </p:blipFill>
-        <p:spPr>
-          <a:xfrm>
-            <a:off x="-77249" y="-2562010"/>
-            <a:ext cx="24538498" cy="16359000"/>
-          </a:xfrm>
-          <a:prstGeom prst="rect">
-            <a:avLst/>
-          </a:prstGeom>
-          <a:ln w="12700">
-            <a:miter lim="400000"/>
-          </a:ln>
-        </p:spPr>
-      </p:pic>
       <p:sp>
         <p:nvSpPr>
-          <p:cNvPr id="181" name="Google Shape;55;p13"/>
+          <p:cNvPr id="177" name="Google Shape;55;p13"/>
           <p:cNvSpPr txBox="1"/>
           <p:nvPr>
             <p:ph type="title"/>
@@ -11417,7 +10264,7 @@
       </p:sp>
       <p:sp>
         <p:nvSpPr>
-          <p:cNvPr id="182" name="Google Shape;69;p14"/>
+          <p:cNvPr id="178" name="Google Shape;69;p14"/>
           <p:cNvSpPr txBox="1"/>
           <p:nvPr/>
         </p:nvSpPr>
@@ -11514,7 +10361,7 @@
                 <a:cs typeface="Avenir Heavy"/>
                 <a:sym typeface="Avenir Heavy"/>
               </a:rPr>
-              <a:t>Redundant data is used to link records in different tables</a:t>
+              <a:t>Data corresponding to the same ID is used to link records in different tables</a:t>
             </a:r>
             <a:endParaRPr i="1" u="sng">
               <a:latin typeface="Avenir Heavy"/>
@@ -11777,13 +10624,6 @@
 <file path=ppt/slides/slide5.xml><?xml version="1.0" encoding="utf-8"?>
 <p:sld xmlns:a="http://schemas.openxmlformats.org/drawingml/2006/main" xmlns:r="http://schemas.openxmlformats.org/officeDocument/2006/relationships" xmlns:p="http://schemas.openxmlformats.org/presentationml/2006/main" xmlns:m="http://schemas.openxmlformats.org/officeDocument/2006/math" xmlns:a14="http://schemas.microsoft.com/office/drawing/2010/main" showMasterSp="1" showMasterPhAnim="1">
   <p:cSld>
-    <p:bg>
-      <p:bgPr>
-        <a:solidFill>
-          <a:srgbClr val="EDDACC"/>
-        </a:solidFill>
-      </p:bgPr>
-    </p:bg>
     <p:spTree>
       <p:nvGrpSpPr>
         <p:cNvPr id="1" name=""/>
@@ -11798,38 +10638,48 @@
           <a:chExt cx="0" cy="0"/>
         </a:xfrm>
       </p:grpSpPr>
-      <p:pic>
-        <p:nvPicPr>
-          <p:cNvPr id="184" name="5f461d116006137.6059ac1f3a043.jpg" descr="5f461d116006137.6059ac1f3a043.jpg"/>
-          <p:cNvPicPr>
-            <a:picLocks noChangeAspect="1"/>
-          </p:cNvPicPr>
+      <p:sp>
+        <p:nvSpPr>
+          <p:cNvPr id="180" name="Rectángulo"/>
+          <p:cNvSpPr/>
           <p:nvPr/>
-        </p:nvPicPr>
-        <p:blipFill>
-          <a:blip r:embed="rId2">
-            <a:extLst/>
-          </a:blip>
-          <a:stretch>
-            <a:fillRect/>
-          </a:stretch>
-        </p:blipFill>
+        </p:nvSpPr>
         <p:spPr>
           <a:xfrm>
-            <a:off x="-77249" y="-2562010"/>
-            <a:ext cx="24538498" cy="16359000"/>
+            <a:off x="1684265" y="4852199"/>
+            <a:ext cx="9637843" cy="8692149"/>
           </a:xfrm>
           <a:prstGeom prst="rect">
             <a:avLst/>
           </a:prstGeom>
+          <a:solidFill>
+            <a:srgbClr val="FFFFFF"/>
+          </a:solidFill>
           <a:ln w="12700">
             <a:miter lim="400000"/>
           </a:ln>
         </p:spPr>
-      </p:pic>
+        <p:txBody>
+          <a:bodyPr lIns="50800" tIns="50800" rIns="50800" bIns="50800" anchor="ctr"/>
+          <a:lstStyle/>
+          <a:p>
+            <a:pPr defTabSz="825500">
+              <a:defRPr sz="3200">
+                <a:solidFill>
+                  <a:srgbClr val="FFFFFF"/>
+                </a:solidFill>
+                <a:latin typeface="Helvetica Neue Medium"/>
+                <a:ea typeface="Helvetica Neue Medium"/>
+                <a:cs typeface="Helvetica Neue Medium"/>
+                <a:sym typeface="Helvetica Neue Medium"/>
+              </a:defRPr>
+            </a:pPr>
+          </a:p>
+        </p:txBody>
+      </p:sp>
       <p:sp>
         <p:nvSpPr>
-          <p:cNvPr id="185" name="Google Shape;55;p13"/>
+          <p:cNvPr id="181" name="Google Shape;55;p13"/>
           <p:cNvSpPr txBox="1"/>
           <p:nvPr>
             <p:ph type="title"/>
@@ -11869,14 +10719,14 @@
       </p:sp>
       <p:sp>
         <p:nvSpPr>
-          <p:cNvPr id="186" name="Google Shape;69;p14"/>
+          <p:cNvPr id="182" name="Google Shape;69;p14"/>
           <p:cNvSpPr txBox="1"/>
           <p:nvPr/>
         </p:nvSpPr>
         <p:spPr>
           <a:xfrm>
-            <a:off x="1007488" y="3750377"/>
-            <a:ext cx="21782447" cy="1287701"/>
+            <a:off x="1007488" y="3368249"/>
+            <a:ext cx="23093992" cy="1287701"/>
           </a:xfrm>
           <a:prstGeom prst="rect">
             <a:avLst/>
@@ -11897,9 +10747,6 @@
           <a:lstStyle/>
           <a:p>
             <a:pPr lvl="1" marL="1092200" indent="-482600" algn="l" defTabSz="2438400">
-              <a:lnSpc>
-                <a:spcPct val="120000"/>
-              </a:lnSpc>
               <a:buSzPct val="123000"/>
               <a:buChar char="•"/>
               <a:defRPr sz="4600">
@@ -11919,21 +10766,21 @@
                 <a:cs typeface="Avenir Heavy"/>
                 <a:sym typeface="Avenir Heavy"/>
               </a:rPr>
-              <a:t>Redundant data is used to link records in different tables</a:t>
+              <a:t>Data corresponding to the same ID is used to link records in different tables</a:t>
             </a:r>
           </a:p>
         </p:txBody>
       </p:sp>
       <p:pic>
         <p:nvPicPr>
-          <p:cNvPr id="187" name="sql1.png" descr="sql1.png"/>
+          <p:cNvPr id="183" name="sql1.png" descr="sql1.png"/>
           <p:cNvPicPr>
             <a:picLocks noChangeAspect="1"/>
           </p:cNvPicPr>
           <p:nvPr/>
         </p:nvPicPr>
         <p:blipFill>
-          <a:blip r:embed="rId3">
+          <a:blip r:embed="rId2">
             <a:extLst/>
           </a:blip>
           <a:stretch>
@@ -11955,14 +10802,14 @@
       </p:pic>
       <p:pic>
         <p:nvPicPr>
-          <p:cNvPr id="188" name="Captura de pantalla 2021-07-13 a las 21.00.18.png" descr="Captura de pantalla 2021-07-13 a las 21.00.18.png"/>
+          <p:cNvPr id="184" name="Captura de pantalla 2021-07-13 a las 21.00.18.png" descr="Captura de pantalla 2021-07-13 a las 21.00.18.png"/>
           <p:cNvPicPr>
             <a:picLocks noChangeAspect="1"/>
           </p:cNvPicPr>
           <p:nvPr/>
         </p:nvPicPr>
         <p:blipFill>
-          <a:blip r:embed="rId4">
+          <a:blip r:embed="rId3">
             <a:extLst/>
           </a:blip>
           <a:stretch>
@@ -11994,13 +10841,6 @@
 <file path=ppt/slides/slide6.xml><?xml version="1.0" encoding="utf-8"?>
 <p:sld xmlns:a="http://schemas.openxmlformats.org/drawingml/2006/main" xmlns:r="http://schemas.openxmlformats.org/officeDocument/2006/relationships" xmlns:p="http://schemas.openxmlformats.org/presentationml/2006/main" xmlns:m="http://schemas.openxmlformats.org/officeDocument/2006/math" xmlns:a14="http://schemas.microsoft.com/office/drawing/2010/main" showMasterSp="1" showMasterPhAnim="1">
   <p:cSld>
-    <p:bg>
-      <p:bgPr>
-        <a:solidFill>
-          <a:srgbClr val="EDDACC"/>
-        </a:solidFill>
-      </p:bgPr>
-    </p:bg>
     <p:spTree>
       <p:nvGrpSpPr>
         <p:cNvPr id="1" name=""/>
@@ -12015,38 +10855,9 @@
           <a:chExt cx="0" cy="0"/>
         </a:xfrm>
       </p:grpSpPr>
-      <p:pic>
-        <p:nvPicPr>
-          <p:cNvPr id="190" name="5f461d116006137.6059ac1f3a043.jpg" descr="5f461d116006137.6059ac1f3a043.jpg"/>
-          <p:cNvPicPr>
-            <a:picLocks noChangeAspect="1"/>
-          </p:cNvPicPr>
-          <p:nvPr/>
-        </p:nvPicPr>
-        <p:blipFill>
-          <a:blip r:embed="rId2">
-            <a:extLst/>
-          </a:blip>
-          <a:stretch>
-            <a:fillRect/>
-          </a:stretch>
-        </p:blipFill>
-        <p:spPr>
-          <a:xfrm>
-            <a:off x="-77249" y="-2562010"/>
-            <a:ext cx="24538498" cy="16359000"/>
-          </a:xfrm>
-          <a:prstGeom prst="rect">
-            <a:avLst/>
-          </a:prstGeom>
-          <a:ln w="12700">
-            <a:miter lim="400000"/>
-          </a:ln>
-        </p:spPr>
-      </p:pic>
       <p:sp>
         <p:nvSpPr>
-          <p:cNvPr id="191" name="Google Shape;55;p13"/>
+          <p:cNvPr id="186" name="Google Shape;55;p13"/>
           <p:cNvSpPr txBox="1"/>
           <p:nvPr>
             <p:ph type="title"/>
@@ -12086,7 +10897,7 @@
       </p:sp>
       <p:sp>
         <p:nvSpPr>
-          <p:cNvPr id="192" name="Google Shape;69;p14"/>
+          <p:cNvPr id="187" name="Google Shape;69;p14"/>
           <p:cNvSpPr txBox="1"/>
           <p:nvPr/>
         </p:nvSpPr>
@@ -12248,13 +11059,6 @@
 <file path=ppt/slides/slide7.xml><?xml version="1.0" encoding="utf-8"?>
 <p:sld xmlns:a="http://schemas.openxmlformats.org/drawingml/2006/main" xmlns:r="http://schemas.openxmlformats.org/officeDocument/2006/relationships" xmlns:p="http://schemas.openxmlformats.org/presentationml/2006/main" xmlns:m="http://schemas.openxmlformats.org/officeDocument/2006/math" xmlns:a14="http://schemas.microsoft.com/office/drawing/2010/main" showMasterSp="1" showMasterPhAnim="1">
   <p:cSld>
-    <p:bg>
-      <p:bgPr>
-        <a:solidFill>
-          <a:srgbClr val="EDDACC"/>
-        </a:solidFill>
-      </p:bgPr>
-    </p:bg>
     <p:spTree>
       <p:nvGrpSpPr>
         <p:cNvPr id="1" name=""/>
@@ -12269,38 +11073,9 @@
           <a:chExt cx="0" cy="0"/>
         </a:xfrm>
       </p:grpSpPr>
-      <p:pic>
-        <p:nvPicPr>
-          <p:cNvPr id="194" name="5f461d116006137.6059ac1f3a043.jpg" descr="5f461d116006137.6059ac1f3a043.jpg"/>
-          <p:cNvPicPr>
-            <a:picLocks noChangeAspect="1"/>
-          </p:cNvPicPr>
-          <p:nvPr/>
-        </p:nvPicPr>
-        <p:blipFill>
-          <a:blip r:embed="rId2">
-            <a:extLst/>
-          </a:blip>
-          <a:stretch>
-            <a:fillRect/>
-          </a:stretch>
-        </p:blipFill>
-        <p:spPr>
-          <a:xfrm>
-            <a:off x="-77249" y="-2562010"/>
-            <a:ext cx="24538498" cy="16359000"/>
-          </a:xfrm>
-          <a:prstGeom prst="rect">
-            <a:avLst/>
-          </a:prstGeom>
-          <a:ln w="12700">
-            <a:miter lim="400000"/>
-          </a:ln>
-        </p:spPr>
-      </p:pic>
       <p:sp>
         <p:nvSpPr>
-          <p:cNvPr id="195" name="Google Shape;55;p13"/>
+          <p:cNvPr id="189" name="Google Shape;55;p13"/>
           <p:cNvSpPr txBox="1"/>
           <p:nvPr>
             <p:ph type="title"/>
@@ -12340,290 +11115,7 @@
       </p:sp>
       <p:sp>
         <p:nvSpPr>
-          <p:cNvPr id="196" name="Google Shape;69;p14"/>
-          <p:cNvSpPr txBox="1"/>
-          <p:nvPr/>
-        </p:nvSpPr>
-        <p:spPr>
-          <a:xfrm>
-            <a:off x="945897" y="4156811"/>
-            <a:ext cx="22492206" cy="6393102"/>
-          </a:xfrm>
-          <a:prstGeom prst="rect">
-            <a:avLst/>
-          </a:prstGeom>
-          <a:ln w="12700">
-            <a:miter lim="400000"/>
-          </a:ln>
-          <a:extLst>
-            <a:ext uri="{C572A759-6A51-4108-AA02-DFA0A04FC94B}">
-              <ma14:wrappingTextBoxFlag xmlns:ma14="http://schemas.microsoft.com/office/mac/drawingml/2011/main" val="1"/>
-            </a:ext>
-          </a:extLst>
-        </p:spPr>
-        <p:txBody>
-          <a:bodyPr lIns="243799" tIns="243799" rIns="243799" bIns="243799">
-            <a:spAutoFit/>
-          </a:bodyPr>
-          <a:lstStyle/>
-          <a:p>
-            <a:pPr algn="l" defTabSz="2438400">
-              <a:lnSpc>
-                <a:spcPct val="120000"/>
-              </a:lnSpc>
-              <a:defRPr sz="3800">
-                <a:solidFill>
-                  <a:srgbClr val="FFFFFF"/>
-                </a:solidFill>
-                <a:latin typeface="Avenir Book"/>
-                <a:ea typeface="Avenir Book"/>
-                <a:cs typeface="Avenir Book"/>
-                <a:sym typeface="Avenir Book"/>
-              </a:defRPr>
-            </a:pPr>
-            <a:r>
-              <a:t>SQL Databases provide a ton of </a:t>
-            </a:r>
-            <a:r>
-              <a:rPr i="1" sz="4000" u="sng">
-                <a:latin typeface="Avenir Heavy"/>
-                <a:ea typeface="Avenir Heavy"/>
-                <a:cs typeface="Avenir Heavy"/>
-                <a:sym typeface="Avenir Heavy"/>
-              </a:rPr>
-              <a:t>Advantages</a:t>
-            </a:r>
-            <a:r>
-              <a:t> that may it the de facto choice for many applications</a:t>
-            </a:r>
-          </a:p>
-          <a:p>
-            <a:pPr lvl="1" marL="1066800" indent="-457200" algn="l" defTabSz="2438400">
-              <a:lnSpc>
-                <a:spcPct val="120000"/>
-              </a:lnSpc>
-              <a:buSzPct val="123000"/>
-              <a:buChar char="•"/>
-              <a:defRPr sz="4200" u="sng">
-                <a:solidFill>
-                  <a:srgbClr val="FFFFFF"/>
-                </a:solidFill>
-                <a:latin typeface="Avenir Heavy"/>
-                <a:ea typeface="Avenir Heavy"/>
-                <a:cs typeface="Avenir Heavy"/>
-                <a:sym typeface="Avenir Heavy"/>
-              </a:defRPr>
-            </a:pPr>
-            <a:r>
-              <a:t>Intuitive: </a:t>
-            </a:r>
-            <a:r>
-              <a:rPr u="none">
-                <a:latin typeface="Avenir Book"/>
-                <a:ea typeface="Avenir Book"/>
-                <a:cs typeface="Avenir Book"/>
-                <a:sym typeface="Avenir Book"/>
-              </a:rPr>
-              <a:t>Relations that almost anyone can understand</a:t>
-            </a:r>
-          </a:p>
-          <a:p>
-            <a:pPr lvl="1" marL="1066800" indent="-457200" algn="l" defTabSz="2438400">
-              <a:lnSpc>
-                <a:spcPct val="120000"/>
-              </a:lnSpc>
-              <a:buSzPct val="123000"/>
-              <a:buChar char="•"/>
-              <a:defRPr sz="4200" u="sng">
-                <a:solidFill>
-                  <a:srgbClr val="FFFFFF"/>
-                </a:solidFill>
-                <a:latin typeface="Avenir Heavy"/>
-                <a:ea typeface="Avenir Heavy"/>
-                <a:cs typeface="Avenir Heavy"/>
-                <a:sym typeface="Avenir Heavy"/>
-              </a:defRPr>
-            </a:pPr>
-            <a:r>
-              <a:t>Efficient: </a:t>
-            </a:r>
-            <a:r>
-              <a:rPr u="none">
-                <a:latin typeface="Avenir Book"/>
-                <a:ea typeface="Avenir Book"/>
-                <a:cs typeface="Avenir Book"/>
-                <a:sym typeface="Avenir Book"/>
-              </a:rPr>
-              <a:t>They use normalization so it doesn’t repeat its representation (less space)</a:t>
-            </a:r>
-          </a:p>
-          <a:p>
-            <a:pPr lvl="1" marL="1066800" indent="-457200" algn="l" defTabSz="2438400">
-              <a:lnSpc>
-                <a:spcPct val="120000"/>
-              </a:lnSpc>
-              <a:buSzPct val="123000"/>
-              <a:buChar char="•"/>
-              <a:defRPr sz="4200" u="sng">
-                <a:solidFill>
-                  <a:srgbClr val="FFFFFF"/>
-                </a:solidFill>
-                <a:latin typeface="Avenir Heavy"/>
-                <a:ea typeface="Avenir Heavy"/>
-                <a:cs typeface="Avenir Heavy"/>
-                <a:sym typeface="Avenir Heavy"/>
-              </a:defRPr>
-            </a:pPr>
-            <a:r>
-              <a:t>Declarative: </a:t>
-            </a:r>
-            <a:r>
-              <a:rPr u="none">
-                <a:latin typeface="Avenir Book"/>
-                <a:ea typeface="Avenir Book"/>
-                <a:cs typeface="Avenir Book"/>
-                <a:sym typeface="Avenir Book"/>
-              </a:rPr>
-              <a:t>You tell the data that you want, and the system takes care of how to execute the query</a:t>
-            </a:r>
-          </a:p>
-          <a:p>
-            <a:pPr lvl="1" marL="1066800" indent="-457200" algn="l" defTabSz="2438400">
-              <a:lnSpc>
-                <a:spcPct val="120000"/>
-              </a:lnSpc>
-              <a:buSzPct val="123000"/>
-              <a:buChar char="•"/>
-              <a:defRPr sz="4200" u="sng">
-                <a:solidFill>
-                  <a:srgbClr val="FFFFFF"/>
-                </a:solidFill>
-                <a:latin typeface="Avenir Heavy"/>
-                <a:ea typeface="Avenir Heavy"/>
-                <a:cs typeface="Avenir Heavy"/>
-                <a:sym typeface="Avenir Heavy"/>
-              </a:defRPr>
-            </a:pPr>
-            <a:r>
-              <a:t>Robust:</a:t>
-            </a:r>
-            <a:r>
-              <a:rPr u="none">
-                <a:latin typeface="Avenir Book"/>
-                <a:ea typeface="Avenir Book"/>
-                <a:cs typeface="Avenir Book"/>
-                <a:sym typeface="Avenir Book"/>
-              </a:rPr>
-              <a:t> Most databases have the ACID compliance (Atomicity, Consistency, Isolation, and Durability), guaranteeing the validity of data even if the hardware fails</a:t>
-            </a:r>
-          </a:p>
-        </p:txBody>
-      </p:sp>
-    </p:spTree>
-  </p:cSld>
-  <p:clrMapOvr>
-    <a:masterClrMapping/>
-  </p:clrMapOvr>
-  <p:transition xmlns:p14="http://schemas.microsoft.com/office/powerpoint/2010/main" spd="med" advClick="1"/>
-</p:sld>
-</file>
-
-<file path=ppt/slides/slide8.xml><?xml version="1.0" encoding="utf-8"?>
-<p:sld xmlns:a="http://schemas.openxmlformats.org/drawingml/2006/main" xmlns:r="http://schemas.openxmlformats.org/officeDocument/2006/relationships" xmlns:p="http://schemas.openxmlformats.org/presentationml/2006/main" xmlns:m="http://schemas.openxmlformats.org/officeDocument/2006/math" xmlns:a14="http://schemas.microsoft.com/office/drawing/2010/main" showMasterSp="1" showMasterPhAnim="1">
-  <p:cSld>
-    <p:bg>
-      <p:bgPr>
-        <a:solidFill>
-          <a:srgbClr val="EDDACC"/>
-        </a:solidFill>
-      </p:bgPr>
-    </p:bg>
-    <p:spTree>
-      <p:nvGrpSpPr>
-        <p:cNvPr id="1" name=""/>
-        <p:cNvGrpSpPr/>
-        <p:nvPr/>
-      </p:nvGrpSpPr>
-      <p:grpSpPr>
-        <a:xfrm>
-          <a:off x="0" y="0"/>
-          <a:ext cx="0" cy="0"/>
-          <a:chOff x="0" y="0"/>
-          <a:chExt cx="0" cy="0"/>
-        </a:xfrm>
-      </p:grpSpPr>
-      <p:pic>
-        <p:nvPicPr>
-          <p:cNvPr id="198" name="5f461d116006137.6059ac1f3a043.jpg" descr="5f461d116006137.6059ac1f3a043.jpg"/>
-          <p:cNvPicPr>
-            <a:picLocks noChangeAspect="1"/>
-          </p:cNvPicPr>
-          <p:nvPr/>
-        </p:nvPicPr>
-        <p:blipFill>
-          <a:blip r:embed="rId2">
-            <a:extLst/>
-          </a:blip>
-          <a:stretch>
-            <a:fillRect/>
-          </a:stretch>
-        </p:blipFill>
-        <p:spPr>
-          <a:xfrm>
-            <a:off x="-77249" y="-2562010"/>
-            <a:ext cx="24538498" cy="16359000"/>
-          </a:xfrm>
-          <a:prstGeom prst="rect">
-            <a:avLst/>
-          </a:prstGeom>
-          <a:ln w="12700">
-            <a:miter lim="400000"/>
-          </a:ln>
-        </p:spPr>
-      </p:pic>
-      <p:sp>
-        <p:nvSpPr>
-          <p:cNvPr id="199" name="Google Shape;55;p13"/>
-          <p:cNvSpPr txBox="1"/>
-          <p:nvPr>
-            <p:ph type="title"/>
-          </p:nvPr>
-        </p:nvSpPr>
-        <p:spPr>
-          <a:xfrm>
-            <a:off x="831199" y="531199"/>
-            <a:ext cx="22721602" cy="2640801"/>
-          </a:xfrm>
-          <a:prstGeom prst="rect">
-            <a:avLst/>
-          </a:prstGeom>
-        </p:spPr>
-        <p:txBody>
-          <a:bodyPr/>
-          <a:lstStyle>
-            <a:lvl1pPr defTabSz="2194559">
-              <a:defRPr sz="12420">
-                <a:solidFill>
-                  <a:srgbClr val="FFFFFF"/>
-                </a:solidFill>
-                <a:latin typeface="Avenir Book"/>
-                <a:ea typeface="Avenir Book"/>
-                <a:cs typeface="Avenir Book"/>
-                <a:sym typeface="Avenir Book"/>
-              </a:defRPr>
-            </a:lvl1pPr>
-          </a:lstStyle>
-          <a:p>
-            <a:pPr/>
-            <a:r>
-              <a:t>SQL - Pros and Cons</a:t>
-            </a:r>
-          </a:p>
-        </p:txBody>
-      </p:sp>
-      <p:sp>
-        <p:nvSpPr>
-          <p:cNvPr id="200" name="Google Shape;69;p14"/>
+          <p:cNvPr id="190" name="Google Shape;69;p14"/>
           <p:cNvSpPr txBox="1"/>
           <p:nvPr/>
         </p:nvSpPr>
@@ -12665,6 +11157,253 @@
               </a:defRPr>
             </a:pPr>
             <a:r>
+              <a:t>SQL Databases provide a ton of </a:t>
+            </a:r>
+            <a:r>
+              <a:rPr i="1" sz="4000" u="sng">
+                <a:latin typeface="Avenir Heavy"/>
+                <a:ea typeface="Avenir Heavy"/>
+                <a:cs typeface="Avenir Heavy"/>
+                <a:sym typeface="Avenir Heavy"/>
+              </a:rPr>
+              <a:t>Advantages</a:t>
+            </a:r>
+            <a:r>
+              <a:t> that may it the de facto choice for many applications</a:t>
+            </a:r>
+          </a:p>
+          <a:p>
+            <a:pPr lvl="1" marL="1066800" indent="-457200" algn="l" defTabSz="2438400">
+              <a:lnSpc>
+                <a:spcPct val="120000"/>
+              </a:lnSpc>
+              <a:buSzPct val="123000"/>
+              <a:buChar char="•"/>
+              <a:defRPr sz="4200" u="sng">
+                <a:solidFill>
+                  <a:srgbClr val="FFFFFF"/>
+                </a:solidFill>
+                <a:latin typeface="Avenir Heavy"/>
+                <a:ea typeface="Avenir Heavy"/>
+                <a:cs typeface="Avenir Heavy"/>
+                <a:sym typeface="Avenir Heavy"/>
+              </a:defRPr>
+            </a:pPr>
+            <a:r>
+              <a:t>Intuitive: </a:t>
+            </a:r>
+            <a:r>
+              <a:rPr u="none">
+                <a:latin typeface="Avenir Book"/>
+                <a:ea typeface="Avenir Book"/>
+                <a:cs typeface="Avenir Book"/>
+                <a:sym typeface="Avenir Book"/>
+              </a:rPr>
+              <a:t>Relations that almost anyone can understand</a:t>
+            </a:r>
+          </a:p>
+          <a:p>
+            <a:pPr lvl="1" marL="1066800" indent="-457200" algn="l" defTabSz="2438400">
+              <a:lnSpc>
+                <a:spcPct val="120000"/>
+              </a:lnSpc>
+              <a:buSzPct val="123000"/>
+              <a:buChar char="•"/>
+              <a:defRPr sz="4200" u="sng">
+                <a:solidFill>
+                  <a:srgbClr val="FFFFFF"/>
+                </a:solidFill>
+                <a:latin typeface="Avenir Heavy"/>
+                <a:ea typeface="Avenir Heavy"/>
+                <a:cs typeface="Avenir Heavy"/>
+                <a:sym typeface="Avenir Heavy"/>
+              </a:defRPr>
+            </a:pPr>
+            <a:r>
+              <a:t>Efficient: </a:t>
+            </a:r>
+            <a:r>
+              <a:rPr u="none">
+                <a:latin typeface="Avenir Book"/>
+                <a:ea typeface="Avenir Book"/>
+                <a:cs typeface="Avenir Book"/>
+                <a:sym typeface="Avenir Book"/>
+              </a:rPr>
+              <a:t>They use normalization so it doesn’t repeat its representation (less space)</a:t>
+            </a:r>
+          </a:p>
+          <a:p>
+            <a:pPr lvl="1" marL="1066800" indent="-457200" algn="l" defTabSz="2438400">
+              <a:lnSpc>
+                <a:spcPct val="120000"/>
+              </a:lnSpc>
+              <a:buSzPct val="123000"/>
+              <a:buChar char="•"/>
+              <a:defRPr sz="4200" u="sng">
+                <a:solidFill>
+                  <a:srgbClr val="FFFFFF"/>
+                </a:solidFill>
+                <a:latin typeface="Avenir Heavy"/>
+                <a:ea typeface="Avenir Heavy"/>
+                <a:cs typeface="Avenir Heavy"/>
+                <a:sym typeface="Avenir Heavy"/>
+              </a:defRPr>
+            </a:pPr>
+            <a:r>
+              <a:t>Declarative: </a:t>
+            </a:r>
+            <a:r>
+              <a:rPr u="none">
+                <a:latin typeface="Avenir Book"/>
+                <a:ea typeface="Avenir Book"/>
+                <a:cs typeface="Avenir Book"/>
+                <a:sym typeface="Avenir Book"/>
+              </a:rPr>
+              <a:t>You tell the data that you want, and the system takes care of how to execute the query</a:t>
+            </a:r>
+          </a:p>
+          <a:p>
+            <a:pPr lvl="1" marL="1066800" indent="-457200" algn="l" defTabSz="2438400">
+              <a:lnSpc>
+                <a:spcPct val="120000"/>
+              </a:lnSpc>
+              <a:buSzPct val="123000"/>
+              <a:buChar char="•"/>
+              <a:defRPr sz="4200" u="sng">
+                <a:solidFill>
+                  <a:srgbClr val="FFFFFF"/>
+                </a:solidFill>
+                <a:latin typeface="Avenir Heavy"/>
+                <a:ea typeface="Avenir Heavy"/>
+                <a:cs typeface="Avenir Heavy"/>
+                <a:sym typeface="Avenir Heavy"/>
+              </a:defRPr>
+            </a:pPr>
+            <a:r>
+              <a:t>Robust:</a:t>
+            </a:r>
+            <a:r>
+              <a:rPr u="none">
+                <a:latin typeface="Avenir Book"/>
+                <a:ea typeface="Avenir Book"/>
+                <a:cs typeface="Avenir Book"/>
+                <a:sym typeface="Avenir Book"/>
+              </a:rPr>
+              <a:t> Most databases have the ACID compliance (Atomicity, Consistency, Isolation, and Durability), guaranteeing the validity of data even if the hardware fails</a:t>
+            </a:r>
+          </a:p>
+        </p:txBody>
+      </p:sp>
+    </p:spTree>
+  </p:cSld>
+  <p:clrMapOvr>
+    <a:masterClrMapping/>
+  </p:clrMapOvr>
+  <p:transition xmlns:p14="http://schemas.microsoft.com/office/powerpoint/2010/main" spd="med" advClick="1"/>
+</p:sld>
+</file>
+
+<file path=ppt/slides/slide8.xml><?xml version="1.0" encoding="utf-8"?>
+<p:sld xmlns:a="http://schemas.openxmlformats.org/drawingml/2006/main" xmlns:r="http://schemas.openxmlformats.org/officeDocument/2006/relationships" xmlns:p="http://schemas.openxmlformats.org/presentationml/2006/main" xmlns:m="http://schemas.openxmlformats.org/officeDocument/2006/math" xmlns:a14="http://schemas.microsoft.com/office/drawing/2010/main" showMasterSp="1" showMasterPhAnim="1">
+  <p:cSld>
+    <p:spTree>
+      <p:nvGrpSpPr>
+        <p:cNvPr id="1" name=""/>
+        <p:cNvGrpSpPr/>
+        <p:nvPr/>
+      </p:nvGrpSpPr>
+      <p:grpSpPr>
+        <a:xfrm>
+          <a:off x="0" y="0"/>
+          <a:ext cx="0" cy="0"/>
+          <a:chOff x="0" y="0"/>
+          <a:chExt cx="0" cy="0"/>
+        </a:xfrm>
+      </p:grpSpPr>
+      <p:sp>
+        <p:nvSpPr>
+          <p:cNvPr id="192" name="Google Shape;55;p13"/>
+          <p:cNvSpPr txBox="1"/>
+          <p:nvPr>
+            <p:ph type="title"/>
+          </p:nvPr>
+        </p:nvSpPr>
+        <p:spPr>
+          <a:xfrm>
+            <a:off x="831199" y="531199"/>
+            <a:ext cx="22721602" cy="2640801"/>
+          </a:xfrm>
+          <a:prstGeom prst="rect">
+            <a:avLst/>
+          </a:prstGeom>
+        </p:spPr>
+        <p:txBody>
+          <a:bodyPr/>
+          <a:lstStyle>
+            <a:lvl1pPr defTabSz="2194559">
+              <a:defRPr sz="12420">
+                <a:solidFill>
+                  <a:srgbClr val="FFFFFF"/>
+                </a:solidFill>
+                <a:latin typeface="Avenir Book"/>
+                <a:ea typeface="Avenir Book"/>
+                <a:cs typeface="Avenir Book"/>
+                <a:sym typeface="Avenir Book"/>
+              </a:defRPr>
+            </a:lvl1pPr>
+          </a:lstStyle>
+          <a:p>
+            <a:pPr/>
+            <a:r>
+              <a:t>SQL - Pros and Cons</a:t>
+            </a:r>
+          </a:p>
+        </p:txBody>
+      </p:sp>
+      <p:sp>
+        <p:nvSpPr>
+          <p:cNvPr id="193" name="Google Shape;69;p14"/>
+          <p:cNvSpPr txBox="1"/>
+          <p:nvPr/>
+        </p:nvSpPr>
+        <p:spPr>
+          <a:xfrm>
+            <a:off x="945897" y="4156811"/>
+            <a:ext cx="22492206" cy="6393101"/>
+          </a:xfrm>
+          <a:prstGeom prst="rect">
+            <a:avLst/>
+          </a:prstGeom>
+          <a:ln w="12700">
+            <a:miter lim="400000"/>
+          </a:ln>
+          <a:extLst>
+            <a:ext uri="{C572A759-6A51-4108-AA02-DFA0A04FC94B}">
+              <ma14:wrappingTextBoxFlag xmlns:ma14="http://schemas.microsoft.com/office/mac/drawingml/2011/main" val="1"/>
+            </a:ext>
+          </a:extLst>
+        </p:spPr>
+        <p:txBody>
+          <a:bodyPr lIns="243799" tIns="243799" rIns="243799" bIns="243799">
+            <a:spAutoFit/>
+          </a:bodyPr>
+          <a:lstStyle/>
+          <a:p>
+            <a:pPr algn="l" defTabSz="2438400">
+              <a:lnSpc>
+                <a:spcPct val="120000"/>
+              </a:lnSpc>
+              <a:defRPr sz="3800">
+                <a:solidFill>
+                  <a:srgbClr val="FFFFFF"/>
+                </a:solidFill>
+                <a:latin typeface="Avenir Book"/>
+                <a:ea typeface="Avenir Book"/>
+                <a:cs typeface="Avenir Book"/>
+                <a:sym typeface="Avenir Book"/>
+              </a:defRPr>
+            </a:pPr>
+            <a:r>
               <a:t>However, we might find some </a:t>
             </a:r>
             <a:r>
@@ -12784,13 +11523,6 @@
 <file path=ppt/slides/slide9.xml><?xml version="1.0" encoding="utf-8"?>
 <p:sld xmlns:a="http://schemas.openxmlformats.org/drawingml/2006/main" xmlns:r="http://schemas.openxmlformats.org/officeDocument/2006/relationships" xmlns:p="http://schemas.openxmlformats.org/presentationml/2006/main" xmlns:m="http://schemas.openxmlformats.org/officeDocument/2006/math" xmlns:a14="http://schemas.microsoft.com/office/drawing/2010/main" showMasterSp="1" showMasterPhAnim="1">
   <p:cSld>
-    <p:bg>
-      <p:bgPr>
-        <a:solidFill>
-          <a:srgbClr val="EDDACC"/>
-        </a:solidFill>
-      </p:bgPr>
-    </p:bg>
     <p:spTree>
       <p:nvGrpSpPr>
         <p:cNvPr id="1" name=""/>
@@ -12805,38 +11537,48 @@
           <a:chExt cx="0" cy="0"/>
         </a:xfrm>
       </p:grpSpPr>
-      <p:pic>
-        <p:nvPicPr>
-          <p:cNvPr id="202" name="5f461d116006137.6059ac1f3a043.jpg" descr="5f461d116006137.6059ac1f3a043.jpg"/>
-          <p:cNvPicPr>
-            <a:picLocks noChangeAspect="1"/>
-          </p:cNvPicPr>
+      <p:sp>
+        <p:nvSpPr>
+          <p:cNvPr id="195" name="Rectángulo"/>
+          <p:cNvSpPr/>
           <p:nvPr/>
-        </p:nvPicPr>
-        <p:blipFill>
-          <a:blip r:embed="rId2">
-            <a:extLst/>
-          </a:blip>
-          <a:stretch>
-            <a:fillRect/>
-          </a:stretch>
-        </p:blipFill>
+        </p:nvSpPr>
         <p:spPr>
           <a:xfrm>
-            <a:off x="-77249" y="-2562010"/>
-            <a:ext cx="24538498" cy="16359000"/>
+            <a:off x="14370601" y="5557226"/>
+            <a:ext cx="9399986" cy="7485235"/>
           </a:xfrm>
           <a:prstGeom prst="rect">
             <a:avLst/>
           </a:prstGeom>
+          <a:solidFill>
+            <a:srgbClr val="FFFFFF"/>
+          </a:solidFill>
           <a:ln w="12700">
             <a:miter lim="400000"/>
           </a:ln>
         </p:spPr>
-      </p:pic>
+        <p:txBody>
+          <a:bodyPr lIns="50800" tIns="50800" rIns="50800" bIns="50800" anchor="ctr"/>
+          <a:lstStyle/>
+          <a:p>
+            <a:pPr defTabSz="825500">
+              <a:defRPr sz="3200">
+                <a:solidFill>
+                  <a:srgbClr val="FFFFFF"/>
+                </a:solidFill>
+                <a:latin typeface="Helvetica Neue Medium"/>
+                <a:ea typeface="Helvetica Neue Medium"/>
+                <a:cs typeface="Helvetica Neue Medium"/>
+                <a:sym typeface="Helvetica Neue Medium"/>
+              </a:defRPr>
+            </a:pPr>
+          </a:p>
+        </p:txBody>
+      </p:sp>
       <p:sp>
         <p:nvSpPr>
-          <p:cNvPr id="203" name="Google Shape;55;p13"/>
+          <p:cNvPr id="196" name="Google Shape;55;p13"/>
           <p:cNvSpPr txBox="1"/>
           <p:nvPr>
             <p:ph type="title"/>
@@ -12876,7 +11618,7 @@
       </p:sp>
       <p:sp>
         <p:nvSpPr>
-          <p:cNvPr id="204" name="Google Shape;69;p14"/>
+          <p:cNvPr id="197" name="Google Shape;69;p14"/>
           <p:cNvSpPr txBox="1"/>
           <p:nvPr/>
         </p:nvSpPr>
@@ -12949,7 +11691,7 @@
       </p:sp>
       <p:sp>
         <p:nvSpPr>
-          <p:cNvPr id="205" name="Primary Keys: uniquely defines a record in a database table.…"/>
+          <p:cNvPr id="198" name="Primary Keys: uniquely defines a record in a database table.…"/>
           <p:cNvSpPr txBox="1"/>
           <p:nvPr/>
         </p:nvSpPr>
@@ -13171,14 +11913,14 @@
       </p:sp>
       <p:pic>
         <p:nvPicPr>
-          <p:cNvPr id="206" name="sql2.png" descr="sql2.png"/>
+          <p:cNvPr id="199" name="sql2.png" descr="sql2.png"/>
           <p:cNvPicPr>
             <a:picLocks noChangeAspect="1"/>
           </p:cNvPicPr>
           <p:nvPr/>
         </p:nvPicPr>
         <p:blipFill>
-          <a:blip r:embed="rId3">
+          <a:blip r:embed="rId2">
             <a:extLst/>
           </a:blip>
           <a:srcRect l="29" t="0" r="29" b="0"/>
@@ -13189,7 +11931,7 @@
         <p:spPr>
           <a:xfrm>
             <a:off x="14370601" y="5891877"/>
-            <a:ext cx="9399974" cy="6816095"/>
+            <a:ext cx="9399975" cy="6816095"/>
           </a:xfrm>
           <a:prstGeom prst="rect">
             <a:avLst/>
